--- a/doc/screen/Screen Grid.pptx
+++ b/doc/screen/Screen Grid.pptx
@@ -6,6 +6,7 @@
   </p:sldMasterIdLst>
   <p:sldIdLst>
     <p:sldId id="256" r:id="rId2"/>
+    <p:sldId id="257" r:id="rId3"/>
   </p:sldIdLst>
   <p:sldSz cx="9906000" cy="6858000" type="A4"/>
   <p:notesSz cx="6858000" cy="9144000"/>
@@ -104,6 +105,11 @@
       </a:defRPr>
     </a:lvl9pPr>
   </p:defaultTextStyle>
+  <p:extLst>
+    <p:ext uri="{EFAFB233-063F-42B5-8137-9DF3F51BA10A}">
+      <p15:sldGuideLst xmlns:p15="http://schemas.microsoft.com/office/powerpoint/2012/main"/>
+    </p:ext>
+  </p:extLst>
 </p:presentation>
 </file>
 
@@ -238,7 +244,7 @@
           <a:p>
             <a:fld id="{354C856E-6F43-5848-8811-BC1BDA8B120C}" type="datetimeFigureOut">
               <a:rPr lang="en-US" smtClean="0"/>
-              <a:t>3/14/25</a:t>
+              <a:t>3/19/25</a:t>
             </a:fld>
             <a:endParaRPr lang="en-US"/>
           </a:p>
@@ -408,7 +414,7 @@
           <a:p>
             <a:fld id="{354C856E-6F43-5848-8811-BC1BDA8B120C}" type="datetimeFigureOut">
               <a:rPr lang="en-US" smtClean="0"/>
-              <a:t>3/14/25</a:t>
+              <a:t>3/19/25</a:t>
             </a:fld>
             <a:endParaRPr lang="en-US"/>
           </a:p>
@@ -588,7 +594,7 @@
           <a:p>
             <a:fld id="{354C856E-6F43-5848-8811-BC1BDA8B120C}" type="datetimeFigureOut">
               <a:rPr lang="en-US" smtClean="0"/>
-              <a:t>3/14/25</a:t>
+              <a:t>3/19/25</a:t>
             </a:fld>
             <a:endParaRPr lang="en-US"/>
           </a:p>
@@ -758,7 +764,7 @@
           <a:p>
             <a:fld id="{354C856E-6F43-5848-8811-BC1BDA8B120C}" type="datetimeFigureOut">
               <a:rPr lang="en-US" smtClean="0"/>
-              <a:t>3/14/25</a:t>
+              <a:t>3/19/25</a:t>
             </a:fld>
             <a:endParaRPr lang="en-US"/>
           </a:p>
@@ -1004,7 +1010,7 @@
           <a:p>
             <a:fld id="{354C856E-6F43-5848-8811-BC1BDA8B120C}" type="datetimeFigureOut">
               <a:rPr lang="en-US" smtClean="0"/>
-              <a:t>3/14/25</a:t>
+              <a:t>3/19/25</a:t>
             </a:fld>
             <a:endParaRPr lang="en-US"/>
           </a:p>
@@ -1236,7 +1242,7 @@
           <a:p>
             <a:fld id="{354C856E-6F43-5848-8811-BC1BDA8B120C}" type="datetimeFigureOut">
               <a:rPr lang="en-US" smtClean="0"/>
-              <a:t>3/14/25</a:t>
+              <a:t>3/19/25</a:t>
             </a:fld>
             <a:endParaRPr lang="en-US"/>
           </a:p>
@@ -1603,7 +1609,7 @@
           <a:p>
             <a:fld id="{354C856E-6F43-5848-8811-BC1BDA8B120C}" type="datetimeFigureOut">
               <a:rPr lang="en-US" smtClean="0"/>
-              <a:t>3/14/25</a:t>
+              <a:t>3/19/25</a:t>
             </a:fld>
             <a:endParaRPr lang="en-US"/>
           </a:p>
@@ -1721,7 +1727,7 @@
           <a:p>
             <a:fld id="{354C856E-6F43-5848-8811-BC1BDA8B120C}" type="datetimeFigureOut">
               <a:rPr lang="en-US" smtClean="0"/>
-              <a:t>3/14/25</a:t>
+              <a:t>3/19/25</a:t>
             </a:fld>
             <a:endParaRPr lang="en-US"/>
           </a:p>
@@ -1816,7 +1822,7 @@
           <a:p>
             <a:fld id="{354C856E-6F43-5848-8811-BC1BDA8B120C}" type="datetimeFigureOut">
               <a:rPr lang="en-US" smtClean="0"/>
-              <a:t>3/14/25</a:t>
+              <a:t>3/19/25</a:t>
             </a:fld>
             <a:endParaRPr lang="en-US"/>
           </a:p>
@@ -2093,7 +2099,7 @@
           <a:p>
             <a:fld id="{354C856E-6F43-5848-8811-BC1BDA8B120C}" type="datetimeFigureOut">
               <a:rPr lang="en-US" smtClean="0"/>
-              <a:t>3/14/25</a:t>
+              <a:t>3/19/25</a:t>
             </a:fld>
             <a:endParaRPr lang="en-US"/>
           </a:p>
@@ -2350,7 +2356,7 @@
           <a:p>
             <a:fld id="{354C856E-6F43-5848-8811-BC1BDA8B120C}" type="datetimeFigureOut">
               <a:rPr lang="en-US" smtClean="0"/>
-              <a:t>3/14/25</a:t>
+              <a:t>3/19/25</a:t>
             </a:fld>
             <a:endParaRPr lang="en-US"/>
           </a:p>
@@ -2563,7 +2569,7 @@
           <a:p>
             <a:fld id="{354C856E-6F43-5848-8811-BC1BDA8B120C}" type="datetimeFigureOut">
               <a:rPr lang="en-US" smtClean="0"/>
-              <a:t>3/14/25</a:t>
+              <a:t>3/19/25</a:t>
             </a:fld>
             <a:endParaRPr lang="en-US"/>
           </a:p>
@@ -3224,7 +3230,7 @@
           <a:prstGeom prst="line">
             <a:avLst/>
           </a:prstGeom>
-          <a:ln w="12700">
+          <a:ln w="6350">
             <a:solidFill>
               <a:schemeClr val="bg1">
                 <a:lumMod val="85000"/>
@@ -3404,7 +3410,7 @@
           <a:prstGeom prst="line">
             <a:avLst/>
           </a:prstGeom>
-          <a:ln w="12700">
+          <a:ln w="6350">
             <a:solidFill>
               <a:schemeClr val="bg1">
                 <a:lumMod val="85000"/>
@@ -3584,7 +3590,7 @@
           <a:prstGeom prst="line">
             <a:avLst/>
           </a:prstGeom>
-          <a:ln w="12700">
+          <a:ln w="6350">
             <a:solidFill>
               <a:schemeClr val="bg1">
                 <a:lumMod val="85000"/>
@@ -3713,7 +3719,7 @@
         </p:nvCxnSpPr>
         <p:spPr>
           <a:xfrm>
-            <a:off x="633000" y="1302750"/>
+            <a:off x="633000" y="1302914"/>
             <a:ext cx="8640000" cy="0"/>
           </a:xfrm>
           <a:prstGeom prst="line">
@@ -3758,7 +3764,7 @@
         </p:nvCxnSpPr>
         <p:spPr>
           <a:xfrm>
-            <a:off x="633000" y="1606500"/>
+            <a:off x="633000" y="1608042"/>
             <a:ext cx="8640000" cy="0"/>
           </a:xfrm>
           <a:prstGeom prst="line">
@@ -3803,7 +3809,7 @@
         </p:nvCxnSpPr>
         <p:spPr>
           <a:xfrm>
-            <a:off x="633000" y="1910250"/>
+            <a:off x="633000" y="1913170"/>
             <a:ext cx="8640000" cy="0"/>
           </a:xfrm>
           <a:prstGeom prst="line">
@@ -3848,13 +3854,13 @@
         </p:nvCxnSpPr>
         <p:spPr>
           <a:xfrm>
-            <a:off x="633000" y="2214000"/>
+            <a:off x="633000" y="2218298"/>
             <a:ext cx="8640000" cy="0"/>
           </a:xfrm>
           <a:prstGeom prst="line">
             <a:avLst/>
           </a:prstGeom>
-          <a:ln w="12700">
+          <a:ln w="6350">
             <a:solidFill>
               <a:schemeClr val="bg1">
                 <a:lumMod val="85000"/>
@@ -3893,7 +3899,7 @@
         </p:nvCxnSpPr>
         <p:spPr>
           <a:xfrm>
-            <a:off x="633000" y="2517750"/>
+            <a:off x="633000" y="2523426"/>
             <a:ext cx="8640000" cy="0"/>
           </a:xfrm>
           <a:prstGeom prst="line">
@@ -3938,7 +3944,7 @@
         </p:nvCxnSpPr>
         <p:spPr>
           <a:xfrm>
-            <a:off x="633000" y="2821500"/>
+            <a:off x="633000" y="2828554"/>
             <a:ext cx="8640000" cy="0"/>
           </a:xfrm>
           <a:prstGeom prst="line">
@@ -3983,7 +3989,7 @@
         </p:nvCxnSpPr>
         <p:spPr>
           <a:xfrm>
-            <a:off x="633000" y="3125250"/>
+            <a:off x="633000" y="3133682"/>
             <a:ext cx="8640000" cy="0"/>
           </a:xfrm>
           <a:prstGeom prst="line">
@@ -4028,13 +4034,13 @@
         </p:nvCxnSpPr>
         <p:spPr>
           <a:xfrm>
-            <a:off x="633000" y="3429000"/>
+            <a:off x="633000" y="3438810"/>
             <a:ext cx="8640000" cy="0"/>
           </a:xfrm>
           <a:prstGeom prst="line">
             <a:avLst/>
           </a:prstGeom>
-          <a:ln w="12700">
+          <a:ln w="6350">
             <a:solidFill>
               <a:schemeClr val="bg1">
                 <a:lumMod val="85000"/>
@@ -4073,7 +4079,7 @@
         </p:nvCxnSpPr>
         <p:spPr>
           <a:xfrm>
-            <a:off x="633000" y="3732750"/>
+            <a:off x="633000" y="3743938"/>
             <a:ext cx="8640000" cy="0"/>
           </a:xfrm>
           <a:prstGeom prst="line">
@@ -4118,7 +4124,7 @@
         </p:nvCxnSpPr>
         <p:spPr>
           <a:xfrm>
-            <a:off x="633000" y="4036500"/>
+            <a:off x="633000" y="4049066"/>
             <a:ext cx="8640000" cy="0"/>
           </a:xfrm>
           <a:prstGeom prst="line">
@@ -4163,7 +4169,7 @@
         </p:nvCxnSpPr>
         <p:spPr>
           <a:xfrm>
-            <a:off x="633000" y="4340250"/>
+            <a:off x="633000" y="4354194"/>
             <a:ext cx="8640000" cy="0"/>
           </a:xfrm>
           <a:prstGeom prst="line">
@@ -4208,13 +4214,13 @@
         </p:nvCxnSpPr>
         <p:spPr>
           <a:xfrm>
-            <a:off x="633000" y="4644000"/>
+            <a:off x="633000" y="4659322"/>
             <a:ext cx="8640000" cy="0"/>
           </a:xfrm>
           <a:prstGeom prst="line">
             <a:avLst/>
           </a:prstGeom>
-          <a:ln w="12700">
+          <a:ln w="6350">
             <a:solidFill>
               <a:schemeClr val="bg1">
                 <a:lumMod val="85000"/>
@@ -4253,7 +4259,7 @@
         </p:nvCxnSpPr>
         <p:spPr>
           <a:xfrm>
-            <a:off x="633000" y="4947750"/>
+            <a:off x="633000" y="4964450"/>
             <a:ext cx="8640000" cy="0"/>
           </a:xfrm>
           <a:prstGeom prst="line">
@@ -4298,7 +4304,7 @@
         </p:nvCxnSpPr>
         <p:spPr>
           <a:xfrm>
-            <a:off x="633000" y="5251500"/>
+            <a:off x="633000" y="5269578"/>
             <a:ext cx="8640000" cy="0"/>
           </a:xfrm>
           <a:prstGeom prst="line">
@@ -4343,7 +4349,7 @@
         </p:nvCxnSpPr>
         <p:spPr>
           <a:xfrm>
-            <a:off x="633000" y="5555250"/>
+            <a:off x="633000" y="5574706"/>
             <a:ext cx="8640000" cy="0"/>
           </a:xfrm>
           <a:prstGeom prst="line">
@@ -5178,7 +5184,7 @@
           <a:p>
             <a:pPr algn="r"/>
             <a:r>
-              <a:rPr lang="en-US" sz="1200" dirty="0">
+              <a:rPr lang="en-US" sz="1100" dirty="0">
                 <a:solidFill>
                   <a:schemeClr val="tx1">
                     <a:lumMod val="50000"/>
@@ -5226,55 +5232,7 @@
           <a:p>
             <a:pPr algn="r"/>
             <a:r>
-              <a:rPr lang="en-US" sz="1200" dirty="0">
-                <a:solidFill>
-                  <a:schemeClr val="tx1">
-                    <a:lumMod val="50000"/>
-                    <a:lumOff val="50000"/>
-                  </a:schemeClr>
-                </a:solidFill>
-                <a:latin typeface="Courier New" panose="02070309020205020404" pitchFamily="49" charset="0"/>
-                <a:cs typeface="Courier New" panose="02070309020205020404" pitchFamily="49" charset="0"/>
-              </a:rPr>
-              <a:t>1</a:t>
-            </a:r>
-          </a:p>
-        </p:txBody>
-      </p:sp>
-      <p:sp>
-        <p:nvSpPr>
-          <p:cNvPr id="65" name="TextBox 64">
-            <a:extLst>
-              <a:ext uri="{FF2B5EF4-FFF2-40B4-BE49-F238E27FC236}">
-                <a16:creationId xmlns:a16="http://schemas.microsoft.com/office/drawing/2014/main" id="{8CDFEDAC-1929-979A-7FD3-45AA08E43067}"/>
-              </a:ext>
-            </a:extLst>
-          </p:cNvPr>
-          <p:cNvSpPr txBox="1"/>
-          <p:nvPr/>
-        </p:nvSpPr>
-        <p:spPr>
-          <a:xfrm>
-            <a:off x="216568" y="1605469"/>
-            <a:ext cx="408764" cy="304659"/>
-          </a:xfrm>
-          <a:prstGeom prst="rect">
-            <a:avLst/>
-          </a:prstGeom>
-          <a:noFill/>
-          <a:ln>
-            <a:noFill/>
-          </a:ln>
-        </p:spPr>
-        <p:txBody>
-          <a:bodyPr wrap="square" lIns="0" tIns="0" rIns="36000" rtlCol="0">
-            <a:noAutofit/>
-          </a:bodyPr>
-          <a:lstStyle/>
-          <a:p>
-            <a:pPr algn="r"/>
-            <a:r>
-              <a:rPr lang="en-US" sz="1200" dirty="0">
+              <a:rPr lang="en-US" sz="1100" dirty="0">
                 <a:solidFill>
                   <a:schemeClr val="tx1">
                     <a:lumMod val="50000"/>
@@ -5291,10 +5249,10 @@
       </p:sp>
       <p:sp>
         <p:nvSpPr>
-          <p:cNvPr id="66" name="TextBox 65">
-            <a:extLst>
-              <a:ext uri="{FF2B5EF4-FFF2-40B4-BE49-F238E27FC236}">
-                <a16:creationId xmlns:a16="http://schemas.microsoft.com/office/drawing/2014/main" id="{06F76AB7-F2D3-130C-FE74-1A5E500F3CED}"/>
+          <p:cNvPr id="65" name="TextBox 64">
+            <a:extLst>
+              <a:ext uri="{FF2B5EF4-FFF2-40B4-BE49-F238E27FC236}">
+                <a16:creationId xmlns:a16="http://schemas.microsoft.com/office/drawing/2014/main" id="{8CDFEDAC-1929-979A-7FD3-45AA08E43067}"/>
               </a:ext>
             </a:extLst>
           </p:cNvPr>
@@ -5303,7 +5261,7 @@
         </p:nvSpPr>
         <p:spPr>
           <a:xfrm>
-            <a:off x="216568" y="1909158"/>
+            <a:off x="216568" y="1605469"/>
             <a:ext cx="408764" cy="304659"/>
           </a:xfrm>
           <a:prstGeom prst="rect">
@@ -5322,55 +5280,7 @@
           <a:p>
             <a:pPr algn="r"/>
             <a:r>
-              <a:rPr lang="en-US" sz="1200" dirty="0">
-                <a:solidFill>
-                  <a:schemeClr val="tx1">
-                    <a:lumMod val="50000"/>
-                    <a:lumOff val="50000"/>
-                  </a:schemeClr>
-                </a:solidFill>
-                <a:latin typeface="Courier New" panose="02070309020205020404" pitchFamily="49" charset="0"/>
-                <a:cs typeface="Courier New" panose="02070309020205020404" pitchFamily="49" charset="0"/>
-              </a:rPr>
-              <a:t>3</a:t>
-            </a:r>
-          </a:p>
-        </p:txBody>
-      </p:sp>
-      <p:sp>
-        <p:nvSpPr>
-          <p:cNvPr id="67" name="TextBox 66">
-            <a:extLst>
-              <a:ext uri="{FF2B5EF4-FFF2-40B4-BE49-F238E27FC236}">
-                <a16:creationId xmlns:a16="http://schemas.microsoft.com/office/drawing/2014/main" id="{694A5897-C3AC-3F38-BC64-AD362EFA2695}"/>
-              </a:ext>
-            </a:extLst>
-          </p:cNvPr>
-          <p:cNvSpPr txBox="1"/>
-          <p:nvPr/>
-        </p:nvSpPr>
-        <p:spPr>
-          <a:xfrm>
-            <a:off x="216568" y="2212847"/>
-            <a:ext cx="408764" cy="304659"/>
-          </a:xfrm>
-          <a:prstGeom prst="rect">
-            <a:avLst/>
-          </a:prstGeom>
-          <a:noFill/>
-          <a:ln>
-            <a:noFill/>
-          </a:ln>
-        </p:spPr>
-        <p:txBody>
-          <a:bodyPr wrap="square" lIns="0" tIns="0" rIns="36000" rtlCol="0">
-            <a:noAutofit/>
-          </a:bodyPr>
-          <a:lstStyle/>
-          <a:p>
-            <a:pPr algn="r"/>
-            <a:r>
-              <a:rPr lang="en-US" sz="1200" dirty="0">
+              <a:rPr lang="en-US" sz="1100" dirty="0">
                 <a:solidFill>
                   <a:schemeClr val="tx1">
                     <a:lumMod val="50000"/>
@@ -5387,10 +5297,10 @@
       </p:sp>
       <p:sp>
         <p:nvSpPr>
-          <p:cNvPr id="68" name="TextBox 67">
-            <a:extLst>
-              <a:ext uri="{FF2B5EF4-FFF2-40B4-BE49-F238E27FC236}">
-                <a16:creationId xmlns:a16="http://schemas.microsoft.com/office/drawing/2014/main" id="{8B19A4FB-6C5B-8B3D-8797-8B647C145645}"/>
+          <p:cNvPr id="66" name="TextBox 65">
+            <a:extLst>
+              <a:ext uri="{FF2B5EF4-FFF2-40B4-BE49-F238E27FC236}">
+                <a16:creationId xmlns:a16="http://schemas.microsoft.com/office/drawing/2014/main" id="{06F76AB7-F2D3-130C-FE74-1A5E500F3CED}"/>
               </a:ext>
             </a:extLst>
           </p:cNvPr>
@@ -5399,7 +5309,7 @@
         </p:nvSpPr>
         <p:spPr>
           <a:xfrm>
-            <a:off x="216568" y="2516536"/>
+            <a:off x="216568" y="1909158"/>
             <a:ext cx="408764" cy="304659"/>
           </a:xfrm>
           <a:prstGeom prst="rect">
@@ -5418,55 +5328,7 @@
           <a:p>
             <a:pPr algn="r"/>
             <a:r>
-              <a:rPr lang="en-US" sz="1200" dirty="0">
-                <a:solidFill>
-                  <a:schemeClr val="tx1">
-                    <a:lumMod val="50000"/>
-                    <a:lumOff val="50000"/>
-                  </a:schemeClr>
-                </a:solidFill>
-                <a:latin typeface="Courier New" panose="02070309020205020404" pitchFamily="49" charset="0"/>
-                <a:cs typeface="Courier New" panose="02070309020205020404" pitchFamily="49" charset="0"/>
-              </a:rPr>
-              <a:t>5</a:t>
-            </a:r>
-          </a:p>
-        </p:txBody>
-      </p:sp>
-      <p:sp>
-        <p:nvSpPr>
-          <p:cNvPr id="69" name="TextBox 68">
-            <a:extLst>
-              <a:ext uri="{FF2B5EF4-FFF2-40B4-BE49-F238E27FC236}">
-                <a16:creationId xmlns:a16="http://schemas.microsoft.com/office/drawing/2014/main" id="{E7CBB7DE-A8CA-FBAA-EFD0-2F091D5D0A0E}"/>
-              </a:ext>
-            </a:extLst>
-          </p:cNvPr>
-          <p:cNvSpPr txBox="1"/>
-          <p:nvPr/>
-        </p:nvSpPr>
-        <p:spPr>
-          <a:xfrm>
-            <a:off x="216568" y="2820225"/>
-            <a:ext cx="408764" cy="304659"/>
-          </a:xfrm>
-          <a:prstGeom prst="rect">
-            <a:avLst/>
-          </a:prstGeom>
-          <a:noFill/>
-          <a:ln>
-            <a:noFill/>
-          </a:ln>
-        </p:spPr>
-        <p:txBody>
-          <a:bodyPr wrap="square" lIns="0" tIns="0" rIns="36000" rtlCol="0">
-            <a:noAutofit/>
-          </a:bodyPr>
-          <a:lstStyle/>
-          <a:p>
-            <a:pPr algn="r"/>
-            <a:r>
-              <a:rPr lang="en-US" sz="1200" dirty="0">
+              <a:rPr lang="en-US" sz="1100" dirty="0">
                 <a:solidFill>
                   <a:schemeClr val="tx1">
                     <a:lumMod val="50000"/>
@@ -5483,10 +5345,10 @@
       </p:sp>
       <p:sp>
         <p:nvSpPr>
-          <p:cNvPr id="70" name="TextBox 69">
-            <a:extLst>
-              <a:ext uri="{FF2B5EF4-FFF2-40B4-BE49-F238E27FC236}">
-                <a16:creationId xmlns:a16="http://schemas.microsoft.com/office/drawing/2014/main" id="{CC5AD5C9-1A7A-E65F-74D8-A3243671DE53}"/>
+          <p:cNvPr id="67" name="TextBox 66">
+            <a:extLst>
+              <a:ext uri="{FF2B5EF4-FFF2-40B4-BE49-F238E27FC236}">
+                <a16:creationId xmlns:a16="http://schemas.microsoft.com/office/drawing/2014/main" id="{694A5897-C3AC-3F38-BC64-AD362EFA2695}"/>
               </a:ext>
             </a:extLst>
           </p:cNvPr>
@@ -5495,7 +5357,7 @@
         </p:nvSpPr>
         <p:spPr>
           <a:xfrm>
-            <a:off x="216568" y="3123914"/>
+            <a:off x="216568" y="2212847"/>
             <a:ext cx="408764" cy="304659"/>
           </a:xfrm>
           <a:prstGeom prst="rect">
@@ -5514,55 +5376,7 @@
           <a:p>
             <a:pPr algn="r"/>
             <a:r>
-              <a:rPr lang="en-US" sz="1200" dirty="0">
-                <a:solidFill>
-                  <a:schemeClr val="tx1">
-                    <a:lumMod val="50000"/>
-                    <a:lumOff val="50000"/>
-                  </a:schemeClr>
-                </a:solidFill>
-                <a:latin typeface="Courier New" panose="02070309020205020404" pitchFamily="49" charset="0"/>
-                <a:cs typeface="Courier New" panose="02070309020205020404" pitchFamily="49" charset="0"/>
-              </a:rPr>
-              <a:t>7</a:t>
-            </a:r>
-          </a:p>
-        </p:txBody>
-      </p:sp>
-      <p:sp>
-        <p:nvSpPr>
-          <p:cNvPr id="71" name="TextBox 70">
-            <a:extLst>
-              <a:ext uri="{FF2B5EF4-FFF2-40B4-BE49-F238E27FC236}">
-                <a16:creationId xmlns:a16="http://schemas.microsoft.com/office/drawing/2014/main" id="{16224CB8-9E27-AEBE-4620-AA5FFE381911}"/>
-              </a:ext>
-            </a:extLst>
-          </p:cNvPr>
-          <p:cNvSpPr txBox="1"/>
-          <p:nvPr/>
-        </p:nvSpPr>
-        <p:spPr>
-          <a:xfrm>
-            <a:off x="216568" y="3427603"/>
-            <a:ext cx="408764" cy="304659"/>
-          </a:xfrm>
-          <a:prstGeom prst="rect">
-            <a:avLst/>
-          </a:prstGeom>
-          <a:noFill/>
-          <a:ln>
-            <a:noFill/>
-          </a:ln>
-        </p:spPr>
-        <p:txBody>
-          <a:bodyPr wrap="square" lIns="0" tIns="0" rIns="36000" rtlCol="0">
-            <a:noAutofit/>
-          </a:bodyPr>
-          <a:lstStyle/>
-          <a:p>
-            <a:pPr algn="r"/>
-            <a:r>
-              <a:rPr lang="en-US" sz="1200" dirty="0">
+              <a:rPr lang="en-US" sz="1100" dirty="0">
                 <a:solidFill>
                   <a:schemeClr val="tx1">
                     <a:lumMod val="50000"/>
@@ -5579,10 +5393,10 @@
       </p:sp>
       <p:sp>
         <p:nvSpPr>
-          <p:cNvPr id="72" name="TextBox 71">
-            <a:extLst>
-              <a:ext uri="{FF2B5EF4-FFF2-40B4-BE49-F238E27FC236}">
-                <a16:creationId xmlns:a16="http://schemas.microsoft.com/office/drawing/2014/main" id="{6FDEAABA-4AAB-F7B5-6B0B-0704B4B7E460}"/>
+          <p:cNvPr id="68" name="TextBox 67">
+            <a:extLst>
+              <a:ext uri="{FF2B5EF4-FFF2-40B4-BE49-F238E27FC236}">
+                <a16:creationId xmlns:a16="http://schemas.microsoft.com/office/drawing/2014/main" id="{8B19A4FB-6C5B-8B3D-8797-8B647C145645}"/>
               </a:ext>
             </a:extLst>
           </p:cNvPr>
@@ -5591,7 +5405,7 @@
         </p:nvSpPr>
         <p:spPr>
           <a:xfrm>
-            <a:off x="216568" y="3731292"/>
+            <a:off x="216568" y="2516536"/>
             <a:ext cx="408764" cy="304659"/>
           </a:xfrm>
           <a:prstGeom prst="rect">
@@ -5610,55 +5424,7 @@
           <a:p>
             <a:pPr algn="r"/>
             <a:r>
-              <a:rPr lang="en-US" sz="1200" dirty="0">
-                <a:solidFill>
-                  <a:schemeClr val="tx1">
-                    <a:lumMod val="50000"/>
-                    <a:lumOff val="50000"/>
-                  </a:schemeClr>
-                </a:solidFill>
-                <a:latin typeface="Courier New" panose="02070309020205020404" pitchFamily="49" charset="0"/>
-                <a:cs typeface="Courier New" panose="02070309020205020404" pitchFamily="49" charset="0"/>
-              </a:rPr>
-              <a:t>9</a:t>
-            </a:r>
-          </a:p>
-        </p:txBody>
-      </p:sp>
-      <p:sp>
-        <p:nvSpPr>
-          <p:cNvPr id="73" name="TextBox 72">
-            <a:extLst>
-              <a:ext uri="{FF2B5EF4-FFF2-40B4-BE49-F238E27FC236}">
-                <a16:creationId xmlns:a16="http://schemas.microsoft.com/office/drawing/2014/main" id="{AF3F1C70-4149-D33A-9B24-DDB251AE129E}"/>
-              </a:ext>
-            </a:extLst>
-          </p:cNvPr>
-          <p:cNvSpPr txBox="1"/>
-          <p:nvPr/>
-        </p:nvSpPr>
-        <p:spPr>
-          <a:xfrm>
-            <a:off x="216568" y="4034981"/>
-            <a:ext cx="408764" cy="304659"/>
-          </a:xfrm>
-          <a:prstGeom prst="rect">
-            <a:avLst/>
-          </a:prstGeom>
-          <a:noFill/>
-          <a:ln>
-            <a:noFill/>
-          </a:ln>
-        </p:spPr>
-        <p:txBody>
-          <a:bodyPr wrap="square" lIns="0" tIns="0" rIns="36000" rtlCol="0">
-            <a:noAutofit/>
-          </a:bodyPr>
-          <a:lstStyle/>
-          <a:p>
-            <a:pPr algn="r"/>
-            <a:r>
-              <a:rPr lang="en-US" sz="1200" dirty="0">
+              <a:rPr lang="en-US" sz="1100" dirty="0">
                 <a:solidFill>
                   <a:schemeClr val="tx1">
                     <a:lumMod val="50000"/>
@@ -5675,10 +5441,10 @@
       </p:sp>
       <p:sp>
         <p:nvSpPr>
-          <p:cNvPr id="74" name="TextBox 73">
-            <a:extLst>
-              <a:ext uri="{FF2B5EF4-FFF2-40B4-BE49-F238E27FC236}">
-                <a16:creationId xmlns:a16="http://schemas.microsoft.com/office/drawing/2014/main" id="{422EC333-1AD5-3CCA-5DE5-1E6887ECB1DD}"/>
+          <p:cNvPr id="69" name="TextBox 68">
+            <a:extLst>
+              <a:ext uri="{FF2B5EF4-FFF2-40B4-BE49-F238E27FC236}">
+                <a16:creationId xmlns:a16="http://schemas.microsoft.com/office/drawing/2014/main" id="{E7CBB7DE-A8CA-FBAA-EFD0-2F091D5D0A0E}"/>
               </a:ext>
             </a:extLst>
           </p:cNvPr>
@@ -5687,7 +5453,7 @@
         </p:nvSpPr>
         <p:spPr>
           <a:xfrm>
-            <a:off x="216568" y="4338670"/>
+            <a:off x="216568" y="2820225"/>
             <a:ext cx="408764" cy="304659"/>
           </a:xfrm>
           <a:prstGeom prst="rect">
@@ -5706,55 +5472,7 @@
           <a:p>
             <a:pPr algn="r"/>
             <a:r>
-              <a:rPr lang="en-US" sz="1200" dirty="0">
-                <a:solidFill>
-                  <a:schemeClr val="tx1">
-                    <a:lumMod val="50000"/>
-                    <a:lumOff val="50000"/>
-                  </a:schemeClr>
-                </a:solidFill>
-                <a:latin typeface="Courier New" panose="02070309020205020404" pitchFamily="49" charset="0"/>
-                <a:cs typeface="Courier New" panose="02070309020205020404" pitchFamily="49" charset="0"/>
-              </a:rPr>
-              <a:t>11</a:t>
-            </a:r>
-          </a:p>
-        </p:txBody>
-      </p:sp>
-      <p:sp>
-        <p:nvSpPr>
-          <p:cNvPr id="75" name="TextBox 74">
-            <a:extLst>
-              <a:ext uri="{FF2B5EF4-FFF2-40B4-BE49-F238E27FC236}">
-                <a16:creationId xmlns:a16="http://schemas.microsoft.com/office/drawing/2014/main" id="{AEE9B659-7982-5840-5155-CEEC04F84C69}"/>
-              </a:ext>
-            </a:extLst>
-          </p:cNvPr>
-          <p:cNvSpPr txBox="1"/>
-          <p:nvPr/>
-        </p:nvSpPr>
-        <p:spPr>
-          <a:xfrm>
-            <a:off x="216568" y="4642359"/>
-            <a:ext cx="408764" cy="304659"/>
-          </a:xfrm>
-          <a:prstGeom prst="rect">
-            <a:avLst/>
-          </a:prstGeom>
-          <a:noFill/>
-          <a:ln>
-            <a:noFill/>
-          </a:ln>
-        </p:spPr>
-        <p:txBody>
-          <a:bodyPr wrap="square" lIns="0" tIns="0" rIns="36000" rtlCol="0">
-            <a:noAutofit/>
-          </a:bodyPr>
-          <a:lstStyle/>
-          <a:p>
-            <a:pPr algn="r"/>
-            <a:r>
-              <a:rPr lang="en-US" sz="1200" dirty="0">
+              <a:rPr lang="en-US" sz="1100" dirty="0">
                 <a:solidFill>
                   <a:schemeClr val="tx1">
                     <a:lumMod val="50000"/>
@@ -5771,10 +5489,10 @@
       </p:sp>
       <p:sp>
         <p:nvSpPr>
-          <p:cNvPr id="76" name="TextBox 75">
-            <a:extLst>
-              <a:ext uri="{FF2B5EF4-FFF2-40B4-BE49-F238E27FC236}">
-                <a16:creationId xmlns:a16="http://schemas.microsoft.com/office/drawing/2014/main" id="{361E17EF-D8A0-7135-28EC-8269A8E38468}"/>
+          <p:cNvPr id="70" name="TextBox 69">
+            <a:extLst>
+              <a:ext uri="{FF2B5EF4-FFF2-40B4-BE49-F238E27FC236}">
+                <a16:creationId xmlns:a16="http://schemas.microsoft.com/office/drawing/2014/main" id="{CC5AD5C9-1A7A-E65F-74D8-A3243671DE53}"/>
               </a:ext>
             </a:extLst>
           </p:cNvPr>
@@ -5783,7 +5501,7 @@
         </p:nvSpPr>
         <p:spPr>
           <a:xfrm>
-            <a:off x="216568" y="4946048"/>
+            <a:off x="216568" y="3123914"/>
             <a:ext cx="408764" cy="304659"/>
           </a:xfrm>
           <a:prstGeom prst="rect">
@@ -5802,55 +5520,7 @@
           <a:p>
             <a:pPr algn="r"/>
             <a:r>
-              <a:rPr lang="en-US" sz="1200" dirty="0">
-                <a:solidFill>
-                  <a:schemeClr val="tx1">
-                    <a:lumMod val="50000"/>
-                    <a:lumOff val="50000"/>
-                  </a:schemeClr>
-                </a:solidFill>
-                <a:latin typeface="Courier New" panose="02070309020205020404" pitchFamily="49" charset="0"/>
-                <a:cs typeface="Courier New" panose="02070309020205020404" pitchFamily="49" charset="0"/>
-              </a:rPr>
-              <a:t>13</a:t>
-            </a:r>
-          </a:p>
-        </p:txBody>
-      </p:sp>
-      <p:sp>
-        <p:nvSpPr>
-          <p:cNvPr id="77" name="TextBox 76">
-            <a:extLst>
-              <a:ext uri="{FF2B5EF4-FFF2-40B4-BE49-F238E27FC236}">
-                <a16:creationId xmlns:a16="http://schemas.microsoft.com/office/drawing/2014/main" id="{6E56CDF4-643C-0D36-FBA7-71A7D5E3A938}"/>
-              </a:ext>
-            </a:extLst>
-          </p:cNvPr>
-          <p:cNvSpPr txBox="1"/>
-          <p:nvPr/>
-        </p:nvSpPr>
-        <p:spPr>
-          <a:xfrm>
-            <a:off x="216568" y="5249737"/>
-            <a:ext cx="408764" cy="304659"/>
-          </a:xfrm>
-          <a:prstGeom prst="rect">
-            <a:avLst/>
-          </a:prstGeom>
-          <a:noFill/>
-          <a:ln>
-            <a:noFill/>
-          </a:ln>
-        </p:spPr>
-        <p:txBody>
-          <a:bodyPr wrap="square" lIns="0" tIns="0" rIns="36000" rtlCol="0">
-            <a:noAutofit/>
-          </a:bodyPr>
-          <a:lstStyle/>
-          <a:p>
-            <a:pPr algn="r"/>
-            <a:r>
-              <a:rPr lang="en-US" sz="1200" dirty="0">
+              <a:rPr lang="en-US" sz="1100" dirty="0">
                 <a:solidFill>
                   <a:schemeClr val="tx1">
                     <a:lumMod val="50000"/>
@@ -5867,10 +5537,10 @@
       </p:sp>
       <p:sp>
         <p:nvSpPr>
-          <p:cNvPr id="78" name="TextBox 77">
-            <a:extLst>
-              <a:ext uri="{FF2B5EF4-FFF2-40B4-BE49-F238E27FC236}">
-                <a16:creationId xmlns:a16="http://schemas.microsoft.com/office/drawing/2014/main" id="{B5BFCF05-1B64-1623-0E55-2B69A57884A2}"/>
+          <p:cNvPr id="71" name="TextBox 70">
+            <a:extLst>
+              <a:ext uri="{FF2B5EF4-FFF2-40B4-BE49-F238E27FC236}">
+                <a16:creationId xmlns:a16="http://schemas.microsoft.com/office/drawing/2014/main" id="{16224CB8-9E27-AEBE-4620-AA5FFE381911}"/>
               </a:ext>
             </a:extLst>
           </p:cNvPr>
@@ -5879,7 +5549,7 @@
         </p:nvSpPr>
         <p:spPr>
           <a:xfrm>
-            <a:off x="216568" y="5553432"/>
+            <a:off x="216568" y="3427603"/>
             <a:ext cx="408764" cy="304659"/>
           </a:xfrm>
           <a:prstGeom prst="rect">
@@ -5898,7 +5568,7 @@
           <a:p>
             <a:pPr algn="r"/>
             <a:r>
-              <a:rPr lang="en-US" sz="1200" dirty="0">
+              <a:rPr lang="en-US" sz="1100" dirty="0">
                 <a:solidFill>
                   <a:schemeClr val="tx1">
                     <a:lumMod val="50000"/>
@@ -5908,15 +5578,4804 @@
                 <a:latin typeface="Courier New" panose="02070309020205020404" pitchFamily="49" charset="0"/>
                 <a:cs typeface="Courier New" panose="02070309020205020404" pitchFamily="49" charset="0"/>
               </a:rPr>
-              <a:t>15</a:t>
+              <a:t>16</a:t>
             </a:r>
           </a:p>
         </p:txBody>
       </p:sp>
+      <p:sp>
+        <p:nvSpPr>
+          <p:cNvPr id="72" name="TextBox 71">
+            <a:extLst>
+              <a:ext uri="{FF2B5EF4-FFF2-40B4-BE49-F238E27FC236}">
+                <a16:creationId xmlns:a16="http://schemas.microsoft.com/office/drawing/2014/main" id="{6FDEAABA-4AAB-F7B5-6B0B-0704B4B7E460}"/>
+              </a:ext>
+            </a:extLst>
+          </p:cNvPr>
+          <p:cNvSpPr txBox="1"/>
+          <p:nvPr/>
+        </p:nvSpPr>
+        <p:spPr>
+          <a:xfrm>
+            <a:off x="216568" y="3731292"/>
+            <a:ext cx="408764" cy="304659"/>
+          </a:xfrm>
+          <a:prstGeom prst="rect">
+            <a:avLst/>
+          </a:prstGeom>
+          <a:noFill/>
+          <a:ln>
+            <a:noFill/>
+          </a:ln>
+        </p:spPr>
+        <p:txBody>
+          <a:bodyPr wrap="square" lIns="0" tIns="0" rIns="36000" rtlCol="0">
+            <a:noAutofit/>
+          </a:bodyPr>
+          <a:lstStyle/>
+          <a:p>
+            <a:pPr algn="r"/>
+            <a:r>
+              <a:rPr lang="en-US" sz="1100" dirty="0">
+                <a:solidFill>
+                  <a:schemeClr val="tx1">
+                    <a:lumMod val="50000"/>
+                    <a:lumOff val="50000"/>
+                  </a:schemeClr>
+                </a:solidFill>
+                <a:latin typeface="Courier New" panose="02070309020205020404" pitchFamily="49" charset="0"/>
+                <a:cs typeface="Courier New" panose="02070309020205020404" pitchFamily="49" charset="0"/>
+              </a:rPr>
+              <a:t>18</a:t>
+            </a:r>
+          </a:p>
+        </p:txBody>
+      </p:sp>
+      <p:sp>
+        <p:nvSpPr>
+          <p:cNvPr id="73" name="TextBox 72">
+            <a:extLst>
+              <a:ext uri="{FF2B5EF4-FFF2-40B4-BE49-F238E27FC236}">
+                <a16:creationId xmlns:a16="http://schemas.microsoft.com/office/drawing/2014/main" id="{AF3F1C70-4149-D33A-9B24-DDB251AE129E}"/>
+              </a:ext>
+            </a:extLst>
+          </p:cNvPr>
+          <p:cNvSpPr txBox="1"/>
+          <p:nvPr/>
+        </p:nvSpPr>
+        <p:spPr>
+          <a:xfrm>
+            <a:off x="216568" y="4034981"/>
+            <a:ext cx="408764" cy="304659"/>
+          </a:xfrm>
+          <a:prstGeom prst="rect">
+            <a:avLst/>
+          </a:prstGeom>
+          <a:noFill/>
+          <a:ln>
+            <a:noFill/>
+          </a:ln>
+        </p:spPr>
+        <p:txBody>
+          <a:bodyPr wrap="square" lIns="0" tIns="0" rIns="36000" rtlCol="0">
+            <a:noAutofit/>
+          </a:bodyPr>
+          <a:lstStyle/>
+          <a:p>
+            <a:pPr algn="r"/>
+            <a:r>
+              <a:rPr lang="en-US" sz="1100" dirty="0">
+                <a:solidFill>
+                  <a:schemeClr val="tx1">
+                    <a:lumMod val="50000"/>
+                    <a:lumOff val="50000"/>
+                  </a:schemeClr>
+                </a:solidFill>
+                <a:latin typeface="Courier New" panose="02070309020205020404" pitchFamily="49" charset="0"/>
+                <a:cs typeface="Courier New" panose="02070309020205020404" pitchFamily="49" charset="0"/>
+              </a:rPr>
+              <a:t>20</a:t>
+            </a:r>
+          </a:p>
+        </p:txBody>
+      </p:sp>
+      <p:sp>
+        <p:nvSpPr>
+          <p:cNvPr id="74" name="TextBox 73">
+            <a:extLst>
+              <a:ext uri="{FF2B5EF4-FFF2-40B4-BE49-F238E27FC236}">
+                <a16:creationId xmlns:a16="http://schemas.microsoft.com/office/drawing/2014/main" id="{422EC333-1AD5-3CCA-5DE5-1E6887ECB1DD}"/>
+              </a:ext>
+            </a:extLst>
+          </p:cNvPr>
+          <p:cNvSpPr txBox="1"/>
+          <p:nvPr/>
+        </p:nvSpPr>
+        <p:spPr>
+          <a:xfrm>
+            <a:off x="216568" y="4338670"/>
+            <a:ext cx="408764" cy="304659"/>
+          </a:xfrm>
+          <a:prstGeom prst="rect">
+            <a:avLst/>
+          </a:prstGeom>
+          <a:noFill/>
+          <a:ln>
+            <a:noFill/>
+          </a:ln>
+        </p:spPr>
+        <p:txBody>
+          <a:bodyPr wrap="square" lIns="0" tIns="0" rIns="36000" rtlCol="0">
+            <a:noAutofit/>
+          </a:bodyPr>
+          <a:lstStyle/>
+          <a:p>
+            <a:pPr algn="r"/>
+            <a:r>
+              <a:rPr lang="en-US" sz="1100" dirty="0">
+                <a:solidFill>
+                  <a:schemeClr val="tx1">
+                    <a:lumMod val="50000"/>
+                    <a:lumOff val="50000"/>
+                  </a:schemeClr>
+                </a:solidFill>
+                <a:latin typeface="Courier New" panose="02070309020205020404" pitchFamily="49" charset="0"/>
+                <a:cs typeface="Courier New" panose="02070309020205020404" pitchFamily="49" charset="0"/>
+              </a:rPr>
+              <a:t>22</a:t>
+            </a:r>
+          </a:p>
+        </p:txBody>
+      </p:sp>
+      <p:sp>
+        <p:nvSpPr>
+          <p:cNvPr id="75" name="TextBox 74">
+            <a:extLst>
+              <a:ext uri="{FF2B5EF4-FFF2-40B4-BE49-F238E27FC236}">
+                <a16:creationId xmlns:a16="http://schemas.microsoft.com/office/drawing/2014/main" id="{AEE9B659-7982-5840-5155-CEEC04F84C69}"/>
+              </a:ext>
+            </a:extLst>
+          </p:cNvPr>
+          <p:cNvSpPr txBox="1"/>
+          <p:nvPr/>
+        </p:nvSpPr>
+        <p:spPr>
+          <a:xfrm>
+            <a:off x="216568" y="4642359"/>
+            <a:ext cx="408764" cy="304659"/>
+          </a:xfrm>
+          <a:prstGeom prst="rect">
+            <a:avLst/>
+          </a:prstGeom>
+          <a:noFill/>
+          <a:ln>
+            <a:noFill/>
+          </a:ln>
+        </p:spPr>
+        <p:txBody>
+          <a:bodyPr wrap="square" lIns="0" tIns="0" rIns="36000" rtlCol="0">
+            <a:noAutofit/>
+          </a:bodyPr>
+          <a:lstStyle/>
+          <a:p>
+            <a:pPr algn="r"/>
+            <a:r>
+              <a:rPr lang="en-US" sz="1100" dirty="0">
+                <a:solidFill>
+                  <a:schemeClr val="tx1">
+                    <a:lumMod val="50000"/>
+                    <a:lumOff val="50000"/>
+                  </a:schemeClr>
+                </a:solidFill>
+                <a:latin typeface="Courier New" panose="02070309020205020404" pitchFamily="49" charset="0"/>
+                <a:cs typeface="Courier New" panose="02070309020205020404" pitchFamily="49" charset="0"/>
+              </a:rPr>
+              <a:t>24</a:t>
+            </a:r>
+          </a:p>
+        </p:txBody>
+      </p:sp>
+      <p:sp>
+        <p:nvSpPr>
+          <p:cNvPr id="76" name="TextBox 75">
+            <a:extLst>
+              <a:ext uri="{FF2B5EF4-FFF2-40B4-BE49-F238E27FC236}">
+                <a16:creationId xmlns:a16="http://schemas.microsoft.com/office/drawing/2014/main" id="{361E17EF-D8A0-7135-28EC-8269A8E38468}"/>
+              </a:ext>
+            </a:extLst>
+          </p:cNvPr>
+          <p:cNvSpPr txBox="1"/>
+          <p:nvPr/>
+        </p:nvSpPr>
+        <p:spPr>
+          <a:xfrm>
+            <a:off x="216568" y="4946048"/>
+            <a:ext cx="408764" cy="304659"/>
+          </a:xfrm>
+          <a:prstGeom prst="rect">
+            <a:avLst/>
+          </a:prstGeom>
+          <a:noFill/>
+          <a:ln>
+            <a:noFill/>
+          </a:ln>
+        </p:spPr>
+        <p:txBody>
+          <a:bodyPr wrap="square" lIns="0" tIns="0" rIns="36000" rtlCol="0">
+            <a:noAutofit/>
+          </a:bodyPr>
+          <a:lstStyle/>
+          <a:p>
+            <a:pPr algn="r"/>
+            <a:r>
+              <a:rPr lang="en-US" sz="1100" dirty="0">
+                <a:solidFill>
+                  <a:schemeClr val="tx1">
+                    <a:lumMod val="50000"/>
+                    <a:lumOff val="50000"/>
+                  </a:schemeClr>
+                </a:solidFill>
+                <a:latin typeface="Courier New" panose="02070309020205020404" pitchFamily="49" charset="0"/>
+                <a:cs typeface="Courier New" panose="02070309020205020404" pitchFamily="49" charset="0"/>
+              </a:rPr>
+              <a:t>26</a:t>
+            </a:r>
+          </a:p>
+        </p:txBody>
+      </p:sp>
+      <p:sp>
+        <p:nvSpPr>
+          <p:cNvPr id="77" name="TextBox 76">
+            <a:extLst>
+              <a:ext uri="{FF2B5EF4-FFF2-40B4-BE49-F238E27FC236}">
+                <a16:creationId xmlns:a16="http://schemas.microsoft.com/office/drawing/2014/main" id="{6E56CDF4-643C-0D36-FBA7-71A7D5E3A938}"/>
+              </a:ext>
+            </a:extLst>
+          </p:cNvPr>
+          <p:cNvSpPr txBox="1"/>
+          <p:nvPr/>
+        </p:nvSpPr>
+        <p:spPr>
+          <a:xfrm>
+            <a:off x="216568" y="5249737"/>
+            <a:ext cx="408764" cy="304659"/>
+          </a:xfrm>
+          <a:prstGeom prst="rect">
+            <a:avLst/>
+          </a:prstGeom>
+          <a:noFill/>
+          <a:ln>
+            <a:noFill/>
+          </a:ln>
+        </p:spPr>
+        <p:txBody>
+          <a:bodyPr wrap="square" lIns="0" tIns="0" rIns="36000" rtlCol="0">
+            <a:noAutofit/>
+          </a:bodyPr>
+          <a:lstStyle/>
+          <a:p>
+            <a:pPr algn="r"/>
+            <a:r>
+              <a:rPr lang="en-US" sz="1100" dirty="0">
+                <a:solidFill>
+                  <a:schemeClr val="tx1">
+                    <a:lumMod val="50000"/>
+                    <a:lumOff val="50000"/>
+                  </a:schemeClr>
+                </a:solidFill>
+                <a:latin typeface="Courier New" panose="02070309020205020404" pitchFamily="49" charset="0"/>
+                <a:cs typeface="Courier New" panose="02070309020205020404" pitchFamily="49" charset="0"/>
+              </a:rPr>
+              <a:t>28</a:t>
+            </a:r>
+          </a:p>
+        </p:txBody>
+      </p:sp>
+      <p:sp>
+        <p:nvSpPr>
+          <p:cNvPr id="78" name="TextBox 77">
+            <a:extLst>
+              <a:ext uri="{FF2B5EF4-FFF2-40B4-BE49-F238E27FC236}">
+                <a16:creationId xmlns:a16="http://schemas.microsoft.com/office/drawing/2014/main" id="{B5BFCF05-1B64-1623-0E55-2B69A57884A2}"/>
+              </a:ext>
+            </a:extLst>
+          </p:cNvPr>
+          <p:cNvSpPr txBox="1"/>
+          <p:nvPr/>
+        </p:nvSpPr>
+        <p:spPr>
+          <a:xfrm>
+            <a:off x="216568" y="5553432"/>
+            <a:ext cx="408764" cy="304659"/>
+          </a:xfrm>
+          <a:prstGeom prst="rect">
+            <a:avLst/>
+          </a:prstGeom>
+          <a:noFill/>
+          <a:ln>
+            <a:noFill/>
+          </a:ln>
+        </p:spPr>
+        <p:txBody>
+          <a:bodyPr wrap="square" lIns="0" tIns="0" rIns="36000" rtlCol="0">
+            <a:noAutofit/>
+          </a:bodyPr>
+          <a:lstStyle/>
+          <a:p>
+            <a:pPr algn="r"/>
+            <a:r>
+              <a:rPr lang="en-US" sz="1100" dirty="0">
+                <a:solidFill>
+                  <a:schemeClr val="tx1">
+                    <a:lumMod val="50000"/>
+                    <a:lumOff val="50000"/>
+                  </a:schemeClr>
+                </a:solidFill>
+                <a:latin typeface="Courier New" panose="02070309020205020404" pitchFamily="49" charset="0"/>
+                <a:cs typeface="Courier New" panose="02070309020205020404" pitchFamily="49" charset="0"/>
+              </a:rPr>
+              <a:t>30</a:t>
+            </a:r>
+          </a:p>
+        </p:txBody>
+      </p:sp>
+      <p:cxnSp>
+        <p:nvCxnSpPr>
+          <p:cNvPr id="2" name="Straight Connector 1">
+            <a:extLst>
+              <a:ext uri="{FF2B5EF4-FFF2-40B4-BE49-F238E27FC236}">
+                <a16:creationId xmlns:a16="http://schemas.microsoft.com/office/drawing/2014/main" id="{3F2BE6B2-2A26-C6AE-CC8E-66F73C198558}"/>
+              </a:ext>
+            </a:extLst>
+          </p:cNvPr>
+          <p:cNvCxnSpPr>
+            <a:cxnSpLocks/>
+          </p:cNvCxnSpPr>
+          <p:nvPr/>
+        </p:nvCxnSpPr>
+        <p:spPr>
+          <a:xfrm>
+            <a:off x="633000" y="1150350"/>
+            <a:ext cx="8640000" cy="0"/>
+          </a:xfrm>
+          <a:prstGeom prst="line">
+            <a:avLst/>
+          </a:prstGeom>
+          <a:ln w="12700">
+            <a:solidFill>
+              <a:schemeClr val="bg1">
+                <a:lumMod val="95000"/>
+              </a:schemeClr>
+            </a:solidFill>
+            <a:prstDash val="sysDash"/>
+          </a:ln>
+        </p:spPr>
+        <p:style>
+          <a:lnRef idx="2">
+            <a:schemeClr val="accent1"/>
+          </a:lnRef>
+          <a:fillRef idx="0">
+            <a:schemeClr val="accent1"/>
+          </a:fillRef>
+          <a:effectRef idx="1">
+            <a:schemeClr val="accent1"/>
+          </a:effectRef>
+          <a:fontRef idx="minor">
+            <a:schemeClr val="tx1"/>
+          </a:fontRef>
+        </p:style>
+      </p:cxnSp>
+      <p:cxnSp>
+        <p:nvCxnSpPr>
+          <p:cNvPr id="3" name="Straight Connector 2">
+            <a:extLst>
+              <a:ext uri="{FF2B5EF4-FFF2-40B4-BE49-F238E27FC236}">
+                <a16:creationId xmlns:a16="http://schemas.microsoft.com/office/drawing/2014/main" id="{625B87B1-B701-EBCA-EC42-7875FE0B2DC8}"/>
+              </a:ext>
+            </a:extLst>
+          </p:cNvPr>
+          <p:cNvCxnSpPr>
+            <a:cxnSpLocks/>
+          </p:cNvCxnSpPr>
+          <p:nvPr/>
+        </p:nvCxnSpPr>
+        <p:spPr>
+          <a:xfrm>
+            <a:off x="625332" y="1455478"/>
+            <a:ext cx="8640000" cy="0"/>
+          </a:xfrm>
+          <a:prstGeom prst="line">
+            <a:avLst/>
+          </a:prstGeom>
+          <a:ln w="12700">
+            <a:solidFill>
+              <a:schemeClr val="bg1">
+                <a:lumMod val="95000"/>
+              </a:schemeClr>
+            </a:solidFill>
+            <a:prstDash val="sysDash"/>
+          </a:ln>
+        </p:spPr>
+        <p:style>
+          <a:lnRef idx="2">
+            <a:schemeClr val="accent1"/>
+          </a:lnRef>
+          <a:fillRef idx="0">
+            <a:schemeClr val="accent1"/>
+          </a:fillRef>
+          <a:effectRef idx="1">
+            <a:schemeClr val="accent1"/>
+          </a:effectRef>
+          <a:fontRef idx="minor">
+            <a:schemeClr val="tx1"/>
+          </a:fontRef>
+        </p:style>
+      </p:cxnSp>
+      <p:cxnSp>
+        <p:nvCxnSpPr>
+          <p:cNvPr id="5" name="Straight Connector 4">
+            <a:extLst>
+              <a:ext uri="{FF2B5EF4-FFF2-40B4-BE49-F238E27FC236}">
+                <a16:creationId xmlns:a16="http://schemas.microsoft.com/office/drawing/2014/main" id="{0CA0A9AD-049A-71C5-AEAD-3506F12A79FC}"/>
+              </a:ext>
+            </a:extLst>
+          </p:cNvPr>
+          <p:cNvCxnSpPr>
+            <a:cxnSpLocks/>
+          </p:cNvCxnSpPr>
+          <p:nvPr/>
+        </p:nvCxnSpPr>
+        <p:spPr>
+          <a:xfrm>
+            <a:off x="633000" y="1760606"/>
+            <a:ext cx="8640000" cy="0"/>
+          </a:xfrm>
+          <a:prstGeom prst="line">
+            <a:avLst/>
+          </a:prstGeom>
+          <a:ln w="12700">
+            <a:solidFill>
+              <a:schemeClr val="bg1">
+                <a:lumMod val="95000"/>
+              </a:schemeClr>
+            </a:solidFill>
+            <a:prstDash val="sysDash"/>
+          </a:ln>
+        </p:spPr>
+        <p:style>
+          <a:lnRef idx="2">
+            <a:schemeClr val="accent1"/>
+          </a:lnRef>
+          <a:fillRef idx="0">
+            <a:schemeClr val="accent1"/>
+          </a:fillRef>
+          <a:effectRef idx="1">
+            <a:schemeClr val="accent1"/>
+          </a:effectRef>
+          <a:fontRef idx="minor">
+            <a:schemeClr val="tx1"/>
+          </a:fontRef>
+        </p:style>
+      </p:cxnSp>
+      <p:cxnSp>
+        <p:nvCxnSpPr>
+          <p:cNvPr id="7" name="Straight Connector 6">
+            <a:extLst>
+              <a:ext uri="{FF2B5EF4-FFF2-40B4-BE49-F238E27FC236}">
+                <a16:creationId xmlns:a16="http://schemas.microsoft.com/office/drawing/2014/main" id="{3175713E-BB1E-8715-DEC8-CE5A8377CEB7}"/>
+              </a:ext>
+            </a:extLst>
+          </p:cNvPr>
+          <p:cNvCxnSpPr>
+            <a:cxnSpLocks/>
+          </p:cNvCxnSpPr>
+          <p:nvPr/>
+        </p:nvCxnSpPr>
+        <p:spPr>
+          <a:xfrm>
+            <a:off x="625332" y="2065734"/>
+            <a:ext cx="8640000" cy="0"/>
+          </a:xfrm>
+          <a:prstGeom prst="line">
+            <a:avLst/>
+          </a:prstGeom>
+          <a:ln w="12700">
+            <a:solidFill>
+              <a:schemeClr val="bg1">
+                <a:lumMod val="95000"/>
+              </a:schemeClr>
+            </a:solidFill>
+            <a:prstDash val="sysDash"/>
+          </a:ln>
+        </p:spPr>
+        <p:style>
+          <a:lnRef idx="2">
+            <a:schemeClr val="accent1"/>
+          </a:lnRef>
+          <a:fillRef idx="0">
+            <a:schemeClr val="accent1"/>
+          </a:fillRef>
+          <a:effectRef idx="1">
+            <a:schemeClr val="accent1"/>
+          </a:effectRef>
+          <a:fontRef idx="minor">
+            <a:schemeClr val="tx1"/>
+          </a:fontRef>
+        </p:style>
+      </p:cxnSp>
+      <p:cxnSp>
+        <p:nvCxnSpPr>
+          <p:cNvPr id="22" name="Straight Connector 21">
+            <a:extLst>
+              <a:ext uri="{FF2B5EF4-FFF2-40B4-BE49-F238E27FC236}">
+                <a16:creationId xmlns:a16="http://schemas.microsoft.com/office/drawing/2014/main" id="{8D581228-B908-927D-8B29-03738691CECF}"/>
+              </a:ext>
+            </a:extLst>
+          </p:cNvPr>
+          <p:cNvCxnSpPr>
+            <a:cxnSpLocks/>
+          </p:cNvCxnSpPr>
+          <p:nvPr/>
+        </p:nvCxnSpPr>
+        <p:spPr>
+          <a:xfrm>
+            <a:off x="633000" y="2370862"/>
+            <a:ext cx="8640000" cy="0"/>
+          </a:xfrm>
+          <a:prstGeom prst="line">
+            <a:avLst/>
+          </a:prstGeom>
+          <a:ln w="12700">
+            <a:solidFill>
+              <a:schemeClr val="bg1">
+                <a:lumMod val="95000"/>
+              </a:schemeClr>
+            </a:solidFill>
+            <a:prstDash val="sysDash"/>
+          </a:ln>
+        </p:spPr>
+        <p:style>
+          <a:lnRef idx="2">
+            <a:schemeClr val="accent1"/>
+          </a:lnRef>
+          <a:fillRef idx="0">
+            <a:schemeClr val="accent1"/>
+          </a:fillRef>
+          <a:effectRef idx="1">
+            <a:schemeClr val="accent1"/>
+          </a:effectRef>
+          <a:fontRef idx="minor">
+            <a:schemeClr val="tx1"/>
+          </a:fontRef>
+        </p:style>
+      </p:cxnSp>
+      <p:cxnSp>
+        <p:nvCxnSpPr>
+          <p:cNvPr id="23" name="Straight Connector 22">
+            <a:extLst>
+              <a:ext uri="{FF2B5EF4-FFF2-40B4-BE49-F238E27FC236}">
+                <a16:creationId xmlns:a16="http://schemas.microsoft.com/office/drawing/2014/main" id="{23CDA105-4C47-9CA6-D723-DCFCB581C070}"/>
+              </a:ext>
+            </a:extLst>
+          </p:cNvPr>
+          <p:cNvCxnSpPr>
+            <a:cxnSpLocks/>
+          </p:cNvCxnSpPr>
+          <p:nvPr/>
+        </p:nvCxnSpPr>
+        <p:spPr>
+          <a:xfrm>
+            <a:off x="625332" y="2675990"/>
+            <a:ext cx="8640000" cy="0"/>
+          </a:xfrm>
+          <a:prstGeom prst="line">
+            <a:avLst/>
+          </a:prstGeom>
+          <a:ln w="12700">
+            <a:solidFill>
+              <a:schemeClr val="bg1">
+                <a:lumMod val="95000"/>
+              </a:schemeClr>
+            </a:solidFill>
+            <a:prstDash val="sysDash"/>
+          </a:ln>
+        </p:spPr>
+        <p:style>
+          <a:lnRef idx="2">
+            <a:schemeClr val="accent1"/>
+          </a:lnRef>
+          <a:fillRef idx="0">
+            <a:schemeClr val="accent1"/>
+          </a:fillRef>
+          <a:effectRef idx="1">
+            <a:schemeClr val="accent1"/>
+          </a:effectRef>
+          <a:fontRef idx="minor">
+            <a:schemeClr val="tx1"/>
+          </a:fontRef>
+        </p:style>
+      </p:cxnSp>
+      <p:cxnSp>
+        <p:nvCxnSpPr>
+          <p:cNvPr id="24" name="Straight Connector 23">
+            <a:extLst>
+              <a:ext uri="{FF2B5EF4-FFF2-40B4-BE49-F238E27FC236}">
+                <a16:creationId xmlns:a16="http://schemas.microsoft.com/office/drawing/2014/main" id="{EB4B7C85-8042-6EEB-D4FF-30FC28A1259A}"/>
+              </a:ext>
+            </a:extLst>
+          </p:cNvPr>
+          <p:cNvCxnSpPr>
+            <a:cxnSpLocks/>
+          </p:cNvCxnSpPr>
+          <p:nvPr/>
+        </p:nvCxnSpPr>
+        <p:spPr>
+          <a:xfrm>
+            <a:off x="633000" y="2981118"/>
+            <a:ext cx="8640000" cy="0"/>
+          </a:xfrm>
+          <a:prstGeom prst="line">
+            <a:avLst/>
+          </a:prstGeom>
+          <a:ln w="12700">
+            <a:solidFill>
+              <a:schemeClr val="bg1">
+                <a:lumMod val="95000"/>
+              </a:schemeClr>
+            </a:solidFill>
+            <a:prstDash val="sysDash"/>
+          </a:ln>
+        </p:spPr>
+        <p:style>
+          <a:lnRef idx="2">
+            <a:schemeClr val="accent1"/>
+          </a:lnRef>
+          <a:fillRef idx="0">
+            <a:schemeClr val="accent1"/>
+          </a:fillRef>
+          <a:effectRef idx="1">
+            <a:schemeClr val="accent1"/>
+          </a:effectRef>
+          <a:fontRef idx="minor">
+            <a:schemeClr val="tx1"/>
+          </a:fontRef>
+        </p:style>
+      </p:cxnSp>
+      <p:cxnSp>
+        <p:nvCxnSpPr>
+          <p:cNvPr id="25" name="Straight Connector 24">
+            <a:extLst>
+              <a:ext uri="{FF2B5EF4-FFF2-40B4-BE49-F238E27FC236}">
+                <a16:creationId xmlns:a16="http://schemas.microsoft.com/office/drawing/2014/main" id="{A6A27D31-5A02-1AF5-C555-89ACA6CBA9FA}"/>
+              </a:ext>
+            </a:extLst>
+          </p:cNvPr>
+          <p:cNvCxnSpPr>
+            <a:cxnSpLocks/>
+          </p:cNvCxnSpPr>
+          <p:nvPr/>
+        </p:nvCxnSpPr>
+        <p:spPr>
+          <a:xfrm>
+            <a:off x="625332" y="3286246"/>
+            <a:ext cx="8640000" cy="0"/>
+          </a:xfrm>
+          <a:prstGeom prst="line">
+            <a:avLst/>
+          </a:prstGeom>
+          <a:ln w="12700">
+            <a:solidFill>
+              <a:schemeClr val="bg1">
+                <a:lumMod val="95000"/>
+              </a:schemeClr>
+            </a:solidFill>
+            <a:prstDash val="sysDash"/>
+          </a:ln>
+        </p:spPr>
+        <p:style>
+          <a:lnRef idx="2">
+            <a:schemeClr val="accent1"/>
+          </a:lnRef>
+          <a:fillRef idx="0">
+            <a:schemeClr val="accent1"/>
+          </a:fillRef>
+          <a:effectRef idx="1">
+            <a:schemeClr val="accent1"/>
+          </a:effectRef>
+          <a:fontRef idx="minor">
+            <a:schemeClr val="tx1"/>
+          </a:fontRef>
+        </p:style>
+      </p:cxnSp>
+      <p:cxnSp>
+        <p:nvCxnSpPr>
+          <p:cNvPr id="26" name="Straight Connector 25">
+            <a:extLst>
+              <a:ext uri="{FF2B5EF4-FFF2-40B4-BE49-F238E27FC236}">
+                <a16:creationId xmlns:a16="http://schemas.microsoft.com/office/drawing/2014/main" id="{974CD7A5-8319-E2CF-FCF5-CCC00D8EF131}"/>
+              </a:ext>
+            </a:extLst>
+          </p:cNvPr>
+          <p:cNvCxnSpPr>
+            <a:cxnSpLocks/>
+          </p:cNvCxnSpPr>
+          <p:nvPr/>
+        </p:nvCxnSpPr>
+        <p:spPr>
+          <a:xfrm>
+            <a:off x="625332" y="3591374"/>
+            <a:ext cx="8640000" cy="0"/>
+          </a:xfrm>
+          <a:prstGeom prst="line">
+            <a:avLst/>
+          </a:prstGeom>
+          <a:ln w="12700">
+            <a:solidFill>
+              <a:schemeClr val="bg1">
+                <a:lumMod val="95000"/>
+              </a:schemeClr>
+            </a:solidFill>
+            <a:prstDash val="sysDash"/>
+          </a:ln>
+        </p:spPr>
+        <p:style>
+          <a:lnRef idx="2">
+            <a:schemeClr val="accent1"/>
+          </a:lnRef>
+          <a:fillRef idx="0">
+            <a:schemeClr val="accent1"/>
+          </a:fillRef>
+          <a:effectRef idx="1">
+            <a:schemeClr val="accent1"/>
+          </a:effectRef>
+          <a:fontRef idx="minor">
+            <a:schemeClr val="tx1"/>
+          </a:fontRef>
+        </p:style>
+      </p:cxnSp>
+      <p:cxnSp>
+        <p:nvCxnSpPr>
+          <p:cNvPr id="28" name="Straight Connector 27">
+            <a:extLst>
+              <a:ext uri="{FF2B5EF4-FFF2-40B4-BE49-F238E27FC236}">
+                <a16:creationId xmlns:a16="http://schemas.microsoft.com/office/drawing/2014/main" id="{56122504-FD77-21BA-B8EF-5100146B74EA}"/>
+              </a:ext>
+            </a:extLst>
+          </p:cNvPr>
+          <p:cNvCxnSpPr>
+            <a:cxnSpLocks/>
+          </p:cNvCxnSpPr>
+          <p:nvPr/>
+        </p:nvCxnSpPr>
+        <p:spPr>
+          <a:xfrm>
+            <a:off x="617664" y="3896502"/>
+            <a:ext cx="8640000" cy="0"/>
+          </a:xfrm>
+          <a:prstGeom prst="line">
+            <a:avLst/>
+          </a:prstGeom>
+          <a:ln w="12700">
+            <a:solidFill>
+              <a:schemeClr val="bg1">
+                <a:lumMod val="95000"/>
+              </a:schemeClr>
+            </a:solidFill>
+            <a:prstDash val="sysDash"/>
+          </a:ln>
+        </p:spPr>
+        <p:style>
+          <a:lnRef idx="2">
+            <a:schemeClr val="accent1"/>
+          </a:lnRef>
+          <a:fillRef idx="0">
+            <a:schemeClr val="accent1"/>
+          </a:fillRef>
+          <a:effectRef idx="1">
+            <a:schemeClr val="accent1"/>
+          </a:effectRef>
+          <a:fontRef idx="minor">
+            <a:schemeClr val="tx1"/>
+          </a:fontRef>
+        </p:style>
+      </p:cxnSp>
+      <p:cxnSp>
+        <p:nvCxnSpPr>
+          <p:cNvPr id="29" name="Straight Connector 28">
+            <a:extLst>
+              <a:ext uri="{FF2B5EF4-FFF2-40B4-BE49-F238E27FC236}">
+                <a16:creationId xmlns:a16="http://schemas.microsoft.com/office/drawing/2014/main" id="{1C72B3C1-3A93-165B-6BAF-5CDAE3BD1DE4}"/>
+              </a:ext>
+            </a:extLst>
+          </p:cNvPr>
+          <p:cNvCxnSpPr>
+            <a:cxnSpLocks/>
+          </p:cNvCxnSpPr>
+          <p:nvPr/>
+        </p:nvCxnSpPr>
+        <p:spPr>
+          <a:xfrm>
+            <a:off x="625332" y="4201630"/>
+            <a:ext cx="8640000" cy="0"/>
+          </a:xfrm>
+          <a:prstGeom prst="line">
+            <a:avLst/>
+          </a:prstGeom>
+          <a:ln w="12700">
+            <a:solidFill>
+              <a:schemeClr val="bg1">
+                <a:lumMod val="95000"/>
+              </a:schemeClr>
+            </a:solidFill>
+            <a:prstDash val="sysDash"/>
+          </a:ln>
+        </p:spPr>
+        <p:style>
+          <a:lnRef idx="2">
+            <a:schemeClr val="accent1"/>
+          </a:lnRef>
+          <a:fillRef idx="0">
+            <a:schemeClr val="accent1"/>
+          </a:fillRef>
+          <a:effectRef idx="1">
+            <a:schemeClr val="accent1"/>
+          </a:effectRef>
+          <a:fontRef idx="minor">
+            <a:schemeClr val="tx1"/>
+          </a:fontRef>
+        </p:style>
+      </p:cxnSp>
+      <p:cxnSp>
+        <p:nvCxnSpPr>
+          <p:cNvPr id="44" name="Straight Connector 43">
+            <a:extLst>
+              <a:ext uri="{FF2B5EF4-FFF2-40B4-BE49-F238E27FC236}">
+                <a16:creationId xmlns:a16="http://schemas.microsoft.com/office/drawing/2014/main" id="{8A51F9B8-B13D-C2EF-B1C6-73F883AA3342}"/>
+              </a:ext>
+            </a:extLst>
+          </p:cNvPr>
+          <p:cNvCxnSpPr>
+            <a:cxnSpLocks/>
+          </p:cNvCxnSpPr>
+          <p:nvPr/>
+        </p:nvCxnSpPr>
+        <p:spPr>
+          <a:xfrm>
+            <a:off x="617664" y="4506758"/>
+            <a:ext cx="8640000" cy="0"/>
+          </a:xfrm>
+          <a:prstGeom prst="line">
+            <a:avLst/>
+          </a:prstGeom>
+          <a:ln w="12700">
+            <a:solidFill>
+              <a:schemeClr val="bg1">
+                <a:lumMod val="95000"/>
+              </a:schemeClr>
+            </a:solidFill>
+            <a:prstDash val="sysDash"/>
+          </a:ln>
+        </p:spPr>
+        <p:style>
+          <a:lnRef idx="2">
+            <a:schemeClr val="accent1"/>
+          </a:lnRef>
+          <a:fillRef idx="0">
+            <a:schemeClr val="accent1"/>
+          </a:fillRef>
+          <a:effectRef idx="1">
+            <a:schemeClr val="accent1"/>
+          </a:effectRef>
+          <a:fontRef idx="minor">
+            <a:schemeClr val="tx1"/>
+          </a:fontRef>
+        </p:style>
+      </p:cxnSp>
+      <p:cxnSp>
+        <p:nvCxnSpPr>
+          <p:cNvPr id="61" name="Straight Connector 60">
+            <a:extLst>
+              <a:ext uri="{FF2B5EF4-FFF2-40B4-BE49-F238E27FC236}">
+                <a16:creationId xmlns:a16="http://schemas.microsoft.com/office/drawing/2014/main" id="{DC6CD1F9-AB14-7C5C-6890-7B69DADE6201}"/>
+              </a:ext>
+            </a:extLst>
+          </p:cNvPr>
+          <p:cNvCxnSpPr>
+            <a:cxnSpLocks/>
+          </p:cNvCxnSpPr>
+          <p:nvPr/>
+        </p:nvCxnSpPr>
+        <p:spPr>
+          <a:xfrm>
+            <a:off x="625332" y="4811886"/>
+            <a:ext cx="8640000" cy="0"/>
+          </a:xfrm>
+          <a:prstGeom prst="line">
+            <a:avLst/>
+          </a:prstGeom>
+          <a:ln w="12700">
+            <a:solidFill>
+              <a:schemeClr val="bg1">
+                <a:lumMod val="95000"/>
+              </a:schemeClr>
+            </a:solidFill>
+            <a:prstDash val="sysDash"/>
+          </a:ln>
+        </p:spPr>
+        <p:style>
+          <a:lnRef idx="2">
+            <a:schemeClr val="accent1"/>
+          </a:lnRef>
+          <a:fillRef idx="0">
+            <a:schemeClr val="accent1"/>
+          </a:fillRef>
+          <a:effectRef idx="1">
+            <a:schemeClr val="accent1"/>
+          </a:effectRef>
+          <a:fontRef idx="minor">
+            <a:schemeClr val="tx1"/>
+          </a:fontRef>
+        </p:style>
+      </p:cxnSp>
+      <p:cxnSp>
+        <p:nvCxnSpPr>
+          <p:cNvPr id="79" name="Straight Connector 78">
+            <a:extLst>
+              <a:ext uri="{FF2B5EF4-FFF2-40B4-BE49-F238E27FC236}">
+                <a16:creationId xmlns:a16="http://schemas.microsoft.com/office/drawing/2014/main" id="{DB19B249-109D-2702-C81E-7F4FBCBFF20A}"/>
+              </a:ext>
+            </a:extLst>
+          </p:cNvPr>
+          <p:cNvCxnSpPr>
+            <a:cxnSpLocks/>
+          </p:cNvCxnSpPr>
+          <p:nvPr/>
+        </p:nvCxnSpPr>
+        <p:spPr>
+          <a:xfrm>
+            <a:off x="617664" y="5117014"/>
+            <a:ext cx="8640000" cy="0"/>
+          </a:xfrm>
+          <a:prstGeom prst="line">
+            <a:avLst/>
+          </a:prstGeom>
+          <a:ln w="12700">
+            <a:solidFill>
+              <a:schemeClr val="bg1">
+                <a:lumMod val="95000"/>
+              </a:schemeClr>
+            </a:solidFill>
+            <a:prstDash val="sysDash"/>
+          </a:ln>
+        </p:spPr>
+        <p:style>
+          <a:lnRef idx="2">
+            <a:schemeClr val="accent1"/>
+          </a:lnRef>
+          <a:fillRef idx="0">
+            <a:schemeClr val="accent1"/>
+          </a:fillRef>
+          <a:effectRef idx="1">
+            <a:schemeClr val="accent1"/>
+          </a:effectRef>
+          <a:fontRef idx="minor">
+            <a:schemeClr val="tx1"/>
+          </a:fontRef>
+        </p:style>
+      </p:cxnSp>
+      <p:cxnSp>
+        <p:nvCxnSpPr>
+          <p:cNvPr id="80" name="Straight Connector 79">
+            <a:extLst>
+              <a:ext uri="{FF2B5EF4-FFF2-40B4-BE49-F238E27FC236}">
+                <a16:creationId xmlns:a16="http://schemas.microsoft.com/office/drawing/2014/main" id="{939D364E-36F9-C341-0E90-CEE0A6556BEE}"/>
+              </a:ext>
+            </a:extLst>
+          </p:cNvPr>
+          <p:cNvCxnSpPr>
+            <a:cxnSpLocks/>
+          </p:cNvCxnSpPr>
+          <p:nvPr/>
+        </p:nvCxnSpPr>
+        <p:spPr>
+          <a:xfrm>
+            <a:off x="625332" y="5422142"/>
+            <a:ext cx="8640000" cy="0"/>
+          </a:xfrm>
+          <a:prstGeom prst="line">
+            <a:avLst/>
+          </a:prstGeom>
+          <a:ln w="12700">
+            <a:solidFill>
+              <a:schemeClr val="bg1">
+                <a:lumMod val="95000"/>
+              </a:schemeClr>
+            </a:solidFill>
+            <a:prstDash val="sysDash"/>
+          </a:ln>
+        </p:spPr>
+        <p:style>
+          <a:lnRef idx="2">
+            <a:schemeClr val="accent1"/>
+          </a:lnRef>
+          <a:fillRef idx="0">
+            <a:schemeClr val="accent1"/>
+          </a:fillRef>
+          <a:effectRef idx="1">
+            <a:schemeClr val="accent1"/>
+          </a:effectRef>
+          <a:fontRef idx="minor">
+            <a:schemeClr val="tx1"/>
+          </a:fontRef>
+        </p:style>
+      </p:cxnSp>
+      <p:cxnSp>
+        <p:nvCxnSpPr>
+          <p:cNvPr id="81" name="Straight Connector 80">
+            <a:extLst>
+              <a:ext uri="{FF2B5EF4-FFF2-40B4-BE49-F238E27FC236}">
+                <a16:creationId xmlns:a16="http://schemas.microsoft.com/office/drawing/2014/main" id="{46884DCE-D0E6-F949-776A-9CA8311EB13E}"/>
+              </a:ext>
+            </a:extLst>
+          </p:cNvPr>
+          <p:cNvCxnSpPr>
+            <a:cxnSpLocks/>
+          </p:cNvCxnSpPr>
+          <p:nvPr/>
+        </p:nvCxnSpPr>
+        <p:spPr>
+          <a:xfrm>
+            <a:off x="617664" y="5727266"/>
+            <a:ext cx="8640000" cy="0"/>
+          </a:xfrm>
+          <a:prstGeom prst="line">
+            <a:avLst/>
+          </a:prstGeom>
+          <a:ln w="12700">
+            <a:solidFill>
+              <a:schemeClr val="bg1">
+                <a:lumMod val="95000"/>
+              </a:schemeClr>
+            </a:solidFill>
+            <a:prstDash val="sysDash"/>
+          </a:ln>
+        </p:spPr>
+        <p:style>
+          <a:lnRef idx="2">
+            <a:schemeClr val="accent1"/>
+          </a:lnRef>
+          <a:fillRef idx="0">
+            <a:schemeClr val="accent1"/>
+          </a:fillRef>
+          <a:effectRef idx="1">
+            <a:schemeClr val="accent1"/>
+          </a:effectRef>
+          <a:fontRef idx="minor">
+            <a:schemeClr val="tx1"/>
+          </a:fontRef>
+        </p:style>
+      </p:cxnSp>
     </p:spTree>
     <p:extLst>
       <p:ext uri="{BB962C8B-B14F-4D97-AF65-F5344CB8AC3E}">
         <p14:creationId xmlns:p14="http://schemas.microsoft.com/office/powerpoint/2010/main" val="134750430"/>
+      </p:ext>
+    </p:extLst>
+  </p:cSld>
+  <p:clrMapOvr>
+    <a:masterClrMapping/>
+  </p:clrMapOvr>
+</p:sld>
+</file>
+
+<file path=ppt/slides/slide2.xml><?xml version="1.0" encoding="utf-8"?>
+<p:sld xmlns:a="http://schemas.openxmlformats.org/drawingml/2006/main" xmlns:r="http://schemas.openxmlformats.org/officeDocument/2006/relationships" xmlns:p="http://schemas.openxmlformats.org/presentationml/2006/main">
+  <p:cSld>
+    <p:spTree>
+      <p:nvGrpSpPr>
+        <p:cNvPr id="1" name="">
+          <a:extLst>
+            <a:ext uri="{FF2B5EF4-FFF2-40B4-BE49-F238E27FC236}">
+              <a16:creationId xmlns:a16="http://schemas.microsoft.com/office/drawing/2014/main" id="{CE268C14-161B-28CB-6DC1-ED157C8738A2}"/>
+            </a:ext>
+          </a:extLst>
+        </p:cNvPr>
+        <p:cNvGrpSpPr/>
+        <p:nvPr/>
+      </p:nvGrpSpPr>
+      <p:grpSpPr>
+        <a:xfrm>
+          <a:off x="0" y="0"/>
+          <a:ext cx="0" cy="0"/>
+          <a:chOff x="0" y="0"/>
+          <a:chExt cx="0" cy="0"/>
+        </a:xfrm>
+      </p:grpSpPr>
+      <p:sp>
+        <p:nvSpPr>
+          <p:cNvPr id="4" name="Rectangle 3">
+            <a:extLst>
+              <a:ext uri="{FF2B5EF4-FFF2-40B4-BE49-F238E27FC236}">
+                <a16:creationId xmlns:a16="http://schemas.microsoft.com/office/drawing/2014/main" id="{2575B66E-861F-BF91-5048-59A464F07224}"/>
+              </a:ext>
+            </a:extLst>
+          </p:cNvPr>
+          <p:cNvSpPr/>
+          <p:nvPr/>
+        </p:nvSpPr>
+        <p:spPr>
+          <a:xfrm>
+            <a:off x="633000" y="999000"/>
+            <a:ext cx="8640000" cy="4860000"/>
+          </a:xfrm>
+          <a:prstGeom prst="rect">
+            <a:avLst/>
+          </a:prstGeom>
+          <a:noFill/>
+          <a:ln w="12700">
+            <a:solidFill>
+              <a:schemeClr val="bg1">
+                <a:lumMod val="75000"/>
+              </a:schemeClr>
+            </a:solidFill>
+          </a:ln>
+        </p:spPr>
+        <p:style>
+          <a:lnRef idx="2">
+            <a:schemeClr val="accent1">
+              <a:shade val="15000"/>
+            </a:schemeClr>
+          </a:lnRef>
+          <a:fillRef idx="1">
+            <a:schemeClr val="accent1"/>
+          </a:fillRef>
+          <a:effectRef idx="0">
+            <a:schemeClr val="accent1"/>
+          </a:effectRef>
+          <a:fontRef idx="minor">
+            <a:schemeClr val="lt1"/>
+          </a:fontRef>
+        </p:style>
+        <p:txBody>
+          <a:bodyPr rtlCol="0" anchor="ctr"/>
+          <a:lstStyle/>
+          <a:p>
+            <a:pPr algn="ctr"/>
+            <a:endParaRPr lang="en-US"/>
+          </a:p>
+        </p:txBody>
+      </p:sp>
+      <p:cxnSp>
+        <p:nvCxnSpPr>
+          <p:cNvPr id="6" name="Straight Connector 5">
+            <a:extLst>
+              <a:ext uri="{FF2B5EF4-FFF2-40B4-BE49-F238E27FC236}">
+                <a16:creationId xmlns:a16="http://schemas.microsoft.com/office/drawing/2014/main" id="{1E74A106-4357-BF7F-5ADC-D7929C7E0A7C}"/>
+              </a:ext>
+            </a:extLst>
+          </p:cNvPr>
+          <p:cNvCxnSpPr>
+            <a:cxnSpLocks/>
+          </p:cNvCxnSpPr>
+          <p:nvPr/>
+        </p:nvCxnSpPr>
+        <p:spPr>
+          <a:xfrm>
+            <a:off x="8733000" y="999000"/>
+            <a:ext cx="0" cy="4860000"/>
+          </a:xfrm>
+          <a:prstGeom prst="line">
+            <a:avLst/>
+          </a:prstGeom>
+          <a:ln w="12700">
+            <a:solidFill>
+              <a:schemeClr val="bg1">
+                <a:lumMod val="95000"/>
+              </a:schemeClr>
+            </a:solidFill>
+          </a:ln>
+        </p:spPr>
+        <p:style>
+          <a:lnRef idx="2">
+            <a:schemeClr val="accent1"/>
+          </a:lnRef>
+          <a:fillRef idx="0">
+            <a:schemeClr val="accent1"/>
+          </a:fillRef>
+          <a:effectRef idx="1">
+            <a:schemeClr val="accent1"/>
+          </a:effectRef>
+          <a:fontRef idx="minor">
+            <a:schemeClr val="tx1"/>
+          </a:fontRef>
+        </p:style>
+      </p:cxnSp>
+      <p:cxnSp>
+        <p:nvCxnSpPr>
+          <p:cNvPr id="8" name="Straight Connector 7">
+            <a:extLst>
+              <a:ext uri="{FF2B5EF4-FFF2-40B4-BE49-F238E27FC236}">
+                <a16:creationId xmlns:a16="http://schemas.microsoft.com/office/drawing/2014/main" id="{4C6947CA-9511-3B9B-B0AF-253819D89495}"/>
+              </a:ext>
+            </a:extLst>
+          </p:cNvPr>
+          <p:cNvCxnSpPr>
+            <a:cxnSpLocks/>
+          </p:cNvCxnSpPr>
+          <p:nvPr/>
+        </p:nvCxnSpPr>
+        <p:spPr>
+          <a:xfrm>
+            <a:off x="1173000" y="999000"/>
+            <a:ext cx="0" cy="4860000"/>
+          </a:xfrm>
+          <a:prstGeom prst="line">
+            <a:avLst/>
+          </a:prstGeom>
+          <a:ln w="12700">
+            <a:solidFill>
+              <a:schemeClr val="bg1">
+                <a:lumMod val="95000"/>
+              </a:schemeClr>
+            </a:solidFill>
+          </a:ln>
+        </p:spPr>
+        <p:style>
+          <a:lnRef idx="2">
+            <a:schemeClr val="accent1"/>
+          </a:lnRef>
+          <a:fillRef idx="0">
+            <a:schemeClr val="accent1"/>
+          </a:fillRef>
+          <a:effectRef idx="1">
+            <a:schemeClr val="accent1"/>
+          </a:effectRef>
+          <a:fontRef idx="minor">
+            <a:schemeClr val="tx1"/>
+          </a:fontRef>
+        </p:style>
+      </p:cxnSp>
+      <p:cxnSp>
+        <p:nvCxnSpPr>
+          <p:cNvPr id="9" name="Straight Connector 8">
+            <a:extLst>
+              <a:ext uri="{FF2B5EF4-FFF2-40B4-BE49-F238E27FC236}">
+                <a16:creationId xmlns:a16="http://schemas.microsoft.com/office/drawing/2014/main" id="{27CDF1A2-EB26-D154-3A54-E79CB2BE3421}"/>
+              </a:ext>
+            </a:extLst>
+          </p:cNvPr>
+          <p:cNvCxnSpPr>
+            <a:cxnSpLocks/>
+          </p:cNvCxnSpPr>
+          <p:nvPr/>
+        </p:nvCxnSpPr>
+        <p:spPr>
+          <a:xfrm>
+            <a:off x="1713000" y="999000"/>
+            <a:ext cx="0" cy="4860000"/>
+          </a:xfrm>
+          <a:prstGeom prst="line">
+            <a:avLst/>
+          </a:prstGeom>
+          <a:ln w="12700">
+            <a:solidFill>
+              <a:schemeClr val="bg1">
+                <a:lumMod val="95000"/>
+              </a:schemeClr>
+            </a:solidFill>
+          </a:ln>
+        </p:spPr>
+        <p:style>
+          <a:lnRef idx="2">
+            <a:schemeClr val="accent1"/>
+          </a:lnRef>
+          <a:fillRef idx="0">
+            <a:schemeClr val="accent1"/>
+          </a:fillRef>
+          <a:effectRef idx="1">
+            <a:schemeClr val="accent1"/>
+          </a:effectRef>
+          <a:fontRef idx="minor">
+            <a:schemeClr val="tx1"/>
+          </a:fontRef>
+        </p:style>
+      </p:cxnSp>
+      <p:cxnSp>
+        <p:nvCxnSpPr>
+          <p:cNvPr id="10" name="Straight Connector 9">
+            <a:extLst>
+              <a:ext uri="{FF2B5EF4-FFF2-40B4-BE49-F238E27FC236}">
+                <a16:creationId xmlns:a16="http://schemas.microsoft.com/office/drawing/2014/main" id="{C645AACD-978F-B560-52E3-B8B80C240DF4}"/>
+              </a:ext>
+            </a:extLst>
+          </p:cNvPr>
+          <p:cNvCxnSpPr>
+            <a:cxnSpLocks/>
+          </p:cNvCxnSpPr>
+          <p:nvPr/>
+        </p:nvCxnSpPr>
+        <p:spPr>
+          <a:xfrm>
+            <a:off x="2253000" y="999000"/>
+            <a:ext cx="0" cy="4860000"/>
+          </a:xfrm>
+          <a:prstGeom prst="line">
+            <a:avLst/>
+          </a:prstGeom>
+          <a:ln w="12700">
+            <a:solidFill>
+              <a:schemeClr val="bg1">
+                <a:lumMod val="95000"/>
+              </a:schemeClr>
+            </a:solidFill>
+          </a:ln>
+        </p:spPr>
+        <p:style>
+          <a:lnRef idx="2">
+            <a:schemeClr val="accent1"/>
+          </a:lnRef>
+          <a:fillRef idx="0">
+            <a:schemeClr val="accent1"/>
+          </a:fillRef>
+          <a:effectRef idx="1">
+            <a:schemeClr val="accent1"/>
+          </a:effectRef>
+          <a:fontRef idx="minor">
+            <a:schemeClr val="tx1"/>
+          </a:fontRef>
+        </p:style>
+      </p:cxnSp>
+      <p:cxnSp>
+        <p:nvCxnSpPr>
+          <p:cNvPr id="11" name="Straight Connector 10">
+            <a:extLst>
+              <a:ext uri="{FF2B5EF4-FFF2-40B4-BE49-F238E27FC236}">
+                <a16:creationId xmlns:a16="http://schemas.microsoft.com/office/drawing/2014/main" id="{AB2FD2F3-2E2A-5F4E-93D9-431B2CDBCDD5}"/>
+              </a:ext>
+            </a:extLst>
+          </p:cNvPr>
+          <p:cNvCxnSpPr>
+            <a:cxnSpLocks/>
+          </p:cNvCxnSpPr>
+          <p:nvPr/>
+        </p:nvCxnSpPr>
+        <p:spPr>
+          <a:xfrm>
+            <a:off x="2793000" y="999000"/>
+            <a:ext cx="0" cy="4860000"/>
+          </a:xfrm>
+          <a:prstGeom prst="line">
+            <a:avLst/>
+          </a:prstGeom>
+          <a:ln w="6350">
+            <a:solidFill>
+              <a:schemeClr val="bg1">
+                <a:lumMod val="85000"/>
+              </a:schemeClr>
+            </a:solidFill>
+          </a:ln>
+        </p:spPr>
+        <p:style>
+          <a:lnRef idx="2">
+            <a:schemeClr val="accent1"/>
+          </a:lnRef>
+          <a:fillRef idx="0">
+            <a:schemeClr val="accent1"/>
+          </a:fillRef>
+          <a:effectRef idx="1">
+            <a:schemeClr val="accent1"/>
+          </a:effectRef>
+          <a:fontRef idx="minor">
+            <a:schemeClr val="tx1"/>
+          </a:fontRef>
+        </p:style>
+      </p:cxnSp>
+      <p:cxnSp>
+        <p:nvCxnSpPr>
+          <p:cNvPr id="12" name="Straight Connector 11">
+            <a:extLst>
+              <a:ext uri="{FF2B5EF4-FFF2-40B4-BE49-F238E27FC236}">
+                <a16:creationId xmlns:a16="http://schemas.microsoft.com/office/drawing/2014/main" id="{0D41ECCF-FA02-E709-CB70-7411E48B810A}"/>
+              </a:ext>
+            </a:extLst>
+          </p:cNvPr>
+          <p:cNvCxnSpPr>
+            <a:cxnSpLocks/>
+          </p:cNvCxnSpPr>
+          <p:nvPr/>
+        </p:nvCxnSpPr>
+        <p:spPr>
+          <a:xfrm>
+            <a:off x="3333000" y="999000"/>
+            <a:ext cx="0" cy="4860000"/>
+          </a:xfrm>
+          <a:prstGeom prst="line">
+            <a:avLst/>
+          </a:prstGeom>
+          <a:ln w="12700">
+            <a:solidFill>
+              <a:schemeClr val="bg1">
+                <a:lumMod val="95000"/>
+              </a:schemeClr>
+            </a:solidFill>
+          </a:ln>
+        </p:spPr>
+        <p:style>
+          <a:lnRef idx="2">
+            <a:schemeClr val="accent1"/>
+          </a:lnRef>
+          <a:fillRef idx="0">
+            <a:schemeClr val="accent1"/>
+          </a:fillRef>
+          <a:effectRef idx="1">
+            <a:schemeClr val="accent1"/>
+          </a:effectRef>
+          <a:fontRef idx="minor">
+            <a:schemeClr val="tx1"/>
+          </a:fontRef>
+        </p:style>
+      </p:cxnSp>
+      <p:cxnSp>
+        <p:nvCxnSpPr>
+          <p:cNvPr id="13" name="Straight Connector 12">
+            <a:extLst>
+              <a:ext uri="{FF2B5EF4-FFF2-40B4-BE49-F238E27FC236}">
+                <a16:creationId xmlns:a16="http://schemas.microsoft.com/office/drawing/2014/main" id="{DB74E687-4F81-8308-D5EF-8C473D37B239}"/>
+              </a:ext>
+            </a:extLst>
+          </p:cNvPr>
+          <p:cNvCxnSpPr>
+            <a:cxnSpLocks/>
+          </p:cNvCxnSpPr>
+          <p:nvPr/>
+        </p:nvCxnSpPr>
+        <p:spPr>
+          <a:xfrm>
+            <a:off x="3873000" y="999000"/>
+            <a:ext cx="0" cy="4860000"/>
+          </a:xfrm>
+          <a:prstGeom prst="line">
+            <a:avLst/>
+          </a:prstGeom>
+          <a:ln w="12700">
+            <a:solidFill>
+              <a:schemeClr val="bg1">
+                <a:lumMod val="95000"/>
+              </a:schemeClr>
+            </a:solidFill>
+          </a:ln>
+        </p:spPr>
+        <p:style>
+          <a:lnRef idx="2">
+            <a:schemeClr val="accent1"/>
+          </a:lnRef>
+          <a:fillRef idx="0">
+            <a:schemeClr val="accent1"/>
+          </a:fillRef>
+          <a:effectRef idx="1">
+            <a:schemeClr val="accent1"/>
+          </a:effectRef>
+          <a:fontRef idx="minor">
+            <a:schemeClr val="tx1"/>
+          </a:fontRef>
+        </p:style>
+      </p:cxnSp>
+      <p:cxnSp>
+        <p:nvCxnSpPr>
+          <p:cNvPr id="14" name="Straight Connector 13">
+            <a:extLst>
+              <a:ext uri="{FF2B5EF4-FFF2-40B4-BE49-F238E27FC236}">
+                <a16:creationId xmlns:a16="http://schemas.microsoft.com/office/drawing/2014/main" id="{1C95F8F4-0053-C02D-49A9-CF743BED3EE4}"/>
+              </a:ext>
+            </a:extLst>
+          </p:cNvPr>
+          <p:cNvCxnSpPr>
+            <a:cxnSpLocks/>
+          </p:cNvCxnSpPr>
+          <p:nvPr/>
+        </p:nvCxnSpPr>
+        <p:spPr>
+          <a:xfrm>
+            <a:off x="4413000" y="999000"/>
+            <a:ext cx="0" cy="4860000"/>
+          </a:xfrm>
+          <a:prstGeom prst="line">
+            <a:avLst/>
+          </a:prstGeom>
+          <a:ln w="12700">
+            <a:solidFill>
+              <a:schemeClr val="bg1">
+                <a:lumMod val="95000"/>
+              </a:schemeClr>
+            </a:solidFill>
+          </a:ln>
+        </p:spPr>
+        <p:style>
+          <a:lnRef idx="2">
+            <a:schemeClr val="accent1"/>
+          </a:lnRef>
+          <a:fillRef idx="0">
+            <a:schemeClr val="accent1"/>
+          </a:fillRef>
+          <a:effectRef idx="1">
+            <a:schemeClr val="accent1"/>
+          </a:effectRef>
+          <a:fontRef idx="minor">
+            <a:schemeClr val="tx1"/>
+          </a:fontRef>
+        </p:style>
+      </p:cxnSp>
+      <p:cxnSp>
+        <p:nvCxnSpPr>
+          <p:cNvPr id="15" name="Straight Connector 14">
+            <a:extLst>
+              <a:ext uri="{FF2B5EF4-FFF2-40B4-BE49-F238E27FC236}">
+                <a16:creationId xmlns:a16="http://schemas.microsoft.com/office/drawing/2014/main" id="{1AEF98E8-9569-4175-CCB1-4677CCD8A43C}"/>
+              </a:ext>
+            </a:extLst>
+          </p:cNvPr>
+          <p:cNvCxnSpPr>
+            <a:cxnSpLocks/>
+          </p:cNvCxnSpPr>
+          <p:nvPr/>
+        </p:nvCxnSpPr>
+        <p:spPr>
+          <a:xfrm>
+            <a:off x="4953000" y="999000"/>
+            <a:ext cx="0" cy="4860000"/>
+          </a:xfrm>
+          <a:prstGeom prst="line">
+            <a:avLst/>
+          </a:prstGeom>
+          <a:ln w="6350">
+            <a:solidFill>
+              <a:schemeClr val="bg1">
+                <a:lumMod val="85000"/>
+              </a:schemeClr>
+            </a:solidFill>
+          </a:ln>
+        </p:spPr>
+        <p:style>
+          <a:lnRef idx="2">
+            <a:schemeClr val="accent1"/>
+          </a:lnRef>
+          <a:fillRef idx="0">
+            <a:schemeClr val="accent1"/>
+          </a:fillRef>
+          <a:effectRef idx="1">
+            <a:schemeClr val="accent1"/>
+          </a:effectRef>
+          <a:fontRef idx="minor">
+            <a:schemeClr val="tx1"/>
+          </a:fontRef>
+        </p:style>
+      </p:cxnSp>
+      <p:cxnSp>
+        <p:nvCxnSpPr>
+          <p:cNvPr id="16" name="Straight Connector 15">
+            <a:extLst>
+              <a:ext uri="{FF2B5EF4-FFF2-40B4-BE49-F238E27FC236}">
+                <a16:creationId xmlns:a16="http://schemas.microsoft.com/office/drawing/2014/main" id="{F2E989A3-B98E-C5A6-A779-AF7F54A844A7}"/>
+              </a:ext>
+            </a:extLst>
+          </p:cNvPr>
+          <p:cNvCxnSpPr>
+            <a:cxnSpLocks/>
+          </p:cNvCxnSpPr>
+          <p:nvPr/>
+        </p:nvCxnSpPr>
+        <p:spPr>
+          <a:xfrm>
+            <a:off x="5493000" y="999000"/>
+            <a:ext cx="0" cy="4860000"/>
+          </a:xfrm>
+          <a:prstGeom prst="line">
+            <a:avLst/>
+          </a:prstGeom>
+          <a:ln w="12700">
+            <a:solidFill>
+              <a:schemeClr val="bg1">
+                <a:lumMod val="95000"/>
+              </a:schemeClr>
+            </a:solidFill>
+          </a:ln>
+        </p:spPr>
+        <p:style>
+          <a:lnRef idx="2">
+            <a:schemeClr val="accent1"/>
+          </a:lnRef>
+          <a:fillRef idx="0">
+            <a:schemeClr val="accent1"/>
+          </a:fillRef>
+          <a:effectRef idx="1">
+            <a:schemeClr val="accent1"/>
+          </a:effectRef>
+          <a:fontRef idx="minor">
+            <a:schemeClr val="tx1"/>
+          </a:fontRef>
+        </p:style>
+      </p:cxnSp>
+      <p:cxnSp>
+        <p:nvCxnSpPr>
+          <p:cNvPr id="17" name="Straight Connector 16">
+            <a:extLst>
+              <a:ext uri="{FF2B5EF4-FFF2-40B4-BE49-F238E27FC236}">
+                <a16:creationId xmlns:a16="http://schemas.microsoft.com/office/drawing/2014/main" id="{C02108CC-C5EB-9D3B-091B-26475EE45190}"/>
+              </a:ext>
+            </a:extLst>
+          </p:cNvPr>
+          <p:cNvCxnSpPr>
+            <a:cxnSpLocks/>
+          </p:cNvCxnSpPr>
+          <p:nvPr/>
+        </p:nvCxnSpPr>
+        <p:spPr>
+          <a:xfrm>
+            <a:off x="6033000" y="999000"/>
+            <a:ext cx="0" cy="4860000"/>
+          </a:xfrm>
+          <a:prstGeom prst="line">
+            <a:avLst/>
+          </a:prstGeom>
+          <a:ln w="12700">
+            <a:solidFill>
+              <a:schemeClr val="bg1">
+                <a:lumMod val="95000"/>
+              </a:schemeClr>
+            </a:solidFill>
+          </a:ln>
+        </p:spPr>
+        <p:style>
+          <a:lnRef idx="2">
+            <a:schemeClr val="accent1"/>
+          </a:lnRef>
+          <a:fillRef idx="0">
+            <a:schemeClr val="accent1"/>
+          </a:fillRef>
+          <a:effectRef idx="1">
+            <a:schemeClr val="accent1"/>
+          </a:effectRef>
+          <a:fontRef idx="minor">
+            <a:schemeClr val="tx1"/>
+          </a:fontRef>
+        </p:style>
+      </p:cxnSp>
+      <p:cxnSp>
+        <p:nvCxnSpPr>
+          <p:cNvPr id="18" name="Straight Connector 17">
+            <a:extLst>
+              <a:ext uri="{FF2B5EF4-FFF2-40B4-BE49-F238E27FC236}">
+                <a16:creationId xmlns:a16="http://schemas.microsoft.com/office/drawing/2014/main" id="{CD9DEA32-171A-12EE-68D2-9ECC972F01E7}"/>
+              </a:ext>
+            </a:extLst>
+          </p:cNvPr>
+          <p:cNvCxnSpPr>
+            <a:cxnSpLocks/>
+          </p:cNvCxnSpPr>
+          <p:nvPr/>
+        </p:nvCxnSpPr>
+        <p:spPr>
+          <a:xfrm>
+            <a:off x="6573000" y="999000"/>
+            <a:ext cx="0" cy="4860000"/>
+          </a:xfrm>
+          <a:prstGeom prst="line">
+            <a:avLst/>
+          </a:prstGeom>
+          <a:ln w="12700">
+            <a:solidFill>
+              <a:schemeClr val="bg1">
+                <a:lumMod val="95000"/>
+              </a:schemeClr>
+            </a:solidFill>
+          </a:ln>
+        </p:spPr>
+        <p:style>
+          <a:lnRef idx="2">
+            <a:schemeClr val="accent1"/>
+          </a:lnRef>
+          <a:fillRef idx="0">
+            <a:schemeClr val="accent1"/>
+          </a:fillRef>
+          <a:effectRef idx="1">
+            <a:schemeClr val="accent1"/>
+          </a:effectRef>
+          <a:fontRef idx="minor">
+            <a:schemeClr val="tx1"/>
+          </a:fontRef>
+        </p:style>
+      </p:cxnSp>
+      <p:cxnSp>
+        <p:nvCxnSpPr>
+          <p:cNvPr id="19" name="Straight Connector 18">
+            <a:extLst>
+              <a:ext uri="{FF2B5EF4-FFF2-40B4-BE49-F238E27FC236}">
+                <a16:creationId xmlns:a16="http://schemas.microsoft.com/office/drawing/2014/main" id="{0797829E-FD1F-B365-BF05-A6EF164E8A45}"/>
+              </a:ext>
+            </a:extLst>
+          </p:cNvPr>
+          <p:cNvCxnSpPr>
+            <a:cxnSpLocks/>
+          </p:cNvCxnSpPr>
+          <p:nvPr/>
+        </p:nvCxnSpPr>
+        <p:spPr>
+          <a:xfrm>
+            <a:off x="7113000" y="999000"/>
+            <a:ext cx="0" cy="4860000"/>
+          </a:xfrm>
+          <a:prstGeom prst="line">
+            <a:avLst/>
+          </a:prstGeom>
+          <a:ln w="6350">
+            <a:solidFill>
+              <a:schemeClr val="bg1">
+                <a:lumMod val="85000"/>
+              </a:schemeClr>
+            </a:solidFill>
+          </a:ln>
+        </p:spPr>
+        <p:style>
+          <a:lnRef idx="2">
+            <a:schemeClr val="accent1"/>
+          </a:lnRef>
+          <a:fillRef idx="0">
+            <a:schemeClr val="accent1"/>
+          </a:fillRef>
+          <a:effectRef idx="1">
+            <a:schemeClr val="accent1"/>
+          </a:effectRef>
+          <a:fontRef idx="minor">
+            <a:schemeClr val="tx1"/>
+          </a:fontRef>
+        </p:style>
+      </p:cxnSp>
+      <p:cxnSp>
+        <p:nvCxnSpPr>
+          <p:cNvPr id="20" name="Straight Connector 19">
+            <a:extLst>
+              <a:ext uri="{FF2B5EF4-FFF2-40B4-BE49-F238E27FC236}">
+                <a16:creationId xmlns:a16="http://schemas.microsoft.com/office/drawing/2014/main" id="{023BF313-E31A-1F98-FF36-F093F902F63A}"/>
+              </a:ext>
+            </a:extLst>
+          </p:cNvPr>
+          <p:cNvCxnSpPr>
+            <a:cxnSpLocks/>
+          </p:cNvCxnSpPr>
+          <p:nvPr/>
+        </p:nvCxnSpPr>
+        <p:spPr>
+          <a:xfrm>
+            <a:off x="7653000" y="999000"/>
+            <a:ext cx="0" cy="4860000"/>
+          </a:xfrm>
+          <a:prstGeom prst="line">
+            <a:avLst/>
+          </a:prstGeom>
+          <a:ln w="12700">
+            <a:solidFill>
+              <a:schemeClr val="bg1">
+                <a:lumMod val="95000"/>
+              </a:schemeClr>
+            </a:solidFill>
+          </a:ln>
+        </p:spPr>
+        <p:style>
+          <a:lnRef idx="2">
+            <a:schemeClr val="accent1"/>
+          </a:lnRef>
+          <a:fillRef idx="0">
+            <a:schemeClr val="accent1"/>
+          </a:fillRef>
+          <a:effectRef idx="1">
+            <a:schemeClr val="accent1"/>
+          </a:effectRef>
+          <a:fontRef idx="minor">
+            <a:schemeClr val="tx1"/>
+          </a:fontRef>
+        </p:style>
+      </p:cxnSp>
+      <p:cxnSp>
+        <p:nvCxnSpPr>
+          <p:cNvPr id="21" name="Straight Connector 20">
+            <a:extLst>
+              <a:ext uri="{FF2B5EF4-FFF2-40B4-BE49-F238E27FC236}">
+                <a16:creationId xmlns:a16="http://schemas.microsoft.com/office/drawing/2014/main" id="{6EED102D-47A6-756A-EB52-5E77F4DF7A68}"/>
+              </a:ext>
+            </a:extLst>
+          </p:cNvPr>
+          <p:cNvCxnSpPr>
+            <a:cxnSpLocks/>
+          </p:cNvCxnSpPr>
+          <p:nvPr/>
+        </p:nvCxnSpPr>
+        <p:spPr>
+          <a:xfrm>
+            <a:off x="8193000" y="999000"/>
+            <a:ext cx="0" cy="4860000"/>
+          </a:xfrm>
+          <a:prstGeom prst="line">
+            <a:avLst/>
+          </a:prstGeom>
+          <a:ln w="12700">
+            <a:solidFill>
+              <a:schemeClr val="bg1">
+                <a:lumMod val="95000"/>
+              </a:schemeClr>
+            </a:solidFill>
+          </a:ln>
+        </p:spPr>
+        <p:style>
+          <a:lnRef idx="2">
+            <a:schemeClr val="accent1"/>
+          </a:lnRef>
+          <a:fillRef idx="0">
+            <a:schemeClr val="accent1"/>
+          </a:fillRef>
+          <a:effectRef idx="1">
+            <a:schemeClr val="accent1"/>
+          </a:effectRef>
+          <a:fontRef idx="minor">
+            <a:schemeClr val="tx1"/>
+          </a:fontRef>
+        </p:style>
+      </p:cxnSp>
+      <p:cxnSp>
+        <p:nvCxnSpPr>
+          <p:cNvPr id="27" name="Straight Connector 26">
+            <a:extLst>
+              <a:ext uri="{FF2B5EF4-FFF2-40B4-BE49-F238E27FC236}">
+                <a16:creationId xmlns:a16="http://schemas.microsoft.com/office/drawing/2014/main" id="{011F25CC-8947-11CE-E167-3EE779B769A3}"/>
+              </a:ext>
+            </a:extLst>
+          </p:cNvPr>
+          <p:cNvCxnSpPr>
+            <a:cxnSpLocks/>
+          </p:cNvCxnSpPr>
+          <p:nvPr/>
+        </p:nvCxnSpPr>
+        <p:spPr>
+          <a:xfrm>
+            <a:off x="633000" y="1302914"/>
+            <a:ext cx="8640000" cy="0"/>
+          </a:xfrm>
+          <a:prstGeom prst="line">
+            <a:avLst/>
+          </a:prstGeom>
+          <a:ln w="12700">
+            <a:solidFill>
+              <a:schemeClr val="bg1">
+                <a:lumMod val="95000"/>
+              </a:schemeClr>
+            </a:solidFill>
+          </a:ln>
+        </p:spPr>
+        <p:style>
+          <a:lnRef idx="2">
+            <a:schemeClr val="accent1"/>
+          </a:lnRef>
+          <a:fillRef idx="0">
+            <a:schemeClr val="accent1"/>
+          </a:fillRef>
+          <a:effectRef idx="1">
+            <a:schemeClr val="accent1"/>
+          </a:effectRef>
+          <a:fontRef idx="minor">
+            <a:schemeClr val="tx1"/>
+          </a:fontRef>
+        </p:style>
+      </p:cxnSp>
+      <p:cxnSp>
+        <p:nvCxnSpPr>
+          <p:cNvPr id="30" name="Straight Connector 29">
+            <a:extLst>
+              <a:ext uri="{FF2B5EF4-FFF2-40B4-BE49-F238E27FC236}">
+                <a16:creationId xmlns:a16="http://schemas.microsoft.com/office/drawing/2014/main" id="{10AC5704-7AA4-4718-85CD-7ACC0C33BB5A}"/>
+              </a:ext>
+            </a:extLst>
+          </p:cNvPr>
+          <p:cNvCxnSpPr>
+            <a:cxnSpLocks/>
+          </p:cNvCxnSpPr>
+          <p:nvPr/>
+        </p:nvCxnSpPr>
+        <p:spPr>
+          <a:xfrm>
+            <a:off x="633000" y="1608042"/>
+            <a:ext cx="8640000" cy="0"/>
+          </a:xfrm>
+          <a:prstGeom prst="line">
+            <a:avLst/>
+          </a:prstGeom>
+          <a:ln w="12700">
+            <a:solidFill>
+              <a:schemeClr val="bg1">
+                <a:lumMod val="95000"/>
+              </a:schemeClr>
+            </a:solidFill>
+          </a:ln>
+        </p:spPr>
+        <p:style>
+          <a:lnRef idx="2">
+            <a:schemeClr val="accent1"/>
+          </a:lnRef>
+          <a:fillRef idx="0">
+            <a:schemeClr val="accent1"/>
+          </a:fillRef>
+          <a:effectRef idx="1">
+            <a:schemeClr val="accent1"/>
+          </a:effectRef>
+          <a:fontRef idx="minor">
+            <a:schemeClr val="tx1"/>
+          </a:fontRef>
+        </p:style>
+      </p:cxnSp>
+      <p:cxnSp>
+        <p:nvCxnSpPr>
+          <p:cNvPr id="31" name="Straight Connector 30">
+            <a:extLst>
+              <a:ext uri="{FF2B5EF4-FFF2-40B4-BE49-F238E27FC236}">
+                <a16:creationId xmlns:a16="http://schemas.microsoft.com/office/drawing/2014/main" id="{2D99C6A4-9C40-EEC2-2ACF-2C112575A0A3}"/>
+              </a:ext>
+            </a:extLst>
+          </p:cNvPr>
+          <p:cNvCxnSpPr>
+            <a:cxnSpLocks/>
+          </p:cNvCxnSpPr>
+          <p:nvPr/>
+        </p:nvCxnSpPr>
+        <p:spPr>
+          <a:xfrm>
+            <a:off x="633000" y="1913170"/>
+            <a:ext cx="8640000" cy="0"/>
+          </a:xfrm>
+          <a:prstGeom prst="line">
+            <a:avLst/>
+          </a:prstGeom>
+          <a:ln w="12700">
+            <a:solidFill>
+              <a:schemeClr val="bg1">
+                <a:lumMod val="95000"/>
+              </a:schemeClr>
+            </a:solidFill>
+          </a:ln>
+        </p:spPr>
+        <p:style>
+          <a:lnRef idx="2">
+            <a:schemeClr val="accent1"/>
+          </a:lnRef>
+          <a:fillRef idx="0">
+            <a:schemeClr val="accent1"/>
+          </a:fillRef>
+          <a:effectRef idx="1">
+            <a:schemeClr val="accent1"/>
+          </a:effectRef>
+          <a:fontRef idx="minor">
+            <a:schemeClr val="tx1"/>
+          </a:fontRef>
+        </p:style>
+      </p:cxnSp>
+      <p:cxnSp>
+        <p:nvCxnSpPr>
+          <p:cNvPr id="32" name="Straight Connector 31">
+            <a:extLst>
+              <a:ext uri="{FF2B5EF4-FFF2-40B4-BE49-F238E27FC236}">
+                <a16:creationId xmlns:a16="http://schemas.microsoft.com/office/drawing/2014/main" id="{8493B006-C085-4A91-4641-3B068E9257E9}"/>
+              </a:ext>
+            </a:extLst>
+          </p:cNvPr>
+          <p:cNvCxnSpPr>
+            <a:cxnSpLocks/>
+          </p:cNvCxnSpPr>
+          <p:nvPr/>
+        </p:nvCxnSpPr>
+        <p:spPr>
+          <a:xfrm>
+            <a:off x="633000" y="2218298"/>
+            <a:ext cx="8640000" cy="0"/>
+          </a:xfrm>
+          <a:prstGeom prst="line">
+            <a:avLst/>
+          </a:prstGeom>
+          <a:ln w="6350">
+            <a:solidFill>
+              <a:schemeClr val="bg1">
+                <a:lumMod val="85000"/>
+              </a:schemeClr>
+            </a:solidFill>
+          </a:ln>
+        </p:spPr>
+        <p:style>
+          <a:lnRef idx="2">
+            <a:schemeClr val="accent1"/>
+          </a:lnRef>
+          <a:fillRef idx="0">
+            <a:schemeClr val="accent1"/>
+          </a:fillRef>
+          <a:effectRef idx="1">
+            <a:schemeClr val="accent1"/>
+          </a:effectRef>
+          <a:fontRef idx="minor">
+            <a:schemeClr val="tx1"/>
+          </a:fontRef>
+        </p:style>
+      </p:cxnSp>
+      <p:cxnSp>
+        <p:nvCxnSpPr>
+          <p:cNvPr id="33" name="Straight Connector 32">
+            <a:extLst>
+              <a:ext uri="{FF2B5EF4-FFF2-40B4-BE49-F238E27FC236}">
+                <a16:creationId xmlns:a16="http://schemas.microsoft.com/office/drawing/2014/main" id="{ED6B8C8A-54E2-0520-8035-ACB4F53C0916}"/>
+              </a:ext>
+            </a:extLst>
+          </p:cNvPr>
+          <p:cNvCxnSpPr>
+            <a:cxnSpLocks/>
+          </p:cNvCxnSpPr>
+          <p:nvPr/>
+        </p:nvCxnSpPr>
+        <p:spPr>
+          <a:xfrm>
+            <a:off x="633000" y="2523426"/>
+            <a:ext cx="8640000" cy="0"/>
+          </a:xfrm>
+          <a:prstGeom prst="line">
+            <a:avLst/>
+          </a:prstGeom>
+          <a:ln w="12700">
+            <a:solidFill>
+              <a:schemeClr val="bg1">
+                <a:lumMod val="95000"/>
+              </a:schemeClr>
+            </a:solidFill>
+          </a:ln>
+        </p:spPr>
+        <p:style>
+          <a:lnRef idx="2">
+            <a:schemeClr val="accent1"/>
+          </a:lnRef>
+          <a:fillRef idx="0">
+            <a:schemeClr val="accent1"/>
+          </a:fillRef>
+          <a:effectRef idx="1">
+            <a:schemeClr val="accent1"/>
+          </a:effectRef>
+          <a:fontRef idx="minor">
+            <a:schemeClr val="tx1"/>
+          </a:fontRef>
+        </p:style>
+      </p:cxnSp>
+      <p:cxnSp>
+        <p:nvCxnSpPr>
+          <p:cNvPr id="34" name="Straight Connector 33">
+            <a:extLst>
+              <a:ext uri="{FF2B5EF4-FFF2-40B4-BE49-F238E27FC236}">
+                <a16:creationId xmlns:a16="http://schemas.microsoft.com/office/drawing/2014/main" id="{90705131-DD04-9A5A-28DA-2CE020329B54}"/>
+              </a:ext>
+            </a:extLst>
+          </p:cNvPr>
+          <p:cNvCxnSpPr>
+            <a:cxnSpLocks/>
+          </p:cNvCxnSpPr>
+          <p:nvPr/>
+        </p:nvCxnSpPr>
+        <p:spPr>
+          <a:xfrm>
+            <a:off x="633000" y="2828554"/>
+            <a:ext cx="8640000" cy="0"/>
+          </a:xfrm>
+          <a:prstGeom prst="line">
+            <a:avLst/>
+          </a:prstGeom>
+          <a:ln w="12700">
+            <a:solidFill>
+              <a:schemeClr val="bg1">
+                <a:lumMod val="95000"/>
+              </a:schemeClr>
+            </a:solidFill>
+          </a:ln>
+        </p:spPr>
+        <p:style>
+          <a:lnRef idx="2">
+            <a:schemeClr val="accent1"/>
+          </a:lnRef>
+          <a:fillRef idx="0">
+            <a:schemeClr val="accent1"/>
+          </a:fillRef>
+          <a:effectRef idx="1">
+            <a:schemeClr val="accent1"/>
+          </a:effectRef>
+          <a:fontRef idx="minor">
+            <a:schemeClr val="tx1"/>
+          </a:fontRef>
+        </p:style>
+      </p:cxnSp>
+      <p:cxnSp>
+        <p:nvCxnSpPr>
+          <p:cNvPr id="35" name="Straight Connector 34">
+            <a:extLst>
+              <a:ext uri="{FF2B5EF4-FFF2-40B4-BE49-F238E27FC236}">
+                <a16:creationId xmlns:a16="http://schemas.microsoft.com/office/drawing/2014/main" id="{23E54BA4-396B-587B-D169-5F4304C17792}"/>
+              </a:ext>
+            </a:extLst>
+          </p:cNvPr>
+          <p:cNvCxnSpPr>
+            <a:cxnSpLocks/>
+          </p:cNvCxnSpPr>
+          <p:nvPr/>
+        </p:nvCxnSpPr>
+        <p:spPr>
+          <a:xfrm>
+            <a:off x="633000" y="3133682"/>
+            <a:ext cx="8640000" cy="0"/>
+          </a:xfrm>
+          <a:prstGeom prst="line">
+            <a:avLst/>
+          </a:prstGeom>
+          <a:ln w="12700">
+            <a:solidFill>
+              <a:schemeClr val="bg1">
+                <a:lumMod val="95000"/>
+              </a:schemeClr>
+            </a:solidFill>
+          </a:ln>
+        </p:spPr>
+        <p:style>
+          <a:lnRef idx="2">
+            <a:schemeClr val="accent1"/>
+          </a:lnRef>
+          <a:fillRef idx="0">
+            <a:schemeClr val="accent1"/>
+          </a:fillRef>
+          <a:effectRef idx="1">
+            <a:schemeClr val="accent1"/>
+          </a:effectRef>
+          <a:fontRef idx="minor">
+            <a:schemeClr val="tx1"/>
+          </a:fontRef>
+        </p:style>
+      </p:cxnSp>
+      <p:cxnSp>
+        <p:nvCxnSpPr>
+          <p:cNvPr id="36" name="Straight Connector 35">
+            <a:extLst>
+              <a:ext uri="{FF2B5EF4-FFF2-40B4-BE49-F238E27FC236}">
+                <a16:creationId xmlns:a16="http://schemas.microsoft.com/office/drawing/2014/main" id="{659D0DBD-440F-D3D8-2820-6AADAC531914}"/>
+              </a:ext>
+            </a:extLst>
+          </p:cNvPr>
+          <p:cNvCxnSpPr>
+            <a:cxnSpLocks/>
+          </p:cNvCxnSpPr>
+          <p:nvPr/>
+        </p:nvCxnSpPr>
+        <p:spPr>
+          <a:xfrm>
+            <a:off x="633000" y="3438810"/>
+            <a:ext cx="8640000" cy="0"/>
+          </a:xfrm>
+          <a:prstGeom prst="line">
+            <a:avLst/>
+          </a:prstGeom>
+          <a:ln w="6350">
+            <a:solidFill>
+              <a:schemeClr val="bg1">
+                <a:lumMod val="85000"/>
+              </a:schemeClr>
+            </a:solidFill>
+          </a:ln>
+        </p:spPr>
+        <p:style>
+          <a:lnRef idx="2">
+            <a:schemeClr val="accent1"/>
+          </a:lnRef>
+          <a:fillRef idx="0">
+            <a:schemeClr val="accent1"/>
+          </a:fillRef>
+          <a:effectRef idx="1">
+            <a:schemeClr val="accent1"/>
+          </a:effectRef>
+          <a:fontRef idx="minor">
+            <a:schemeClr val="tx1"/>
+          </a:fontRef>
+        </p:style>
+      </p:cxnSp>
+      <p:cxnSp>
+        <p:nvCxnSpPr>
+          <p:cNvPr id="37" name="Straight Connector 36">
+            <a:extLst>
+              <a:ext uri="{FF2B5EF4-FFF2-40B4-BE49-F238E27FC236}">
+                <a16:creationId xmlns:a16="http://schemas.microsoft.com/office/drawing/2014/main" id="{7D9F4766-055A-E6A5-72EE-A5AA338BCC8E}"/>
+              </a:ext>
+            </a:extLst>
+          </p:cNvPr>
+          <p:cNvCxnSpPr>
+            <a:cxnSpLocks/>
+          </p:cNvCxnSpPr>
+          <p:nvPr/>
+        </p:nvCxnSpPr>
+        <p:spPr>
+          <a:xfrm>
+            <a:off x="633000" y="3743938"/>
+            <a:ext cx="8640000" cy="0"/>
+          </a:xfrm>
+          <a:prstGeom prst="line">
+            <a:avLst/>
+          </a:prstGeom>
+          <a:ln w="12700">
+            <a:solidFill>
+              <a:schemeClr val="bg1">
+                <a:lumMod val="95000"/>
+              </a:schemeClr>
+            </a:solidFill>
+          </a:ln>
+        </p:spPr>
+        <p:style>
+          <a:lnRef idx="2">
+            <a:schemeClr val="accent1"/>
+          </a:lnRef>
+          <a:fillRef idx="0">
+            <a:schemeClr val="accent1"/>
+          </a:fillRef>
+          <a:effectRef idx="1">
+            <a:schemeClr val="accent1"/>
+          </a:effectRef>
+          <a:fontRef idx="minor">
+            <a:schemeClr val="tx1"/>
+          </a:fontRef>
+        </p:style>
+      </p:cxnSp>
+      <p:cxnSp>
+        <p:nvCxnSpPr>
+          <p:cNvPr id="38" name="Straight Connector 37">
+            <a:extLst>
+              <a:ext uri="{FF2B5EF4-FFF2-40B4-BE49-F238E27FC236}">
+                <a16:creationId xmlns:a16="http://schemas.microsoft.com/office/drawing/2014/main" id="{29B1859A-2C6B-C8F7-5F2C-4508DAEF3863}"/>
+              </a:ext>
+            </a:extLst>
+          </p:cNvPr>
+          <p:cNvCxnSpPr>
+            <a:cxnSpLocks/>
+          </p:cNvCxnSpPr>
+          <p:nvPr/>
+        </p:nvCxnSpPr>
+        <p:spPr>
+          <a:xfrm>
+            <a:off x="633000" y="4049066"/>
+            <a:ext cx="8640000" cy="0"/>
+          </a:xfrm>
+          <a:prstGeom prst="line">
+            <a:avLst/>
+          </a:prstGeom>
+          <a:ln w="12700">
+            <a:solidFill>
+              <a:schemeClr val="bg1">
+                <a:lumMod val="95000"/>
+              </a:schemeClr>
+            </a:solidFill>
+          </a:ln>
+        </p:spPr>
+        <p:style>
+          <a:lnRef idx="2">
+            <a:schemeClr val="accent1"/>
+          </a:lnRef>
+          <a:fillRef idx="0">
+            <a:schemeClr val="accent1"/>
+          </a:fillRef>
+          <a:effectRef idx="1">
+            <a:schemeClr val="accent1"/>
+          </a:effectRef>
+          <a:fontRef idx="minor">
+            <a:schemeClr val="tx1"/>
+          </a:fontRef>
+        </p:style>
+      </p:cxnSp>
+      <p:cxnSp>
+        <p:nvCxnSpPr>
+          <p:cNvPr id="39" name="Straight Connector 38">
+            <a:extLst>
+              <a:ext uri="{FF2B5EF4-FFF2-40B4-BE49-F238E27FC236}">
+                <a16:creationId xmlns:a16="http://schemas.microsoft.com/office/drawing/2014/main" id="{1ACFB58D-EC68-BA94-DFB9-9F462FC17877}"/>
+              </a:ext>
+            </a:extLst>
+          </p:cNvPr>
+          <p:cNvCxnSpPr>
+            <a:cxnSpLocks/>
+          </p:cNvCxnSpPr>
+          <p:nvPr/>
+        </p:nvCxnSpPr>
+        <p:spPr>
+          <a:xfrm>
+            <a:off x="633000" y="4354194"/>
+            <a:ext cx="8640000" cy="0"/>
+          </a:xfrm>
+          <a:prstGeom prst="line">
+            <a:avLst/>
+          </a:prstGeom>
+          <a:ln w="12700">
+            <a:solidFill>
+              <a:schemeClr val="bg1">
+                <a:lumMod val="95000"/>
+              </a:schemeClr>
+            </a:solidFill>
+          </a:ln>
+        </p:spPr>
+        <p:style>
+          <a:lnRef idx="2">
+            <a:schemeClr val="accent1"/>
+          </a:lnRef>
+          <a:fillRef idx="0">
+            <a:schemeClr val="accent1"/>
+          </a:fillRef>
+          <a:effectRef idx="1">
+            <a:schemeClr val="accent1"/>
+          </a:effectRef>
+          <a:fontRef idx="minor">
+            <a:schemeClr val="tx1"/>
+          </a:fontRef>
+        </p:style>
+      </p:cxnSp>
+      <p:cxnSp>
+        <p:nvCxnSpPr>
+          <p:cNvPr id="40" name="Straight Connector 39">
+            <a:extLst>
+              <a:ext uri="{FF2B5EF4-FFF2-40B4-BE49-F238E27FC236}">
+                <a16:creationId xmlns:a16="http://schemas.microsoft.com/office/drawing/2014/main" id="{651DB9FA-07F8-3CB5-BF1D-E01F09C8AD0A}"/>
+              </a:ext>
+            </a:extLst>
+          </p:cNvPr>
+          <p:cNvCxnSpPr>
+            <a:cxnSpLocks/>
+          </p:cNvCxnSpPr>
+          <p:nvPr/>
+        </p:nvCxnSpPr>
+        <p:spPr>
+          <a:xfrm>
+            <a:off x="633000" y="4659322"/>
+            <a:ext cx="8640000" cy="0"/>
+          </a:xfrm>
+          <a:prstGeom prst="line">
+            <a:avLst/>
+          </a:prstGeom>
+          <a:ln w="6350">
+            <a:solidFill>
+              <a:schemeClr val="bg1">
+                <a:lumMod val="85000"/>
+              </a:schemeClr>
+            </a:solidFill>
+          </a:ln>
+        </p:spPr>
+        <p:style>
+          <a:lnRef idx="2">
+            <a:schemeClr val="accent1"/>
+          </a:lnRef>
+          <a:fillRef idx="0">
+            <a:schemeClr val="accent1"/>
+          </a:fillRef>
+          <a:effectRef idx="1">
+            <a:schemeClr val="accent1"/>
+          </a:effectRef>
+          <a:fontRef idx="minor">
+            <a:schemeClr val="tx1"/>
+          </a:fontRef>
+        </p:style>
+      </p:cxnSp>
+      <p:cxnSp>
+        <p:nvCxnSpPr>
+          <p:cNvPr id="41" name="Straight Connector 40">
+            <a:extLst>
+              <a:ext uri="{FF2B5EF4-FFF2-40B4-BE49-F238E27FC236}">
+                <a16:creationId xmlns:a16="http://schemas.microsoft.com/office/drawing/2014/main" id="{899AFAD7-6EFA-DFC8-232C-BF1CBF89C97A}"/>
+              </a:ext>
+            </a:extLst>
+          </p:cNvPr>
+          <p:cNvCxnSpPr>
+            <a:cxnSpLocks/>
+          </p:cNvCxnSpPr>
+          <p:nvPr/>
+        </p:nvCxnSpPr>
+        <p:spPr>
+          <a:xfrm>
+            <a:off x="633000" y="4964450"/>
+            <a:ext cx="8640000" cy="0"/>
+          </a:xfrm>
+          <a:prstGeom prst="line">
+            <a:avLst/>
+          </a:prstGeom>
+          <a:ln w="12700">
+            <a:solidFill>
+              <a:schemeClr val="bg1">
+                <a:lumMod val="95000"/>
+              </a:schemeClr>
+            </a:solidFill>
+          </a:ln>
+        </p:spPr>
+        <p:style>
+          <a:lnRef idx="2">
+            <a:schemeClr val="accent1"/>
+          </a:lnRef>
+          <a:fillRef idx="0">
+            <a:schemeClr val="accent1"/>
+          </a:fillRef>
+          <a:effectRef idx="1">
+            <a:schemeClr val="accent1"/>
+          </a:effectRef>
+          <a:fontRef idx="minor">
+            <a:schemeClr val="tx1"/>
+          </a:fontRef>
+        </p:style>
+      </p:cxnSp>
+      <p:cxnSp>
+        <p:nvCxnSpPr>
+          <p:cNvPr id="42" name="Straight Connector 41">
+            <a:extLst>
+              <a:ext uri="{FF2B5EF4-FFF2-40B4-BE49-F238E27FC236}">
+                <a16:creationId xmlns:a16="http://schemas.microsoft.com/office/drawing/2014/main" id="{2CED75F9-35E4-50B2-1839-7E5EA5E994CB}"/>
+              </a:ext>
+            </a:extLst>
+          </p:cNvPr>
+          <p:cNvCxnSpPr>
+            <a:cxnSpLocks/>
+          </p:cNvCxnSpPr>
+          <p:nvPr/>
+        </p:nvCxnSpPr>
+        <p:spPr>
+          <a:xfrm>
+            <a:off x="633000" y="5269578"/>
+            <a:ext cx="8640000" cy="0"/>
+          </a:xfrm>
+          <a:prstGeom prst="line">
+            <a:avLst/>
+          </a:prstGeom>
+          <a:ln w="12700">
+            <a:solidFill>
+              <a:schemeClr val="bg1">
+                <a:lumMod val="95000"/>
+              </a:schemeClr>
+            </a:solidFill>
+          </a:ln>
+        </p:spPr>
+        <p:style>
+          <a:lnRef idx="2">
+            <a:schemeClr val="accent1"/>
+          </a:lnRef>
+          <a:fillRef idx="0">
+            <a:schemeClr val="accent1"/>
+          </a:fillRef>
+          <a:effectRef idx="1">
+            <a:schemeClr val="accent1"/>
+          </a:effectRef>
+          <a:fontRef idx="minor">
+            <a:schemeClr val="tx1"/>
+          </a:fontRef>
+        </p:style>
+      </p:cxnSp>
+      <p:cxnSp>
+        <p:nvCxnSpPr>
+          <p:cNvPr id="43" name="Straight Connector 42">
+            <a:extLst>
+              <a:ext uri="{FF2B5EF4-FFF2-40B4-BE49-F238E27FC236}">
+                <a16:creationId xmlns:a16="http://schemas.microsoft.com/office/drawing/2014/main" id="{AED71598-E087-139F-16A3-A12D39C6D32E}"/>
+              </a:ext>
+            </a:extLst>
+          </p:cNvPr>
+          <p:cNvCxnSpPr>
+            <a:cxnSpLocks/>
+          </p:cNvCxnSpPr>
+          <p:nvPr/>
+        </p:nvCxnSpPr>
+        <p:spPr>
+          <a:xfrm>
+            <a:off x="633000" y="5574706"/>
+            <a:ext cx="8640000" cy="0"/>
+          </a:xfrm>
+          <a:prstGeom prst="line">
+            <a:avLst/>
+          </a:prstGeom>
+          <a:ln w="12700">
+            <a:solidFill>
+              <a:schemeClr val="bg1">
+                <a:lumMod val="95000"/>
+              </a:schemeClr>
+            </a:solidFill>
+          </a:ln>
+        </p:spPr>
+        <p:style>
+          <a:lnRef idx="2">
+            <a:schemeClr val="accent1"/>
+          </a:lnRef>
+          <a:fillRef idx="0">
+            <a:schemeClr val="accent1"/>
+          </a:fillRef>
+          <a:effectRef idx="1">
+            <a:schemeClr val="accent1"/>
+          </a:effectRef>
+          <a:fontRef idx="minor">
+            <a:schemeClr val="tx1"/>
+          </a:fontRef>
+        </p:style>
+      </p:cxnSp>
+      <p:grpSp>
+        <p:nvGrpSpPr>
+          <p:cNvPr id="62" name="Group 61">
+            <a:extLst>
+              <a:ext uri="{FF2B5EF4-FFF2-40B4-BE49-F238E27FC236}">
+                <a16:creationId xmlns:a16="http://schemas.microsoft.com/office/drawing/2014/main" id="{8E4A2582-9BAF-E5EA-A006-B945F7181B22}"/>
+              </a:ext>
+            </a:extLst>
+          </p:cNvPr>
+          <p:cNvGrpSpPr/>
+          <p:nvPr/>
+        </p:nvGrpSpPr>
+        <p:grpSpPr>
+          <a:xfrm>
+            <a:off x="633006" y="723074"/>
+            <a:ext cx="8639988" cy="307777"/>
+            <a:chOff x="633006" y="123306"/>
+            <a:chExt cx="8639988" cy="307777"/>
+          </a:xfrm>
+        </p:grpSpPr>
+        <p:sp>
+          <p:nvSpPr>
+            <p:cNvPr id="45" name="TextBox 44">
+              <a:extLst>
+                <a:ext uri="{FF2B5EF4-FFF2-40B4-BE49-F238E27FC236}">
+                  <a16:creationId xmlns:a16="http://schemas.microsoft.com/office/drawing/2014/main" id="{24F8FB7D-469B-254F-599B-F58D65F9369A}"/>
+                </a:ext>
+              </a:extLst>
+            </p:cNvPr>
+            <p:cNvSpPr txBox="1"/>
+            <p:nvPr/>
+          </p:nvSpPr>
+          <p:spPr>
+            <a:xfrm>
+              <a:off x="633006" y="123306"/>
+              <a:ext cx="539994" cy="307777"/>
+            </a:xfrm>
+            <a:prstGeom prst="rect">
+              <a:avLst/>
+            </a:prstGeom>
+            <a:noFill/>
+            <a:ln>
+              <a:noFill/>
+            </a:ln>
+          </p:spPr>
+          <p:txBody>
+            <a:bodyPr wrap="square" lIns="0" rtlCol="0">
+              <a:spAutoFit/>
+            </a:bodyPr>
+            <a:lstStyle/>
+            <a:p>
+              <a:r>
+                <a:rPr lang="en-US" sz="1400" dirty="0">
+                  <a:solidFill>
+                    <a:schemeClr val="tx1">
+                      <a:lumMod val="50000"/>
+                      <a:lumOff val="50000"/>
+                    </a:schemeClr>
+                  </a:solidFill>
+                  <a:latin typeface="Courier New" panose="02070309020205020404" pitchFamily="49" charset="0"/>
+                  <a:cs typeface="Courier New" panose="02070309020205020404" pitchFamily="49" charset="0"/>
+                </a:rPr>
+                <a:t>0</a:t>
+              </a:r>
+            </a:p>
+          </p:txBody>
+        </p:sp>
+        <p:sp>
+          <p:nvSpPr>
+            <p:cNvPr id="46" name="TextBox 45">
+              <a:extLst>
+                <a:ext uri="{FF2B5EF4-FFF2-40B4-BE49-F238E27FC236}">
+                  <a16:creationId xmlns:a16="http://schemas.microsoft.com/office/drawing/2014/main" id="{1B081FFF-6FD9-6668-ED1A-E404BE025DB4}"/>
+                </a:ext>
+              </a:extLst>
+            </p:cNvPr>
+            <p:cNvSpPr txBox="1"/>
+            <p:nvPr/>
+          </p:nvSpPr>
+          <p:spPr>
+            <a:xfrm>
+              <a:off x="7113006" y="123306"/>
+              <a:ext cx="539994" cy="307777"/>
+            </a:xfrm>
+            <a:prstGeom prst="rect">
+              <a:avLst/>
+            </a:prstGeom>
+            <a:noFill/>
+            <a:ln>
+              <a:noFill/>
+            </a:ln>
+          </p:spPr>
+          <p:txBody>
+            <a:bodyPr wrap="square" lIns="0" rtlCol="0">
+              <a:spAutoFit/>
+            </a:bodyPr>
+            <a:lstStyle/>
+            <a:p>
+              <a:r>
+                <a:rPr lang="en-US" sz="1400" dirty="0">
+                  <a:solidFill>
+                    <a:schemeClr val="tx1">
+                      <a:lumMod val="50000"/>
+                      <a:lumOff val="50000"/>
+                    </a:schemeClr>
+                  </a:solidFill>
+                  <a:latin typeface="Courier New" panose="02070309020205020404" pitchFamily="49" charset="0"/>
+                  <a:cs typeface="Courier New" panose="02070309020205020404" pitchFamily="49" charset="0"/>
+                </a:rPr>
+                <a:t>12</a:t>
+              </a:r>
+            </a:p>
+          </p:txBody>
+        </p:sp>
+        <p:sp>
+          <p:nvSpPr>
+            <p:cNvPr id="47" name="TextBox 46">
+              <a:extLst>
+                <a:ext uri="{FF2B5EF4-FFF2-40B4-BE49-F238E27FC236}">
+                  <a16:creationId xmlns:a16="http://schemas.microsoft.com/office/drawing/2014/main" id="{0723DFED-4BCE-3D35-1F7B-A40F6A8D01B4}"/>
+                </a:ext>
+              </a:extLst>
+            </p:cNvPr>
+            <p:cNvSpPr txBox="1"/>
+            <p:nvPr/>
+          </p:nvSpPr>
+          <p:spPr>
+            <a:xfrm>
+              <a:off x="4953006" y="123306"/>
+              <a:ext cx="539994" cy="307777"/>
+            </a:xfrm>
+            <a:prstGeom prst="rect">
+              <a:avLst/>
+            </a:prstGeom>
+            <a:noFill/>
+            <a:ln>
+              <a:noFill/>
+            </a:ln>
+          </p:spPr>
+          <p:txBody>
+            <a:bodyPr wrap="square" lIns="0" rtlCol="0">
+              <a:spAutoFit/>
+            </a:bodyPr>
+            <a:lstStyle/>
+            <a:p>
+              <a:r>
+                <a:rPr lang="en-US" sz="1400" dirty="0">
+                  <a:solidFill>
+                    <a:schemeClr val="tx1">
+                      <a:lumMod val="50000"/>
+                      <a:lumOff val="50000"/>
+                    </a:schemeClr>
+                  </a:solidFill>
+                  <a:latin typeface="Courier New" panose="02070309020205020404" pitchFamily="49" charset="0"/>
+                  <a:cs typeface="Courier New" panose="02070309020205020404" pitchFamily="49" charset="0"/>
+                </a:rPr>
+                <a:t>8</a:t>
+              </a:r>
+            </a:p>
+          </p:txBody>
+        </p:sp>
+        <p:sp>
+          <p:nvSpPr>
+            <p:cNvPr id="48" name="TextBox 47">
+              <a:extLst>
+                <a:ext uri="{FF2B5EF4-FFF2-40B4-BE49-F238E27FC236}">
+                  <a16:creationId xmlns:a16="http://schemas.microsoft.com/office/drawing/2014/main" id="{4B397336-AB84-B861-A36F-5E89F236E603}"/>
+                </a:ext>
+              </a:extLst>
+            </p:cNvPr>
+            <p:cNvSpPr txBox="1"/>
+            <p:nvPr/>
+          </p:nvSpPr>
+          <p:spPr>
+            <a:xfrm>
+              <a:off x="2793006" y="123306"/>
+              <a:ext cx="539994" cy="307777"/>
+            </a:xfrm>
+            <a:prstGeom prst="rect">
+              <a:avLst/>
+            </a:prstGeom>
+            <a:noFill/>
+            <a:ln>
+              <a:noFill/>
+            </a:ln>
+          </p:spPr>
+          <p:txBody>
+            <a:bodyPr wrap="square" lIns="0" rtlCol="0">
+              <a:spAutoFit/>
+            </a:bodyPr>
+            <a:lstStyle/>
+            <a:p>
+              <a:r>
+                <a:rPr lang="en-US" sz="1400" dirty="0">
+                  <a:solidFill>
+                    <a:schemeClr val="tx1">
+                      <a:lumMod val="50000"/>
+                      <a:lumOff val="50000"/>
+                    </a:schemeClr>
+                  </a:solidFill>
+                  <a:latin typeface="Courier New" panose="02070309020205020404" pitchFamily="49" charset="0"/>
+                  <a:cs typeface="Courier New" panose="02070309020205020404" pitchFamily="49" charset="0"/>
+                </a:rPr>
+                <a:t>4</a:t>
+              </a:r>
+            </a:p>
+          </p:txBody>
+        </p:sp>
+        <p:sp>
+          <p:nvSpPr>
+            <p:cNvPr id="49" name="TextBox 48">
+              <a:extLst>
+                <a:ext uri="{FF2B5EF4-FFF2-40B4-BE49-F238E27FC236}">
+                  <a16:creationId xmlns:a16="http://schemas.microsoft.com/office/drawing/2014/main" id="{CC27CF17-F4CE-F38B-A8C2-3EAE2579CDDC}"/>
+                </a:ext>
+              </a:extLst>
+            </p:cNvPr>
+            <p:cNvSpPr txBox="1"/>
+            <p:nvPr/>
+          </p:nvSpPr>
+          <p:spPr>
+            <a:xfrm>
+              <a:off x="1173006" y="123306"/>
+              <a:ext cx="539994" cy="307777"/>
+            </a:xfrm>
+            <a:prstGeom prst="rect">
+              <a:avLst/>
+            </a:prstGeom>
+            <a:noFill/>
+            <a:ln>
+              <a:noFill/>
+            </a:ln>
+          </p:spPr>
+          <p:txBody>
+            <a:bodyPr wrap="square" lIns="0" rtlCol="0">
+              <a:spAutoFit/>
+            </a:bodyPr>
+            <a:lstStyle/>
+            <a:p>
+              <a:r>
+                <a:rPr lang="en-US" sz="1400" dirty="0">
+                  <a:solidFill>
+                    <a:schemeClr val="tx1">
+                      <a:lumMod val="50000"/>
+                      <a:lumOff val="50000"/>
+                    </a:schemeClr>
+                  </a:solidFill>
+                  <a:latin typeface="Courier New" panose="02070309020205020404" pitchFamily="49" charset="0"/>
+                  <a:cs typeface="Courier New" panose="02070309020205020404" pitchFamily="49" charset="0"/>
+                </a:rPr>
+                <a:t>1</a:t>
+              </a:r>
+            </a:p>
+          </p:txBody>
+        </p:sp>
+        <p:sp>
+          <p:nvSpPr>
+            <p:cNvPr id="50" name="TextBox 49">
+              <a:extLst>
+                <a:ext uri="{FF2B5EF4-FFF2-40B4-BE49-F238E27FC236}">
+                  <a16:creationId xmlns:a16="http://schemas.microsoft.com/office/drawing/2014/main" id="{D6A33E12-ACD6-78E4-1EE6-0027135B2EE4}"/>
+                </a:ext>
+              </a:extLst>
+            </p:cNvPr>
+            <p:cNvSpPr txBox="1"/>
+            <p:nvPr/>
+          </p:nvSpPr>
+          <p:spPr>
+            <a:xfrm>
+              <a:off x="7653006" y="123306"/>
+              <a:ext cx="539994" cy="307777"/>
+            </a:xfrm>
+            <a:prstGeom prst="rect">
+              <a:avLst/>
+            </a:prstGeom>
+            <a:noFill/>
+            <a:ln>
+              <a:noFill/>
+            </a:ln>
+          </p:spPr>
+          <p:txBody>
+            <a:bodyPr wrap="square" lIns="0" rtlCol="0">
+              <a:spAutoFit/>
+            </a:bodyPr>
+            <a:lstStyle/>
+            <a:p>
+              <a:r>
+                <a:rPr lang="en-US" sz="1400" dirty="0">
+                  <a:solidFill>
+                    <a:schemeClr val="tx1">
+                      <a:lumMod val="50000"/>
+                      <a:lumOff val="50000"/>
+                    </a:schemeClr>
+                  </a:solidFill>
+                  <a:latin typeface="Courier New" panose="02070309020205020404" pitchFamily="49" charset="0"/>
+                  <a:cs typeface="Courier New" panose="02070309020205020404" pitchFamily="49" charset="0"/>
+                </a:rPr>
+                <a:t>13</a:t>
+              </a:r>
+            </a:p>
+          </p:txBody>
+        </p:sp>
+        <p:sp>
+          <p:nvSpPr>
+            <p:cNvPr id="51" name="TextBox 50">
+              <a:extLst>
+                <a:ext uri="{FF2B5EF4-FFF2-40B4-BE49-F238E27FC236}">
+                  <a16:creationId xmlns:a16="http://schemas.microsoft.com/office/drawing/2014/main" id="{D3DD3AB3-A3BD-24C0-7845-703DA036DF50}"/>
+                </a:ext>
+              </a:extLst>
+            </p:cNvPr>
+            <p:cNvSpPr txBox="1"/>
+            <p:nvPr/>
+          </p:nvSpPr>
+          <p:spPr>
+            <a:xfrm>
+              <a:off x="5493006" y="123306"/>
+              <a:ext cx="539994" cy="307777"/>
+            </a:xfrm>
+            <a:prstGeom prst="rect">
+              <a:avLst/>
+            </a:prstGeom>
+            <a:noFill/>
+            <a:ln>
+              <a:noFill/>
+            </a:ln>
+          </p:spPr>
+          <p:txBody>
+            <a:bodyPr wrap="square" lIns="0" rtlCol="0">
+              <a:spAutoFit/>
+            </a:bodyPr>
+            <a:lstStyle/>
+            <a:p>
+              <a:r>
+                <a:rPr lang="en-US" sz="1400" dirty="0">
+                  <a:solidFill>
+                    <a:schemeClr val="tx1">
+                      <a:lumMod val="50000"/>
+                      <a:lumOff val="50000"/>
+                    </a:schemeClr>
+                  </a:solidFill>
+                  <a:latin typeface="Courier New" panose="02070309020205020404" pitchFamily="49" charset="0"/>
+                  <a:cs typeface="Courier New" panose="02070309020205020404" pitchFamily="49" charset="0"/>
+                </a:rPr>
+                <a:t>9</a:t>
+              </a:r>
+            </a:p>
+          </p:txBody>
+        </p:sp>
+        <p:sp>
+          <p:nvSpPr>
+            <p:cNvPr id="52" name="TextBox 51">
+              <a:extLst>
+                <a:ext uri="{FF2B5EF4-FFF2-40B4-BE49-F238E27FC236}">
+                  <a16:creationId xmlns:a16="http://schemas.microsoft.com/office/drawing/2014/main" id="{95EE0395-1336-A064-83D2-82DB002C1DD1}"/>
+                </a:ext>
+              </a:extLst>
+            </p:cNvPr>
+            <p:cNvSpPr txBox="1"/>
+            <p:nvPr/>
+          </p:nvSpPr>
+          <p:spPr>
+            <a:xfrm>
+              <a:off x="3333006" y="123306"/>
+              <a:ext cx="539994" cy="307777"/>
+            </a:xfrm>
+            <a:prstGeom prst="rect">
+              <a:avLst/>
+            </a:prstGeom>
+            <a:noFill/>
+            <a:ln>
+              <a:noFill/>
+            </a:ln>
+          </p:spPr>
+          <p:txBody>
+            <a:bodyPr wrap="square" lIns="0" rtlCol="0">
+              <a:spAutoFit/>
+            </a:bodyPr>
+            <a:lstStyle/>
+            <a:p>
+              <a:r>
+                <a:rPr lang="en-US" sz="1400" dirty="0">
+                  <a:solidFill>
+                    <a:schemeClr val="tx1">
+                      <a:lumMod val="50000"/>
+                      <a:lumOff val="50000"/>
+                    </a:schemeClr>
+                  </a:solidFill>
+                  <a:latin typeface="Courier New" panose="02070309020205020404" pitchFamily="49" charset="0"/>
+                  <a:cs typeface="Courier New" panose="02070309020205020404" pitchFamily="49" charset="0"/>
+                </a:rPr>
+                <a:t>5</a:t>
+              </a:r>
+            </a:p>
+          </p:txBody>
+        </p:sp>
+        <p:sp>
+          <p:nvSpPr>
+            <p:cNvPr id="53" name="TextBox 52">
+              <a:extLst>
+                <a:ext uri="{FF2B5EF4-FFF2-40B4-BE49-F238E27FC236}">
+                  <a16:creationId xmlns:a16="http://schemas.microsoft.com/office/drawing/2014/main" id="{5BE52F77-F624-1CEF-A2DB-C344054F25BD}"/>
+                </a:ext>
+              </a:extLst>
+            </p:cNvPr>
+            <p:cNvSpPr txBox="1"/>
+            <p:nvPr/>
+          </p:nvSpPr>
+          <p:spPr>
+            <a:xfrm>
+              <a:off x="1713006" y="123306"/>
+              <a:ext cx="539994" cy="307777"/>
+            </a:xfrm>
+            <a:prstGeom prst="rect">
+              <a:avLst/>
+            </a:prstGeom>
+            <a:noFill/>
+            <a:ln>
+              <a:noFill/>
+            </a:ln>
+          </p:spPr>
+          <p:txBody>
+            <a:bodyPr wrap="square" lIns="0" rtlCol="0">
+              <a:spAutoFit/>
+            </a:bodyPr>
+            <a:lstStyle/>
+            <a:p>
+              <a:r>
+                <a:rPr lang="en-US" sz="1400" dirty="0">
+                  <a:solidFill>
+                    <a:schemeClr val="tx1">
+                      <a:lumMod val="50000"/>
+                      <a:lumOff val="50000"/>
+                    </a:schemeClr>
+                  </a:solidFill>
+                  <a:latin typeface="Courier New" panose="02070309020205020404" pitchFamily="49" charset="0"/>
+                  <a:cs typeface="Courier New" panose="02070309020205020404" pitchFamily="49" charset="0"/>
+                </a:rPr>
+                <a:t>2</a:t>
+              </a:r>
+            </a:p>
+          </p:txBody>
+        </p:sp>
+        <p:sp>
+          <p:nvSpPr>
+            <p:cNvPr id="54" name="TextBox 53">
+              <a:extLst>
+                <a:ext uri="{FF2B5EF4-FFF2-40B4-BE49-F238E27FC236}">
+                  <a16:creationId xmlns:a16="http://schemas.microsoft.com/office/drawing/2014/main" id="{C20F7296-AA45-E447-A96C-E9E0D16A4DBC}"/>
+                </a:ext>
+              </a:extLst>
+            </p:cNvPr>
+            <p:cNvSpPr txBox="1"/>
+            <p:nvPr/>
+          </p:nvSpPr>
+          <p:spPr>
+            <a:xfrm>
+              <a:off x="8193006" y="123306"/>
+              <a:ext cx="539994" cy="307777"/>
+            </a:xfrm>
+            <a:prstGeom prst="rect">
+              <a:avLst/>
+            </a:prstGeom>
+            <a:noFill/>
+            <a:ln>
+              <a:noFill/>
+            </a:ln>
+          </p:spPr>
+          <p:txBody>
+            <a:bodyPr wrap="square" lIns="0" rtlCol="0">
+              <a:spAutoFit/>
+            </a:bodyPr>
+            <a:lstStyle/>
+            <a:p>
+              <a:r>
+                <a:rPr lang="en-US" sz="1400" dirty="0">
+                  <a:solidFill>
+                    <a:schemeClr val="tx1">
+                      <a:lumMod val="50000"/>
+                      <a:lumOff val="50000"/>
+                    </a:schemeClr>
+                  </a:solidFill>
+                  <a:latin typeface="Courier New" panose="02070309020205020404" pitchFamily="49" charset="0"/>
+                  <a:cs typeface="Courier New" panose="02070309020205020404" pitchFamily="49" charset="0"/>
+                </a:rPr>
+                <a:t>14</a:t>
+              </a:r>
+            </a:p>
+          </p:txBody>
+        </p:sp>
+        <p:sp>
+          <p:nvSpPr>
+            <p:cNvPr id="55" name="TextBox 54">
+              <a:extLst>
+                <a:ext uri="{FF2B5EF4-FFF2-40B4-BE49-F238E27FC236}">
+                  <a16:creationId xmlns:a16="http://schemas.microsoft.com/office/drawing/2014/main" id="{FCC31F53-8EA4-38FB-3196-80C7413AA8BC}"/>
+                </a:ext>
+              </a:extLst>
+            </p:cNvPr>
+            <p:cNvSpPr txBox="1"/>
+            <p:nvPr/>
+          </p:nvSpPr>
+          <p:spPr>
+            <a:xfrm>
+              <a:off x="6033006" y="123306"/>
+              <a:ext cx="539994" cy="307777"/>
+            </a:xfrm>
+            <a:prstGeom prst="rect">
+              <a:avLst/>
+            </a:prstGeom>
+            <a:noFill/>
+            <a:ln>
+              <a:noFill/>
+            </a:ln>
+          </p:spPr>
+          <p:txBody>
+            <a:bodyPr wrap="square" lIns="0" rtlCol="0">
+              <a:spAutoFit/>
+            </a:bodyPr>
+            <a:lstStyle/>
+            <a:p>
+              <a:r>
+                <a:rPr lang="en-US" sz="1400" dirty="0">
+                  <a:solidFill>
+                    <a:schemeClr val="tx1">
+                      <a:lumMod val="50000"/>
+                      <a:lumOff val="50000"/>
+                    </a:schemeClr>
+                  </a:solidFill>
+                  <a:latin typeface="Courier New" panose="02070309020205020404" pitchFamily="49" charset="0"/>
+                  <a:cs typeface="Courier New" panose="02070309020205020404" pitchFamily="49" charset="0"/>
+                </a:rPr>
+                <a:t>10</a:t>
+              </a:r>
+            </a:p>
+          </p:txBody>
+        </p:sp>
+        <p:sp>
+          <p:nvSpPr>
+            <p:cNvPr id="56" name="TextBox 55">
+              <a:extLst>
+                <a:ext uri="{FF2B5EF4-FFF2-40B4-BE49-F238E27FC236}">
+                  <a16:creationId xmlns:a16="http://schemas.microsoft.com/office/drawing/2014/main" id="{D975067A-F9A8-5F0B-90B0-3EBCF8A939F4}"/>
+                </a:ext>
+              </a:extLst>
+            </p:cNvPr>
+            <p:cNvSpPr txBox="1"/>
+            <p:nvPr/>
+          </p:nvSpPr>
+          <p:spPr>
+            <a:xfrm>
+              <a:off x="3873006" y="123306"/>
+              <a:ext cx="539994" cy="307777"/>
+            </a:xfrm>
+            <a:prstGeom prst="rect">
+              <a:avLst/>
+            </a:prstGeom>
+            <a:noFill/>
+            <a:ln>
+              <a:noFill/>
+            </a:ln>
+          </p:spPr>
+          <p:txBody>
+            <a:bodyPr wrap="square" lIns="0" rtlCol="0">
+              <a:spAutoFit/>
+            </a:bodyPr>
+            <a:lstStyle/>
+            <a:p>
+              <a:r>
+                <a:rPr lang="en-US" sz="1400" dirty="0">
+                  <a:solidFill>
+                    <a:schemeClr val="tx1">
+                      <a:lumMod val="50000"/>
+                      <a:lumOff val="50000"/>
+                    </a:schemeClr>
+                  </a:solidFill>
+                  <a:latin typeface="Courier New" panose="02070309020205020404" pitchFamily="49" charset="0"/>
+                  <a:cs typeface="Courier New" panose="02070309020205020404" pitchFamily="49" charset="0"/>
+                </a:rPr>
+                <a:t>6</a:t>
+              </a:r>
+            </a:p>
+          </p:txBody>
+        </p:sp>
+        <p:sp>
+          <p:nvSpPr>
+            <p:cNvPr id="57" name="TextBox 56">
+              <a:extLst>
+                <a:ext uri="{FF2B5EF4-FFF2-40B4-BE49-F238E27FC236}">
+                  <a16:creationId xmlns:a16="http://schemas.microsoft.com/office/drawing/2014/main" id="{1A5CA6BE-9F1D-660A-4008-90C904C15B20}"/>
+                </a:ext>
+              </a:extLst>
+            </p:cNvPr>
+            <p:cNvSpPr txBox="1"/>
+            <p:nvPr/>
+          </p:nvSpPr>
+          <p:spPr>
+            <a:xfrm>
+              <a:off x="2253006" y="123306"/>
+              <a:ext cx="539994" cy="307777"/>
+            </a:xfrm>
+            <a:prstGeom prst="rect">
+              <a:avLst/>
+            </a:prstGeom>
+            <a:noFill/>
+            <a:ln>
+              <a:noFill/>
+            </a:ln>
+          </p:spPr>
+          <p:txBody>
+            <a:bodyPr wrap="square" lIns="0" rtlCol="0">
+              <a:spAutoFit/>
+            </a:bodyPr>
+            <a:lstStyle/>
+            <a:p>
+              <a:r>
+                <a:rPr lang="en-US" sz="1400" dirty="0">
+                  <a:solidFill>
+                    <a:schemeClr val="tx1">
+                      <a:lumMod val="50000"/>
+                      <a:lumOff val="50000"/>
+                    </a:schemeClr>
+                  </a:solidFill>
+                  <a:latin typeface="Courier New" panose="02070309020205020404" pitchFamily="49" charset="0"/>
+                  <a:cs typeface="Courier New" panose="02070309020205020404" pitchFamily="49" charset="0"/>
+                </a:rPr>
+                <a:t>3</a:t>
+              </a:r>
+            </a:p>
+          </p:txBody>
+        </p:sp>
+        <p:sp>
+          <p:nvSpPr>
+            <p:cNvPr id="58" name="TextBox 57">
+              <a:extLst>
+                <a:ext uri="{FF2B5EF4-FFF2-40B4-BE49-F238E27FC236}">
+                  <a16:creationId xmlns:a16="http://schemas.microsoft.com/office/drawing/2014/main" id="{8D4BAFDF-DE03-48F7-F59E-D745757C5A44}"/>
+                </a:ext>
+              </a:extLst>
+            </p:cNvPr>
+            <p:cNvSpPr txBox="1"/>
+            <p:nvPr/>
+          </p:nvSpPr>
+          <p:spPr>
+            <a:xfrm>
+              <a:off x="8733000" y="123306"/>
+              <a:ext cx="539994" cy="307777"/>
+            </a:xfrm>
+            <a:prstGeom prst="rect">
+              <a:avLst/>
+            </a:prstGeom>
+            <a:noFill/>
+            <a:ln>
+              <a:noFill/>
+            </a:ln>
+          </p:spPr>
+          <p:txBody>
+            <a:bodyPr wrap="square" lIns="0" rtlCol="0">
+              <a:spAutoFit/>
+            </a:bodyPr>
+            <a:lstStyle/>
+            <a:p>
+              <a:r>
+                <a:rPr lang="en-US" sz="1400" dirty="0">
+                  <a:solidFill>
+                    <a:schemeClr val="tx1">
+                      <a:lumMod val="50000"/>
+                      <a:lumOff val="50000"/>
+                    </a:schemeClr>
+                  </a:solidFill>
+                  <a:latin typeface="Courier New" panose="02070309020205020404" pitchFamily="49" charset="0"/>
+                  <a:cs typeface="Courier New" panose="02070309020205020404" pitchFamily="49" charset="0"/>
+                </a:rPr>
+                <a:t>15</a:t>
+              </a:r>
+            </a:p>
+          </p:txBody>
+        </p:sp>
+        <p:sp>
+          <p:nvSpPr>
+            <p:cNvPr id="59" name="TextBox 58">
+              <a:extLst>
+                <a:ext uri="{FF2B5EF4-FFF2-40B4-BE49-F238E27FC236}">
+                  <a16:creationId xmlns:a16="http://schemas.microsoft.com/office/drawing/2014/main" id="{4C8FE9F1-337F-0970-8BA3-3E483C97DFF3}"/>
+                </a:ext>
+              </a:extLst>
+            </p:cNvPr>
+            <p:cNvSpPr txBox="1"/>
+            <p:nvPr/>
+          </p:nvSpPr>
+          <p:spPr>
+            <a:xfrm>
+              <a:off x="6573006" y="123306"/>
+              <a:ext cx="539994" cy="307777"/>
+            </a:xfrm>
+            <a:prstGeom prst="rect">
+              <a:avLst/>
+            </a:prstGeom>
+            <a:noFill/>
+            <a:ln>
+              <a:noFill/>
+            </a:ln>
+          </p:spPr>
+          <p:txBody>
+            <a:bodyPr wrap="square" lIns="0" rtlCol="0">
+              <a:spAutoFit/>
+            </a:bodyPr>
+            <a:lstStyle/>
+            <a:p>
+              <a:r>
+                <a:rPr lang="en-US" sz="1400" dirty="0">
+                  <a:solidFill>
+                    <a:schemeClr val="tx1">
+                      <a:lumMod val="50000"/>
+                      <a:lumOff val="50000"/>
+                    </a:schemeClr>
+                  </a:solidFill>
+                  <a:latin typeface="Courier New" panose="02070309020205020404" pitchFamily="49" charset="0"/>
+                  <a:cs typeface="Courier New" panose="02070309020205020404" pitchFamily="49" charset="0"/>
+                </a:rPr>
+                <a:t>11</a:t>
+              </a:r>
+            </a:p>
+          </p:txBody>
+        </p:sp>
+        <p:sp>
+          <p:nvSpPr>
+            <p:cNvPr id="60" name="TextBox 59">
+              <a:extLst>
+                <a:ext uri="{FF2B5EF4-FFF2-40B4-BE49-F238E27FC236}">
+                  <a16:creationId xmlns:a16="http://schemas.microsoft.com/office/drawing/2014/main" id="{FE485BF9-01F9-9D70-6482-865D257EE9DC}"/>
+                </a:ext>
+              </a:extLst>
+            </p:cNvPr>
+            <p:cNvSpPr txBox="1"/>
+            <p:nvPr/>
+          </p:nvSpPr>
+          <p:spPr>
+            <a:xfrm>
+              <a:off x="4413006" y="123306"/>
+              <a:ext cx="539994" cy="307777"/>
+            </a:xfrm>
+            <a:prstGeom prst="rect">
+              <a:avLst/>
+            </a:prstGeom>
+            <a:noFill/>
+            <a:ln>
+              <a:noFill/>
+            </a:ln>
+          </p:spPr>
+          <p:txBody>
+            <a:bodyPr wrap="square" lIns="0" rtlCol="0">
+              <a:spAutoFit/>
+            </a:bodyPr>
+            <a:lstStyle/>
+            <a:p>
+              <a:r>
+                <a:rPr lang="en-US" sz="1400" dirty="0">
+                  <a:solidFill>
+                    <a:schemeClr val="tx1">
+                      <a:lumMod val="50000"/>
+                      <a:lumOff val="50000"/>
+                    </a:schemeClr>
+                  </a:solidFill>
+                  <a:latin typeface="Courier New" panose="02070309020205020404" pitchFamily="49" charset="0"/>
+                  <a:cs typeface="Courier New" panose="02070309020205020404" pitchFamily="49" charset="0"/>
+                </a:rPr>
+                <a:t>7</a:t>
+              </a:r>
+            </a:p>
+          </p:txBody>
+        </p:sp>
+      </p:grpSp>
+      <p:sp>
+        <p:nvSpPr>
+          <p:cNvPr id="63" name="TextBox 62">
+            <a:extLst>
+              <a:ext uri="{FF2B5EF4-FFF2-40B4-BE49-F238E27FC236}">
+                <a16:creationId xmlns:a16="http://schemas.microsoft.com/office/drawing/2014/main" id="{145F5595-4781-2C65-50F5-E2CD6CFCC3E3}"/>
+              </a:ext>
+            </a:extLst>
+          </p:cNvPr>
+          <p:cNvSpPr txBox="1"/>
+          <p:nvPr/>
+        </p:nvSpPr>
+        <p:spPr>
+          <a:xfrm>
+            <a:off x="216568" y="998091"/>
+            <a:ext cx="408764" cy="304659"/>
+          </a:xfrm>
+          <a:prstGeom prst="rect">
+            <a:avLst/>
+          </a:prstGeom>
+          <a:noFill/>
+          <a:ln>
+            <a:noFill/>
+          </a:ln>
+        </p:spPr>
+        <p:txBody>
+          <a:bodyPr wrap="square" lIns="0" tIns="0" rIns="36000" rtlCol="0">
+            <a:noAutofit/>
+          </a:bodyPr>
+          <a:lstStyle/>
+          <a:p>
+            <a:pPr algn="r"/>
+            <a:r>
+              <a:rPr lang="en-US" sz="1100" dirty="0">
+                <a:solidFill>
+                  <a:schemeClr val="tx1">
+                    <a:lumMod val="50000"/>
+                    <a:lumOff val="50000"/>
+                  </a:schemeClr>
+                </a:solidFill>
+                <a:latin typeface="Courier New" panose="02070309020205020404" pitchFamily="49" charset="0"/>
+                <a:cs typeface="Courier New" panose="02070309020205020404" pitchFamily="49" charset="0"/>
+              </a:rPr>
+              <a:t>0</a:t>
+            </a:r>
+          </a:p>
+        </p:txBody>
+      </p:sp>
+      <p:sp>
+        <p:nvSpPr>
+          <p:cNvPr id="64" name="TextBox 63">
+            <a:extLst>
+              <a:ext uri="{FF2B5EF4-FFF2-40B4-BE49-F238E27FC236}">
+                <a16:creationId xmlns:a16="http://schemas.microsoft.com/office/drawing/2014/main" id="{731AF0CA-3C04-74A2-1638-AE1D600545C4}"/>
+              </a:ext>
+            </a:extLst>
+          </p:cNvPr>
+          <p:cNvSpPr txBox="1"/>
+          <p:nvPr/>
+        </p:nvSpPr>
+        <p:spPr>
+          <a:xfrm>
+            <a:off x="216568" y="1301780"/>
+            <a:ext cx="408764" cy="304659"/>
+          </a:xfrm>
+          <a:prstGeom prst="rect">
+            <a:avLst/>
+          </a:prstGeom>
+          <a:noFill/>
+          <a:ln>
+            <a:noFill/>
+          </a:ln>
+        </p:spPr>
+        <p:txBody>
+          <a:bodyPr wrap="square" lIns="0" tIns="0" rIns="36000" rtlCol="0">
+            <a:noAutofit/>
+          </a:bodyPr>
+          <a:lstStyle/>
+          <a:p>
+            <a:pPr algn="r"/>
+            <a:r>
+              <a:rPr lang="en-US" sz="1100" dirty="0">
+                <a:solidFill>
+                  <a:schemeClr val="tx1">
+                    <a:lumMod val="50000"/>
+                    <a:lumOff val="50000"/>
+                  </a:schemeClr>
+                </a:solidFill>
+                <a:latin typeface="Courier New" panose="02070309020205020404" pitchFamily="49" charset="0"/>
+                <a:cs typeface="Courier New" panose="02070309020205020404" pitchFamily="49" charset="0"/>
+              </a:rPr>
+              <a:t>2</a:t>
+            </a:r>
+          </a:p>
+        </p:txBody>
+      </p:sp>
+      <p:sp>
+        <p:nvSpPr>
+          <p:cNvPr id="65" name="TextBox 64">
+            <a:extLst>
+              <a:ext uri="{FF2B5EF4-FFF2-40B4-BE49-F238E27FC236}">
+                <a16:creationId xmlns:a16="http://schemas.microsoft.com/office/drawing/2014/main" id="{2B381D21-69C5-5C12-64C1-66ED0D5EFD64}"/>
+              </a:ext>
+            </a:extLst>
+          </p:cNvPr>
+          <p:cNvSpPr txBox="1"/>
+          <p:nvPr/>
+        </p:nvSpPr>
+        <p:spPr>
+          <a:xfrm>
+            <a:off x="216568" y="1605469"/>
+            <a:ext cx="408764" cy="304659"/>
+          </a:xfrm>
+          <a:prstGeom prst="rect">
+            <a:avLst/>
+          </a:prstGeom>
+          <a:noFill/>
+          <a:ln>
+            <a:noFill/>
+          </a:ln>
+        </p:spPr>
+        <p:txBody>
+          <a:bodyPr wrap="square" lIns="0" tIns="0" rIns="36000" rtlCol="0">
+            <a:noAutofit/>
+          </a:bodyPr>
+          <a:lstStyle/>
+          <a:p>
+            <a:pPr algn="r"/>
+            <a:r>
+              <a:rPr lang="en-US" sz="1100" dirty="0">
+                <a:solidFill>
+                  <a:schemeClr val="tx1">
+                    <a:lumMod val="50000"/>
+                    <a:lumOff val="50000"/>
+                  </a:schemeClr>
+                </a:solidFill>
+                <a:latin typeface="Courier New" panose="02070309020205020404" pitchFamily="49" charset="0"/>
+                <a:cs typeface="Courier New" panose="02070309020205020404" pitchFamily="49" charset="0"/>
+              </a:rPr>
+              <a:t>4</a:t>
+            </a:r>
+          </a:p>
+        </p:txBody>
+      </p:sp>
+      <p:sp>
+        <p:nvSpPr>
+          <p:cNvPr id="66" name="TextBox 65">
+            <a:extLst>
+              <a:ext uri="{FF2B5EF4-FFF2-40B4-BE49-F238E27FC236}">
+                <a16:creationId xmlns:a16="http://schemas.microsoft.com/office/drawing/2014/main" id="{136D8B11-456D-FCB9-121C-CCDAB3096677}"/>
+              </a:ext>
+            </a:extLst>
+          </p:cNvPr>
+          <p:cNvSpPr txBox="1"/>
+          <p:nvPr/>
+        </p:nvSpPr>
+        <p:spPr>
+          <a:xfrm>
+            <a:off x="216568" y="1909158"/>
+            <a:ext cx="408764" cy="304659"/>
+          </a:xfrm>
+          <a:prstGeom prst="rect">
+            <a:avLst/>
+          </a:prstGeom>
+          <a:noFill/>
+          <a:ln>
+            <a:noFill/>
+          </a:ln>
+        </p:spPr>
+        <p:txBody>
+          <a:bodyPr wrap="square" lIns="0" tIns="0" rIns="36000" rtlCol="0">
+            <a:noAutofit/>
+          </a:bodyPr>
+          <a:lstStyle/>
+          <a:p>
+            <a:pPr algn="r"/>
+            <a:r>
+              <a:rPr lang="en-US" sz="1100" dirty="0">
+                <a:solidFill>
+                  <a:schemeClr val="tx1">
+                    <a:lumMod val="50000"/>
+                    <a:lumOff val="50000"/>
+                  </a:schemeClr>
+                </a:solidFill>
+                <a:latin typeface="Courier New" panose="02070309020205020404" pitchFamily="49" charset="0"/>
+                <a:cs typeface="Courier New" panose="02070309020205020404" pitchFamily="49" charset="0"/>
+              </a:rPr>
+              <a:t>6</a:t>
+            </a:r>
+          </a:p>
+        </p:txBody>
+      </p:sp>
+      <p:sp>
+        <p:nvSpPr>
+          <p:cNvPr id="67" name="TextBox 66">
+            <a:extLst>
+              <a:ext uri="{FF2B5EF4-FFF2-40B4-BE49-F238E27FC236}">
+                <a16:creationId xmlns:a16="http://schemas.microsoft.com/office/drawing/2014/main" id="{34156C1D-6FD1-A25E-2DA0-7C99171614F8}"/>
+              </a:ext>
+            </a:extLst>
+          </p:cNvPr>
+          <p:cNvSpPr txBox="1"/>
+          <p:nvPr/>
+        </p:nvSpPr>
+        <p:spPr>
+          <a:xfrm>
+            <a:off x="216568" y="2212847"/>
+            <a:ext cx="408764" cy="304659"/>
+          </a:xfrm>
+          <a:prstGeom prst="rect">
+            <a:avLst/>
+          </a:prstGeom>
+          <a:noFill/>
+          <a:ln>
+            <a:noFill/>
+          </a:ln>
+        </p:spPr>
+        <p:txBody>
+          <a:bodyPr wrap="square" lIns="0" tIns="0" rIns="36000" rtlCol="0">
+            <a:noAutofit/>
+          </a:bodyPr>
+          <a:lstStyle/>
+          <a:p>
+            <a:pPr algn="r"/>
+            <a:r>
+              <a:rPr lang="en-US" sz="1100" dirty="0">
+                <a:solidFill>
+                  <a:schemeClr val="tx1">
+                    <a:lumMod val="50000"/>
+                    <a:lumOff val="50000"/>
+                  </a:schemeClr>
+                </a:solidFill>
+                <a:latin typeface="Courier New" panose="02070309020205020404" pitchFamily="49" charset="0"/>
+                <a:cs typeface="Courier New" panose="02070309020205020404" pitchFamily="49" charset="0"/>
+              </a:rPr>
+              <a:t>8</a:t>
+            </a:r>
+          </a:p>
+        </p:txBody>
+      </p:sp>
+      <p:sp>
+        <p:nvSpPr>
+          <p:cNvPr id="68" name="TextBox 67">
+            <a:extLst>
+              <a:ext uri="{FF2B5EF4-FFF2-40B4-BE49-F238E27FC236}">
+                <a16:creationId xmlns:a16="http://schemas.microsoft.com/office/drawing/2014/main" id="{84091BDC-5893-C5F0-D2D9-2971F318E98C}"/>
+              </a:ext>
+            </a:extLst>
+          </p:cNvPr>
+          <p:cNvSpPr txBox="1"/>
+          <p:nvPr/>
+        </p:nvSpPr>
+        <p:spPr>
+          <a:xfrm>
+            <a:off x="216568" y="2516536"/>
+            <a:ext cx="408764" cy="304659"/>
+          </a:xfrm>
+          <a:prstGeom prst="rect">
+            <a:avLst/>
+          </a:prstGeom>
+          <a:noFill/>
+          <a:ln>
+            <a:noFill/>
+          </a:ln>
+        </p:spPr>
+        <p:txBody>
+          <a:bodyPr wrap="square" lIns="0" tIns="0" rIns="36000" rtlCol="0">
+            <a:noAutofit/>
+          </a:bodyPr>
+          <a:lstStyle/>
+          <a:p>
+            <a:pPr algn="r"/>
+            <a:r>
+              <a:rPr lang="en-US" sz="1100" dirty="0">
+                <a:solidFill>
+                  <a:schemeClr val="tx1">
+                    <a:lumMod val="50000"/>
+                    <a:lumOff val="50000"/>
+                  </a:schemeClr>
+                </a:solidFill>
+                <a:latin typeface="Courier New" panose="02070309020205020404" pitchFamily="49" charset="0"/>
+                <a:cs typeface="Courier New" panose="02070309020205020404" pitchFamily="49" charset="0"/>
+              </a:rPr>
+              <a:t>10</a:t>
+            </a:r>
+          </a:p>
+        </p:txBody>
+      </p:sp>
+      <p:sp>
+        <p:nvSpPr>
+          <p:cNvPr id="69" name="TextBox 68">
+            <a:extLst>
+              <a:ext uri="{FF2B5EF4-FFF2-40B4-BE49-F238E27FC236}">
+                <a16:creationId xmlns:a16="http://schemas.microsoft.com/office/drawing/2014/main" id="{AFC7137A-D419-F974-88B3-704F3092F5A2}"/>
+              </a:ext>
+            </a:extLst>
+          </p:cNvPr>
+          <p:cNvSpPr txBox="1"/>
+          <p:nvPr/>
+        </p:nvSpPr>
+        <p:spPr>
+          <a:xfrm>
+            <a:off x="216568" y="2820225"/>
+            <a:ext cx="408764" cy="304659"/>
+          </a:xfrm>
+          <a:prstGeom prst="rect">
+            <a:avLst/>
+          </a:prstGeom>
+          <a:noFill/>
+          <a:ln>
+            <a:noFill/>
+          </a:ln>
+        </p:spPr>
+        <p:txBody>
+          <a:bodyPr wrap="square" lIns="0" tIns="0" rIns="36000" rtlCol="0">
+            <a:noAutofit/>
+          </a:bodyPr>
+          <a:lstStyle/>
+          <a:p>
+            <a:pPr algn="r"/>
+            <a:r>
+              <a:rPr lang="en-US" sz="1100" dirty="0">
+                <a:solidFill>
+                  <a:schemeClr val="tx1">
+                    <a:lumMod val="50000"/>
+                    <a:lumOff val="50000"/>
+                  </a:schemeClr>
+                </a:solidFill>
+                <a:latin typeface="Courier New" panose="02070309020205020404" pitchFamily="49" charset="0"/>
+                <a:cs typeface="Courier New" panose="02070309020205020404" pitchFamily="49" charset="0"/>
+              </a:rPr>
+              <a:t>12</a:t>
+            </a:r>
+          </a:p>
+        </p:txBody>
+      </p:sp>
+      <p:sp>
+        <p:nvSpPr>
+          <p:cNvPr id="70" name="TextBox 69">
+            <a:extLst>
+              <a:ext uri="{FF2B5EF4-FFF2-40B4-BE49-F238E27FC236}">
+                <a16:creationId xmlns:a16="http://schemas.microsoft.com/office/drawing/2014/main" id="{E0BE0989-96B8-7E8A-CC4C-E7422EEF4A1A}"/>
+              </a:ext>
+            </a:extLst>
+          </p:cNvPr>
+          <p:cNvSpPr txBox="1"/>
+          <p:nvPr/>
+        </p:nvSpPr>
+        <p:spPr>
+          <a:xfrm>
+            <a:off x="216568" y="3123914"/>
+            <a:ext cx="408764" cy="304659"/>
+          </a:xfrm>
+          <a:prstGeom prst="rect">
+            <a:avLst/>
+          </a:prstGeom>
+          <a:noFill/>
+          <a:ln>
+            <a:noFill/>
+          </a:ln>
+        </p:spPr>
+        <p:txBody>
+          <a:bodyPr wrap="square" lIns="0" tIns="0" rIns="36000" rtlCol="0">
+            <a:noAutofit/>
+          </a:bodyPr>
+          <a:lstStyle/>
+          <a:p>
+            <a:pPr algn="r"/>
+            <a:r>
+              <a:rPr lang="en-US" sz="1100" dirty="0">
+                <a:solidFill>
+                  <a:schemeClr val="tx1">
+                    <a:lumMod val="50000"/>
+                    <a:lumOff val="50000"/>
+                  </a:schemeClr>
+                </a:solidFill>
+                <a:latin typeface="Courier New" panose="02070309020205020404" pitchFamily="49" charset="0"/>
+                <a:cs typeface="Courier New" panose="02070309020205020404" pitchFamily="49" charset="0"/>
+              </a:rPr>
+              <a:t>14</a:t>
+            </a:r>
+          </a:p>
+        </p:txBody>
+      </p:sp>
+      <p:sp>
+        <p:nvSpPr>
+          <p:cNvPr id="71" name="TextBox 70">
+            <a:extLst>
+              <a:ext uri="{FF2B5EF4-FFF2-40B4-BE49-F238E27FC236}">
+                <a16:creationId xmlns:a16="http://schemas.microsoft.com/office/drawing/2014/main" id="{060C923C-C1B0-877F-AEDD-C6077B45998E}"/>
+              </a:ext>
+            </a:extLst>
+          </p:cNvPr>
+          <p:cNvSpPr txBox="1"/>
+          <p:nvPr/>
+        </p:nvSpPr>
+        <p:spPr>
+          <a:xfrm>
+            <a:off x="216568" y="3427603"/>
+            <a:ext cx="408764" cy="304659"/>
+          </a:xfrm>
+          <a:prstGeom prst="rect">
+            <a:avLst/>
+          </a:prstGeom>
+          <a:noFill/>
+          <a:ln>
+            <a:noFill/>
+          </a:ln>
+        </p:spPr>
+        <p:txBody>
+          <a:bodyPr wrap="square" lIns="0" tIns="0" rIns="36000" rtlCol="0">
+            <a:noAutofit/>
+          </a:bodyPr>
+          <a:lstStyle/>
+          <a:p>
+            <a:pPr algn="r"/>
+            <a:r>
+              <a:rPr lang="en-US" sz="1100" dirty="0">
+                <a:solidFill>
+                  <a:schemeClr val="tx1">
+                    <a:lumMod val="50000"/>
+                    <a:lumOff val="50000"/>
+                  </a:schemeClr>
+                </a:solidFill>
+                <a:latin typeface="Courier New" panose="02070309020205020404" pitchFamily="49" charset="0"/>
+                <a:cs typeface="Courier New" panose="02070309020205020404" pitchFamily="49" charset="0"/>
+              </a:rPr>
+              <a:t>16</a:t>
+            </a:r>
+          </a:p>
+        </p:txBody>
+      </p:sp>
+      <p:sp>
+        <p:nvSpPr>
+          <p:cNvPr id="72" name="TextBox 71">
+            <a:extLst>
+              <a:ext uri="{FF2B5EF4-FFF2-40B4-BE49-F238E27FC236}">
+                <a16:creationId xmlns:a16="http://schemas.microsoft.com/office/drawing/2014/main" id="{24625DF4-E237-05D6-4794-EA6CCD9F7531}"/>
+              </a:ext>
+            </a:extLst>
+          </p:cNvPr>
+          <p:cNvSpPr txBox="1"/>
+          <p:nvPr/>
+        </p:nvSpPr>
+        <p:spPr>
+          <a:xfrm>
+            <a:off x="216568" y="3731292"/>
+            <a:ext cx="408764" cy="304659"/>
+          </a:xfrm>
+          <a:prstGeom prst="rect">
+            <a:avLst/>
+          </a:prstGeom>
+          <a:noFill/>
+          <a:ln>
+            <a:noFill/>
+          </a:ln>
+        </p:spPr>
+        <p:txBody>
+          <a:bodyPr wrap="square" lIns="0" tIns="0" rIns="36000" rtlCol="0">
+            <a:noAutofit/>
+          </a:bodyPr>
+          <a:lstStyle/>
+          <a:p>
+            <a:pPr algn="r"/>
+            <a:r>
+              <a:rPr lang="en-US" sz="1100" dirty="0">
+                <a:solidFill>
+                  <a:schemeClr val="tx1">
+                    <a:lumMod val="50000"/>
+                    <a:lumOff val="50000"/>
+                  </a:schemeClr>
+                </a:solidFill>
+                <a:latin typeface="Courier New" panose="02070309020205020404" pitchFamily="49" charset="0"/>
+                <a:cs typeface="Courier New" panose="02070309020205020404" pitchFamily="49" charset="0"/>
+              </a:rPr>
+              <a:t>18</a:t>
+            </a:r>
+          </a:p>
+        </p:txBody>
+      </p:sp>
+      <p:sp>
+        <p:nvSpPr>
+          <p:cNvPr id="73" name="TextBox 72">
+            <a:extLst>
+              <a:ext uri="{FF2B5EF4-FFF2-40B4-BE49-F238E27FC236}">
+                <a16:creationId xmlns:a16="http://schemas.microsoft.com/office/drawing/2014/main" id="{864BC2DC-FA49-6EC3-A529-6F6CC1110C58}"/>
+              </a:ext>
+            </a:extLst>
+          </p:cNvPr>
+          <p:cNvSpPr txBox="1"/>
+          <p:nvPr/>
+        </p:nvSpPr>
+        <p:spPr>
+          <a:xfrm>
+            <a:off x="216568" y="4034981"/>
+            <a:ext cx="408764" cy="304659"/>
+          </a:xfrm>
+          <a:prstGeom prst="rect">
+            <a:avLst/>
+          </a:prstGeom>
+          <a:noFill/>
+          <a:ln>
+            <a:noFill/>
+          </a:ln>
+        </p:spPr>
+        <p:txBody>
+          <a:bodyPr wrap="square" lIns="0" tIns="0" rIns="36000" rtlCol="0">
+            <a:noAutofit/>
+          </a:bodyPr>
+          <a:lstStyle/>
+          <a:p>
+            <a:pPr algn="r"/>
+            <a:r>
+              <a:rPr lang="en-US" sz="1100" dirty="0">
+                <a:solidFill>
+                  <a:schemeClr val="tx1">
+                    <a:lumMod val="50000"/>
+                    <a:lumOff val="50000"/>
+                  </a:schemeClr>
+                </a:solidFill>
+                <a:latin typeface="Courier New" panose="02070309020205020404" pitchFamily="49" charset="0"/>
+                <a:cs typeface="Courier New" panose="02070309020205020404" pitchFamily="49" charset="0"/>
+              </a:rPr>
+              <a:t>20</a:t>
+            </a:r>
+          </a:p>
+        </p:txBody>
+      </p:sp>
+      <p:sp>
+        <p:nvSpPr>
+          <p:cNvPr id="74" name="TextBox 73">
+            <a:extLst>
+              <a:ext uri="{FF2B5EF4-FFF2-40B4-BE49-F238E27FC236}">
+                <a16:creationId xmlns:a16="http://schemas.microsoft.com/office/drawing/2014/main" id="{F3FB9C5D-E807-A9E6-B9AB-EAB2320AAC1B}"/>
+              </a:ext>
+            </a:extLst>
+          </p:cNvPr>
+          <p:cNvSpPr txBox="1"/>
+          <p:nvPr/>
+        </p:nvSpPr>
+        <p:spPr>
+          <a:xfrm>
+            <a:off x="216568" y="4338670"/>
+            <a:ext cx="408764" cy="304659"/>
+          </a:xfrm>
+          <a:prstGeom prst="rect">
+            <a:avLst/>
+          </a:prstGeom>
+          <a:noFill/>
+          <a:ln>
+            <a:noFill/>
+          </a:ln>
+        </p:spPr>
+        <p:txBody>
+          <a:bodyPr wrap="square" lIns="0" tIns="0" rIns="36000" rtlCol="0">
+            <a:noAutofit/>
+          </a:bodyPr>
+          <a:lstStyle/>
+          <a:p>
+            <a:pPr algn="r"/>
+            <a:r>
+              <a:rPr lang="en-US" sz="1100" dirty="0">
+                <a:solidFill>
+                  <a:schemeClr val="tx1">
+                    <a:lumMod val="50000"/>
+                    <a:lumOff val="50000"/>
+                  </a:schemeClr>
+                </a:solidFill>
+                <a:latin typeface="Courier New" panose="02070309020205020404" pitchFamily="49" charset="0"/>
+                <a:cs typeface="Courier New" panose="02070309020205020404" pitchFamily="49" charset="0"/>
+              </a:rPr>
+              <a:t>22</a:t>
+            </a:r>
+          </a:p>
+        </p:txBody>
+      </p:sp>
+      <p:sp>
+        <p:nvSpPr>
+          <p:cNvPr id="75" name="TextBox 74">
+            <a:extLst>
+              <a:ext uri="{FF2B5EF4-FFF2-40B4-BE49-F238E27FC236}">
+                <a16:creationId xmlns:a16="http://schemas.microsoft.com/office/drawing/2014/main" id="{9AE178F2-5653-E971-5CCB-919D5A7FDA69}"/>
+              </a:ext>
+            </a:extLst>
+          </p:cNvPr>
+          <p:cNvSpPr txBox="1"/>
+          <p:nvPr/>
+        </p:nvSpPr>
+        <p:spPr>
+          <a:xfrm>
+            <a:off x="216568" y="4642359"/>
+            <a:ext cx="408764" cy="304659"/>
+          </a:xfrm>
+          <a:prstGeom prst="rect">
+            <a:avLst/>
+          </a:prstGeom>
+          <a:noFill/>
+          <a:ln>
+            <a:noFill/>
+          </a:ln>
+        </p:spPr>
+        <p:txBody>
+          <a:bodyPr wrap="square" lIns="0" tIns="0" rIns="36000" rtlCol="0">
+            <a:noAutofit/>
+          </a:bodyPr>
+          <a:lstStyle/>
+          <a:p>
+            <a:pPr algn="r"/>
+            <a:r>
+              <a:rPr lang="en-US" sz="1100" dirty="0">
+                <a:solidFill>
+                  <a:schemeClr val="tx1">
+                    <a:lumMod val="50000"/>
+                    <a:lumOff val="50000"/>
+                  </a:schemeClr>
+                </a:solidFill>
+                <a:latin typeface="Courier New" panose="02070309020205020404" pitchFamily="49" charset="0"/>
+                <a:cs typeface="Courier New" panose="02070309020205020404" pitchFamily="49" charset="0"/>
+              </a:rPr>
+              <a:t>24</a:t>
+            </a:r>
+          </a:p>
+        </p:txBody>
+      </p:sp>
+      <p:sp>
+        <p:nvSpPr>
+          <p:cNvPr id="76" name="TextBox 75">
+            <a:extLst>
+              <a:ext uri="{FF2B5EF4-FFF2-40B4-BE49-F238E27FC236}">
+                <a16:creationId xmlns:a16="http://schemas.microsoft.com/office/drawing/2014/main" id="{6606BC6C-3383-DD72-8127-82AA7CDCA398}"/>
+              </a:ext>
+            </a:extLst>
+          </p:cNvPr>
+          <p:cNvSpPr txBox="1"/>
+          <p:nvPr/>
+        </p:nvSpPr>
+        <p:spPr>
+          <a:xfrm>
+            <a:off x="216568" y="4946048"/>
+            <a:ext cx="408764" cy="304659"/>
+          </a:xfrm>
+          <a:prstGeom prst="rect">
+            <a:avLst/>
+          </a:prstGeom>
+          <a:noFill/>
+          <a:ln>
+            <a:noFill/>
+          </a:ln>
+        </p:spPr>
+        <p:txBody>
+          <a:bodyPr wrap="square" lIns="0" tIns="0" rIns="36000" rtlCol="0">
+            <a:noAutofit/>
+          </a:bodyPr>
+          <a:lstStyle/>
+          <a:p>
+            <a:pPr algn="r"/>
+            <a:r>
+              <a:rPr lang="en-US" sz="1100" dirty="0">
+                <a:solidFill>
+                  <a:schemeClr val="tx1">
+                    <a:lumMod val="50000"/>
+                    <a:lumOff val="50000"/>
+                  </a:schemeClr>
+                </a:solidFill>
+                <a:latin typeface="Courier New" panose="02070309020205020404" pitchFamily="49" charset="0"/>
+                <a:cs typeface="Courier New" panose="02070309020205020404" pitchFamily="49" charset="0"/>
+              </a:rPr>
+              <a:t>26</a:t>
+            </a:r>
+          </a:p>
+        </p:txBody>
+      </p:sp>
+      <p:sp>
+        <p:nvSpPr>
+          <p:cNvPr id="77" name="TextBox 76">
+            <a:extLst>
+              <a:ext uri="{FF2B5EF4-FFF2-40B4-BE49-F238E27FC236}">
+                <a16:creationId xmlns:a16="http://schemas.microsoft.com/office/drawing/2014/main" id="{40759289-3DB6-C701-1D04-BE5E066E77A4}"/>
+              </a:ext>
+            </a:extLst>
+          </p:cNvPr>
+          <p:cNvSpPr txBox="1"/>
+          <p:nvPr/>
+        </p:nvSpPr>
+        <p:spPr>
+          <a:xfrm>
+            <a:off x="216568" y="5249737"/>
+            <a:ext cx="408764" cy="304659"/>
+          </a:xfrm>
+          <a:prstGeom prst="rect">
+            <a:avLst/>
+          </a:prstGeom>
+          <a:noFill/>
+          <a:ln>
+            <a:noFill/>
+          </a:ln>
+        </p:spPr>
+        <p:txBody>
+          <a:bodyPr wrap="square" lIns="0" tIns="0" rIns="36000" rtlCol="0">
+            <a:noAutofit/>
+          </a:bodyPr>
+          <a:lstStyle/>
+          <a:p>
+            <a:pPr algn="r"/>
+            <a:r>
+              <a:rPr lang="en-US" sz="1100" dirty="0">
+                <a:solidFill>
+                  <a:schemeClr val="tx1">
+                    <a:lumMod val="50000"/>
+                    <a:lumOff val="50000"/>
+                  </a:schemeClr>
+                </a:solidFill>
+                <a:latin typeface="Courier New" panose="02070309020205020404" pitchFamily="49" charset="0"/>
+                <a:cs typeface="Courier New" panose="02070309020205020404" pitchFamily="49" charset="0"/>
+              </a:rPr>
+              <a:t>28</a:t>
+            </a:r>
+          </a:p>
+        </p:txBody>
+      </p:sp>
+      <p:sp>
+        <p:nvSpPr>
+          <p:cNvPr id="78" name="TextBox 77">
+            <a:extLst>
+              <a:ext uri="{FF2B5EF4-FFF2-40B4-BE49-F238E27FC236}">
+                <a16:creationId xmlns:a16="http://schemas.microsoft.com/office/drawing/2014/main" id="{C82D261E-6ADA-A8EA-DF4E-99E6CB190641}"/>
+              </a:ext>
+            </a:extLst>
+          </p:cNvPr>
+          <p:cNvSpPr txBox="1"/>
+          <p:nvPr/>
+        </p:nvSpPr>
+        <p:spPr>
+          <a:xfrm>
+            <a:off x="216568" y="5553432"/>
+            <a:ext cx="408764" cy="304659"/>
+          </a:xfrm>
+          <a:prstGeom prst="rect">
+            <a:avLst/>
+          </a:prstGeom>
+          <a:noFill/>
+          <a:ln>
+            <a:noFill/>
+          </a:ln>
+        </p:spPr>
+        <p:txBody>
+          <a:bodyPr wrap="square" lIns="0" tIns="0" rIns="36000" rtlCol="0">
+            <a:noAutofit/>
+          </a:bodyPr>
+          <a:lstStyle/>
+          <a:p>
+            <a:pPr algn="r"/>
+            <a:r>
+              <a:rPr lang="en-US" sz="1100" dirty="0">
+                <a:solidFill>
+                  <a:schemeClr val="tx1">
+                    <a:lumMod val="50000"/>
+                    <a:lumOff val="50000"/>
+                  </a:schemeClr>
+                </a:solidFill>
+                <a:latin typeface="Courier New" panose="02070309020205020404" pitchFamily="49" charset="0"/>
+                <a:cs typeface="Courier New" panose="02070309020205020404" pitchFamily="49" charset="0"/>
+              </a:rPr>
+              <a:t>30</a:t>
+            </a:r>
+          </a:p>
+        </p:txBody>
+      </p:sp>
+      <p:cxnSp>
+        <p:nvCxnSpPr>
+          <p:cNvPr id="2" name="Straight Connector 1">
+            <a:extLst>
+              <a:ext uri="{FF2B5EF4-FFF2-40B4-BE49-F238E27FC236}">
+                <a16:creationId xmlns:a16="http://schemas.microsoft.com/office/drawing/2014/main" id="{5C6197BF-454C-DDBE-23BC-E7BECB1992D3}"/>
+              </a:ext>
+            </a:extLst>
+          </p:cNvPr>
+          <p:cNvCxnSpPr>
+            <a:cxnSpLocks/>
+          </p:cNvCxnSpPr>
+          <p:nvPr/>
+        </p:nvCxnSpPr>
+        <p:spPr>
+          <a:xfrm>
+            <a:off x="633000" y="1150350"/>
+            <a:ext cx="8640000" cy="0"/>
+          </a:xfrm>
+          <a:prstGeom prst="line">
+            <a:avLst/>
+          </a:prstGeom>
+          <a:ln w="12700">
+            <a:solidFill>
+              <a:schemeClr val="bg1">
+                <a:lumMod val="95000"/>
+              </a:schemeClr>
+            </a:solidFill>
+            <a:prstDash val="sysDash"/>
+          </a:ln>
+        </p:spPr>
+        <p:style>
+          <a:lnRef idx="2">
+            <a:schemeClr val="accent1"/>
+          </a:lnRef>
+          <a:fillRef idx="0">
+            <a:schemeClr val="accent1"/>
+          </a:fillRef>
+          <a:effectRef idx="1">
+            <a:schemeClr val="accent1"/>
+          </a:effectRef>
+          <a:fontRef idx="minor">
+            <a:schemeClr val="tx1"/>
+          </a:fontRef>
+        </p:style>
+      </p:cxnSp>
+      <p:cxnSp>
+        <p:nvCxnSpPr>
+          <p:cNvPr id="3" name="Straight Connector 2">
+            <a:extLst>
+              <a:ext uri="{FF2B5EF4-FFF2-40B4-BE49-F238E27FC236}">
+                <a16:creationId xmlns:a16="http://schemas.microsoft.com/office/drawing/2014/main" id="{178F6462-24DE-5A7B-D503-24EA1EB59070}"/>
+              </a:ext>
+            </a:extLst>
+          </p:cNvPr>
+          <p:cNvCxnSpPr>
+            <a:cxnSpLocks/>
+          </p:cNvCxnSpPr>
+          <p:nvPr/>
+        </p:nvCxnSpPr>
+        <p:spPr>
+          <a:xfrm>
+            <a:off x="625332" y="1455478"/>
+            <a:ext cx="8640000" cy="0"/>
+          </a:xfrm>
+          <a:prstGeom prst="line">
+            <a:avLst/>
+          </a:prstGeom>
+          <a:ln w="12700">
+            <a:solidFill>
+              <a:schemeClr val="bg1">
+                <a:lumMod val="95000"/>
+              </a:schemeClr>
+            </a:solidFill>
+            <a:prstDash val="sysDash"/>
+          </a:ln>
+        </p:spPr>
+        <p:style>
+          <a:lnRef idx="2">
+            <a:schemeClr val="accent1"/>
+          </a:lnRef>
+          <a:fillRef idx="0">
+            <a:schemeClr val="accent1"/>
+          </a:fillRef>
+          <a:effectRef idx="1">
+            <a:schemeClr val="accent1"/>
+          </a:effectRef>
+          <a:fontRef idx="minor">
+            <a:schemeClr val="tx1"/>
+          </a:fontRef>
+        </p:style>
+      </p:cxnSp>
+      <p:cxnSp>
+        <p:nvCxnSpPr>
+          <p:cNvPr id="5" name="Straight Connector 4">
+            <a:extLst>
+              <a:ext uri="{FF2B5EF4-FFF2-40B4-BE49-F238E27FC236}">
+                <a16:creationId xmlns:a16="http://schemas.microsoft.com/office/drawing/2014/main" id="{E0420C83-642C-59F5-FD3B-FD7EF78CC142}"/>
+              </a:ext>
+            </a:extLst>
+          </p:cNvPr>
+          <p:cNvCxnSpPr>
+            <a:cxnSpLocks/>
+          </p:cNvCxnSpPr>
+          <p:nvPr/>
+        </p:nvCxnSpPr>
+        <p:spPr>
+          <a:xfrm>
+            <a:off x="633000" y="1760606"/>
+            <a:ext cx="8640000" cy="0"/>
+          </a:xfrm>
+          <a:prstGeom prst="line">
+            <a:avLst/>
+          </a:prstGeom>
+          <a:ln w="12700">
+            <a:solidFill>
+              <a:schemeClr val="bg1">
+                <a:lumMod val="95000"/>
+              </a:schemeClr>
+            </a:solidFill>
+            <a:prstDash val="sysDash"/>
+          </a:ln>
+        </p:spPr>
+        <p:style>
+          <a:lnRef idx="2">
+            <a:schemeClr val="accent1"/>
+          </a:lnRef>
+          <a:fillRef idx="0">
+            <a:schemeClr val="accent1"/>
+          </a:fillRef>
+          <a:effectRef idx="1">
+            <a:schemeClr val="accent1"/>
+          </a:effectRef>
+          <a:fontRef idx="minor">
+            <a:schemeClr val="tx1"/>
+          </a:fontRef>
+        </p:style>
+      </p:cxnSp>
+      <p:cxnSp>
+        <p:nvCxnSpPr>
+          <p:cNvPr id="7" name="Straight Connector 6">
+            <a:extLst>
+              <a:ext uri="{FF2B5EF4-FFF2-40B4-BE49-F238E27FC236}">
+                <a16:creationId xmlns:a16="http://schemas.microsoft.com/office/drawing/2014/main" id="{1568F296-A9C5-F76E-9B43-4F64DCF31A77}"/>
+              </a:ext>
+            </a:extLst>
+          </p:cNvPr>
+          <p:cNvCxnSpPr>
+            <a:cxnSpLocks/>
+          </p:cNvCxnSpPr>
+          <p:nvPr/>
+        </p:nvCxnSpPr>
+        <p:spPr>
+          <a:xfrm>
+            <a:off x="625332" y="2065734"/>
+            <a:ext cx="8640000" cy="0"/>
+          </a:xfrm>
+          <a:prstGeom prst="line">
+            <a:avLst/>
+          </a:prstGeom>
+          <a:ln w="12700">
+            <a:solidFill>
+              <a:schemeClr val="bg1">
+                <a:lumMod val="95000"/>
+              </a:schemeClr>
+            </a:solidFill>
+            <a:prstDash val="sysDash"/>
+          </a:ln>
+        </p:spPr>
+        <p:style>
+          <a:lnRef idx="2">
+            <a:schemeClr val="accent1"/>
+          </a:lnRef>
+          <a:fillRef idx="0">
+            <a:schemeClr val="accent1"/>
+          </a:fillRef>
+          <a:effectRef idx="1">
+            <a:schemeClr val="accent1"/>
+          </a:effectRef>
+          <a:fontRef idx="minor">
+            <a:schemeClr val="tx1"/>
+          </a:fontRef>
+        </p:style>
+      </p:cxnSp>
+      <p:cxnSp>
+        <p:nvCxnSpPr>
+          <p:cNvPr id="22" name="Straight Connector 21">
+            <a:extLst>
+              <a:ext uri="{FF2B5EF4-FFF2-40B4-BE49-F238E27FC236}">
+                <a16:creationId xmlns:a16="http://schemas.microsoft.com/office/drawing/2014/main" id="{F1D635F1-DBCA-563B-0555-8EB1612689D9}"/>
+              </a:ext>
+            </a:extLst>
+          </p:cNvPr>
+          <p:cNvCxnSpPr>
+            <a:cxnSpLocks/>
+          </p:cNvCxnSpPr>
+          <p:nvPr/>
+        </p:nvCxnSpPr>
+        <p:spPr>
+          <a:xfrm>
+            <a:off x="633000" y="2370862"/>
+            <a:ext cx="8640000" cy="0"/>
+          </a:xfrm>
+          <a:prstGeom prst="line">
+            <a:avLst/>
+          </a:prstGeom>
+          <a:ln w="12700">
+            <a:solidFill>
+              <a:schemeClr val="bg1">
+                <a:lumMod val="95000"/>
+              </a:schemeClr>
+            </a:solidFill>
+            <a:prstDash val="sysDash"/>
+          </a:ln>
+        </p:spPr>
+        <p:style>
+          <a:lnRef idx="2">
+            <a:schemeClr val="accent1"/>
+          </a:lnRef>
+          <a:fillRef idx="0">
+            <a:schemeClr val="accent1"/>
+          </a:fillRef>
+          <a:effectRef idx="1">
+            <a:schemeClr val="accent1"/>
+          </a:effectRef>
+          <a:fontRef idx="minor">
+            <a:schemeClr val="tx1"/>
+          </a:fontRef>
+        </p:style>
+      </p:cxnSp>
+      <p:cxnSp>
+        <p:nvCxnSpPr>
+          <p:cNvPr id="23" name="Straight Connector 22">
+            <a:extLst>
+              <a:ext uri="{FF2B5EF4-FFF2-40B4-BE49-F238E27FC236}">
+                <a16:creationId xmlns:a16="http://schemas.microsoft.com/office/drawing/2014/main" id="{FB079015-1F28-2F66-BC1F-58881D14E246}"/>
+              </a:ext>
+            </a:extLst>
+          </p:cNvPr>
+          <p:cNvCxnSpPr>
+            <a:cxnSpLocks/>
+          </p:cNvCxnSpPr>
+          <p:nvPr/>
+        </p:nvCxnSpPr>
+        <p:spPr>
+          <a:xfrm>
+            <a:off x="625332" y="2675990"/>
+            <a:ext cx="8640000" cy="0"/>
+          </a:xfrm>
+          <a:prstGeom prst="line">
+            <a:avLst/>
+          </a:prstGeom>
+          <a:ln w="12700">
+            <a:solidFill>
+              <a:schemeClr val="bg1">
+                <a:lumMod val="95000"/>
+              </a:schemeClr>
+            </a:solidFill>
+            <a:prstDash val="sysDash"/>
+          </a:ln>
+        </p:spPr>
+        <p:style>
+          <a:lnRef idx="2">
+            <a:schemeClr val="accent1"/>
+          </a:lnRef>
+          <a:fillRef idx="0">
+            <a:schemeClr val="accent1"/>
+          </a:fillRef>
+          <a:effectRef idx="1">
+            <a:schemeClr val="accent1"/>
+          </a:effectRef>
+          <a:fontRef idx="minor">
+            <a:schemeClr val="tx1"/>
+          </a:fontRef>
+        </p:style>
+      </p:cxnSp>
+      <p:cxnSp>
+        <p:nvCxnSpPr>
+          <p:cNvPr id="24" name="Straight Connector 23">
+            <a:extLst>
+              <a:ext uri="{FF2B5EF4-FFF2-40B4-BE49-F238E27FC236}">
+                <a16:creationId xmlns:a16="http://schemas.microsoft.com/office/drawing/2014/main" id="{5B716887-72EB-52F3-1940-41BB804C9316}"/>
+              </a:ext>
+            </a:extLst>
+          </p:cNvPr>
+          <p:cNvCxnSpPr>
+            <a:cxnSpLocks/>
+          </p:cNvCxnSpPr>
+          <p:nvPr/>
+        </p:nvCxnSpPr>
+        <p:spPr>
+          <a:xfrm>
+            <a:off x="633000" y="2981118"/>
+            <a:ext cx="8640000" cy="0"/>
+          </a:xfrm>
+          <a:prstGeom prst="line">
+            <a:avLst/>
+          </a:prstGeom>
+          <a:ln w="12700">
+            <a:solidFill>
+              <a:schemeClr val="bg1">
+                <a:lumMod val="95000"/>
+              </a:schemeClr>
+            </a:solidFill>
+            <a:prstDash val="sysDash"/>
+          </a:ln>
+        </p:spPr>
+        <p:style>
+          <a:lnRef idx="2">
+            <a:schemeClr val="accent1"/>
+          </a:lnRef>
+          <a:fillRef idx="0">
+            <a:schemeClr val="accent1"/>
+          </a:fillRef>
+          <a:effectRef idx="1">
+            <a:schemeClr val="accent1"/>
+          </a:effectRef>
+          <a:fontRef idx="minor">
+            <a:schemeClr val="tx1"/>
+          </a:fontRef>
+        </p:style>
+      </p:cxnSp>
+      <p:cxnSp>
+        <p:nvCxnSpPr>
+          <p:cNvPr id="25" name="Straight Connector 24">
+            <a:extLst>
+              <a:ext uri="{FF2B5EF4-FFF2-40B4-BE49-F238E27FC236}">
+                <a16:creationId xmlns:a16="http://schemas.microsoft.com/office/drawing/2014/main" id="{8CE95D46-E40B-5E02-AB4B-8628688C4270}"/>
+              </a:ext>
+            </a:extLst>
+          </p:cNvPr>
+          <p:cNvCxnSpPr>
+            <a:cxnSpLocks/>
+          </p:cNvCxnSpPr>
+          <p:nvPr/>
+        </p:nvCxnSpPr>
+        <p:spPr>
+          <a:xfrm>
+            <a:off x="625332" y="3286246"/>
+            <a:ext cx="8640000" cy="0"/>
+          </a:xfrm>
+          <a:prstGeom prst="line">
+            <a:avLst/>
+          </a:prstGeom>
+          <a:ln w="12700">
+            <a:solidFill>
+              <a:schemeClr val="bg1">
+                <a:lumMod val="95000"/>
+              </a:schemeClr>
+            </a:solidFill>
+            <a:prstDash val="sysDash"/>
+          </a:ln>
+        </p:spPr>
+        <p:style>
+          <a:lnRef idx="2">
+            <a:schemeClr val="accent1"/>
+          </a:lnRef>
+          <a:fillRef idx="0">
+            <a:schemeClr val="accent1"/>
+          </a:fillRef>
+          <a:effectRef idx="1">
+            <a:schemeClr val="accent1"/>
+          </a:effectRef>
+          <a:fontRef idx="minor">
+            <a:schemeClr val="tx1"/>
+          </a:fontRef>
+        </p:style>
+      </p:cxnSp>
+      <p:cxnSp>
+        <p:nvCxnSpPr>
+          <p:cNvPr id="26" name="Straight Connector 25">
+            <a:extLst>
+              <a:ext uri="{FF2B5EF4-FFF2-40B4-BE49-F238E27FC236}">
+                <a16:creationId xmlns:a16="http://schemas.microsoft.com/office/drawing/2014/main" id="{2C24EB60-DD8D-BB01-A294-F53FED80C5F3}"/>
+              </a:ext>
+            </a:extLst>
+          </p:cNvPr>
+          <p:cNvCxnSpPr>
+            <a:cxnSpLocks/>
+          </p:cNvCxnSpPr>
+          <p:nvPr/>
+        </p:nvCxnSpPr>
+        <p:spPr>
+          <a:xfrm>
+            <a:off x="625332" y="3591374"/>
+            <a:ext cx="8640000" cy="0"/>
+          </a:xfrm>
+          <a:prstGeom prst="line">
+            <a:avLst/>
+          </a:prstGeom>
+          <a:ln w="12700">
+            <a:solidFill>
+              <a:schemeClr val="bg1">
+                <a:lumMod val="95000"/>
+              </a:schemeClr>
+            </a:solidFill>
+            <a:prstDash val="sysDash"/>
+          </a:ln>
+        </p:spPr>
+        <p:style>
+          <a:lnRef idx="2">
+            <a:schemeClr val="accent1"/>
+          </a:lnRef>
+          <a:fillRef idx="0">
+            <a:schemeClr val="accent1"/>
+          </a:fillRef>
+          <a:effectRef idx="1">
+            <a:schemeClr val="accent1"/>
+          </a:effectRef>
+          <a:fontRef idx="minor">
+            <a:schemeClr val="tx1"/>
+          </a:fontRef>
+        </p:style>
+      </p:cxnSp>
+      <p:cxnSp>
+        <p:nvCxnSpPr>
+          <p:cNvPr id="28" name="Straight Connector 27">
+            <a:extLst>
+              <a:ext uri="{FF2B5EF4-FFF2-40B4-BE49-F238E27FC236}">
+                <a16:creationId xmlns:a16="http://schemas.microsoft.com/office/drawing/2014/main" id="{4B5ADC41-116D-26FF-6E2B-DE78943BEC95}"/>
+              </a:ext>
+            </a:extLst>
+          </p:cNvPr>
+          <p:cNvCxnSpPr>
+            <a:cxnSpLocks/>
+          </p:cNvCxnSpPr>
+          <p:nvPr/>
+        </p:nvCxnSpPr>
+        <p:spPr>
+          <a:xfrm>
+            <a:off x="617664" y="3896502"/>
+            <a:ext cx="8640000" cy="0"/>
+          </a:xfrm>
+          <a:prstGeom prst="line">
+            <a:avLst/>
+          </a:prstGeom>
+          <a:ln w="12700">
+            <a:solidFill>
+              <a:schemeClr val="bg1">
+                <a:lumMod val="95000"/>
+              </a:schemeClr>
+            </a:solidFill>
+            <a:prstDash val="sysDash"/>
+          </a:ln>
+        </p:spPr>
+        <p:style>
+          <a:lnRef idx="2">
+            <a:schemeClr val="accent1"/>
+          </a:lnRef>
+          <a:fillRef idx="0">
+            <a:schemeClr val="accent1"/>
+          </a:fillRef>
+          <a:effectRef idx="1">
+            <a:schemeClr val="accent1"/>
+          </a:effectRef>
+          <a:fontRef idx="minor">
+            <a:schemeClr val="tx1"/>
+          </a:fontRef>
+        </p:style>
+      </p:cxnSp>
+      <p:cxnSp>
+        <p:nvCxnSpPr>
+          <p:cNvPr id="29" name="Straight Connector 28">
+            <a:extLst>
+              <a:ext uri="{FF2B5EF4-FFF2-40B4-BE49-F238E27FC236}">
+                <a16:creationId xmlns:a16="http://schemas.microsoft.com/office/drawing/2014/main" id="{68125D70-C04A-2F89-2150-BD8559CB8F2E}"/>
+              </a:ext>
+            </a:extLst>
+          </p:cNvPr>
+          <p:cNvCxnSpPr>
+            <a:cxnSpLocks/>
+          </p:cNvCxnSpPr>
+          <p:nvPr/>
+        </p:nvCxnSpPr>
+        <p:spPr>
+          <a:xfrm>
+            <a:off x="625332" y="4201630"/>
+            <a:ext cx="8640000" cy="0"/>
+          </a:xfrm>
+          <a:prstGeom prst="line">
+            <a:avLst/>
+          </a:prstGeom>
+          <a:ln w="12700">
+            <a:solidFill>
+              <a:schemeClr val="bg1">
+                <a:lumMod val="95000"/>
+              </a:schemeClr>
+            </a:solidFill>
+            <a:prstDash val="sysDash"/>
+          </a:ln>
+        </p:spPr>
+        <p:style>
+          <a:lnRef idx="2">
+            <a:schemeClr val="accent1"/>
+          </a:lnRef>
+          <a:fillRef idx="0">
+            <a:schemeClr val="accent1"/>
+          </a:fillRef>
+          <a:effectRef idx="1">
+            <a:schemeClr val="accent1"/>
+          </a:effectRef>
+          <a:fontRef idx="minor">
+            <a:schemeClr val="tx1"/>
+          </a:fontRef>
+        </p:style>
+      </p:cxnSp>
+      <p:cxnSp>
+        <p:nvCxnSpPr>
+          <p:cNvPr id="44" name="Straight Connector 43">
+            <a:extLst>
+              <a:ext uri="{FF2B5EF4-FFF2-40B4-BE49-F238E27FC236}">
+                <a16:creationId xmlns:a16="http://schemas.microsoft.com/office/drawing/2014/main" id="{5CAF9E50-B434-6B45-C40F-F5EC218E794C}"/>
+              </a:ext>
+            </a:extLst>
+          </p:cNvPr>
+          <p:cNvCxnSpPr>
+            <a:cxnSpLocks/>
+          </p:cNvCxnSpPr>
+          <p:nvPr/>
+        </p:nvCxnSpPr>
+        <p:spPr>
+          <a:xfrm>
+            <a:off x="617664" y="4506758"/>
+            <a:ext cx="8640000" cy="0"/>
+          </a:xfrm>
+          <a:prstGeom prst="line">
+            <a:avLst/>
+          </a:prstGeom>
+          <a:ln w="12700">
+            <a:solidFill>
+              <a:schemeClr val="bg1">
+                <a:lumMod val="95000"/>
+              </a:schemeClr>
+            </a:solidFill>
+            <a:prstDash val="sysDash"/>
+          </a:ln>
+        </p:spPr>
+        <p:style>
+          <a:lnRef idx="2">
+            <a:schemeClr val="accent1"/>
+          </a:lnRef>
+          <a:fillRef idx="0">
+            <a:schemeClr val="accent1"/>
+          </a:fillRef>
+          <a:effectRef idx="1">
+            <a:schemeClr val="accent1"/>
+          </a:effectRef>
+          <a:fontRef idx="minor">
+            <a:schemeClr val="tx1"/>
+          </a:fontRef>
+        </p:style>
+      </p:cxnSp>
+      <p:cxnSp>
+        <p:nvCxnSpPr>
+          <p:cNvPr id="61" name="Straight Connector 60">
+            <a:extLst>
+              <a:ext uri="{FF2B5EF4-FFF2-40B4-BE49-F238E27FC236}">
+                <a16:creationId xmlns:a16="http://schemas.microsoft.com/office/drawing/2014/main" id="{F37E31C1-00EC-18EA-94C7-8DFC2353D30C}"/>
+              </a:ext>
+            </a:extLst>
+          </p:cNvPr>
+          <p:cNvCxnSpPr>
+            <a:cxnSpLocks/>
+          </p:cNvCxnSpPr>
+          <p:nvPr/>
+        </p:nvCxnSpPr>
+        <p:spPr>
+          <a:xfrm>
+            <a:off x="625332" y="4811886"/>
+            <a:ext cx="8640000" cy="0"/>
+          </a:xfrm>
+          <a:prstGeom prst="line">
+            <a:avLst/>
+          </a:prstGeom>
+          <a:ln w="12700">
+            <a:solidFill>
+              <a:schemeClr val="bg1">
+                <a:lumMod val="95000"/>
+              </a:schemeClr>
+            </a:solidFill>
+            <a:prstDash val="sysDash"/>
+          </a:ln>
+        </p:spPr>
+        <p:style>
+          <a:lnRef idx="2">
+            <a:schemeClr val="accent1"/>
+          </a:lnRef>
+          <a:fillRef idx="0">
+            <a:schemeClr val="accent1"/>
+          </a:fillRef>
+          <a:effectRef idx="1">
+            <a:schemeClr val="accent1"/>
+          </a:effectRef>
+          <a:fontRef idx="minor">
+            <a:schemeClr val="tx1"/>
+          </a:fontRef>
+        </p:style>
+      </p:cxnSp>
+      <p:cxnSp>
+        <p:nvCxnSpPr>
+          <p:cNvPr id="79" name="Straight Connector 78">
+            <a:extLst>
+              <a:ext uri="{FF2B5EF4-FFF2-40B4-BE49-F238E27FC236}">
+                <a16:creationId xmlns:a16="http://schemas.microsoft.com/office/drawing/2014/main" id="{8EBC09B9-3485-FFBA-3BC9-84398D5A12EC}"/>
+              </a:ext>
+            </a:extLst>
+          </p:cNvPr>
+          <p:cNvCxnSpPr>
+            <a:cxnSpLocks/>
+          </p:cNvCxnSpPr>
+          <p:nvPr/>
+        </p:nvCxnSpPr>
+        <p:spPr>
+          <a:xfrm>
+            <a:off x="617664" y="5117014"/>
+            <a:ext cx="8640000" cy="0"/>
+          </a:xfrm>
+          <a:prstGeom prst="line">
+            <a:avLst/>
+          </a:prstGeom>
+          <a:ln w="12700">
+            <a:solidFill>
+              <a:schemeClr val="bg1">
+                <a:lumMod val="95000"/>
+              </a:schemeClr>
+            </a:solidFill>
+            <a:prstDash val="sysDash"/>
+          </a:ln>
+        </p:spPr>
+        <p:style>
+          <a:lnRef idx="2">
+            <a:schemeClr val="accent1"/>
+          </a:lnRef>
+          <a:fillRef idx="0">
+            <a:schemeClr val="accent1"/>
+          </a:fillRef>
+          <a:effectRef idx="1">
+            <a:schemeClr val="accent1"/>
+          </a:effectRef>
+          <a:fontRef idx="minor">
+            <a:schemeClr val="tx1"/>
+          </a:fontRef>
+        </p:style>
+      </p:cxnSp>
+      <p:cxnSp>
+        <p:nvCxnSpPr>
+          <p:cNvPr id="80" name="Straight Connector 79">
+            <a:extLst>
+              <a:ext uri="{FF2B5EF4-FFF2-40B4-BE49-F238E27FC236}">
+                <a16:creationId xmlns:a16="http://schemas.microsoft.com/office/drawing/2014/main" id="{7C701C89-7777-2EEB-F41D-C4F9F4FDA55A}"/>
+              </a:ext>
+            </a:extLst>
+          </p:cNvPr>
+          <p:cNvCxnSpPr>
+            <a:cxnSpLocks/>
+          </p:cNvCxnSpPr>
+          <p:nvPr/>
+        </p:nvCxnSpPr>
+        <p:spPr>
+          <a:xfrm>
+            <a:off x="625332" y="5422142"/>
+            <a:ext cx="8640000" cy="0"/>
+          </a:xfrm>
+          <a:prstGeom prst="line">
+            <a:avLst/>
+          </a:prstGeom>
+          <a:ln w="12700">
+            <a:solidFill>
+              <a:schemeClr val="bg1">
+                <a:lumMod val="95000"/>
+              </a:schemeClr>
+            </a:solidFill>
+            <a:prstDash val="sysDash"/>
+          </a:ln>
+        </p:spPr>
+        <p:style>
+          <a:lnRef idx="2">
+            <a:schemeClr val="accent1"/>
+          </a:lnRef>
+          <a:fillRef idx="0">
+            <a:schemeClr val="accent1"/>
+          </a:fillRef>
+          <a:effectRef idx="1">
+            <a:schemeClr val="accent1"/>
+          </a:effectRef>
+          <a:fontRef idx="minor">
+            <a:schemeClr val="tx1"/>
+          </a:fontRef>
+        </p:style>
+      </p:cxnSp>
+      <p:cxnSp>
+        <p:nvCxnSpPr>
+          <p:cNvPr id="81" name="Straight Connector 80">
+            <a:extLst>
+              <a:ext uri="{FF2B5EF4-FFF2-40B4-BE49-F238E27FC236}">
+                <a16:creationId xmlns:a16="http://schemas.microsoft.com/office/drawing/2014/main" id="{F1FDE961-8A6D-9962-AFDF-2D5F371CFB2D}"/>
+              </a:ext>
+            </a:extLst>
+          </p:cNvPr>
+          <p:cNvCxnSpPr>
+            <a:cxnSpLocks/>
+          </p:cNvCxnSpPr>
+          <p:nvPr/>
+        </p:nvCxnSpPr>
+        <p:spPr>
+          <a:xfrm>
+            <a:off x="617664" y="5727266"/>
+            <a:ext cx="8640000" cy="0"/>
+          </a:xfrm>
+          <a:prstGeom prst="line">
+            <a:avLst/>
+          </a:prstGeom>
+          <a:ln w="12700">
+            <a:solidFill>
+              <a:schemeClr val="bg1">
+                <a:lumMod val="95000"/>
+              </a:schemeClr>
+            </a:solidFill>
+            <a:prstDash val="sysDash"/>
+          </a:ln>
+        </p:spPr>
+        <p:style>
+          <a:lnRef idx="2">
+            <a:schemeClr val="accent1"/>
+          </a:lnRef>
+          <a:fillRef idx="0">
+            <a:schemeClr val="accent1"/>
+          </a:fillRef>
+          <a:effectRef idx="1">
+            <a:schemeClr val="accent1"/>
+          </a:effectRef>
+          <a:fontRef idx="minor">
+            <a:schemeClr val="tx1"/>
+          </a:fontRef>
+        </p:style>
+      </p:cxnSp>
+    </p:spTree>
+    <p:extLst>
+      <p:ext uri="{BB962C8B-B14F-4D97-AF65-F5344CB8AC3E}">
+        <p14:creationId xmlns:p14="http://schemas.microsoft.com/office/powerpoint/2010/main" val="1057348052"/>
       </p:ext>
     </p:extLst>
   </p:cSld>
